--- a/artifacts/arch/lpmcai-presentation.pptx
+++ b/artifacts/arch/lpmcai-presentation.pptx
@@ -2,14 +2,14 @@
 <file path=ppt/presentation.xml><?xml version="1.0" encoding="utf-8"?>
 <p:presentation xmlns:a="http://schemas.openxmlformats.org/drawingml/2006/main" xmlns:r="http://schemas.openxmlformats.org/officeDocument/2006/relationships" xmlns:p="http://schemas.openxmlformats.org/presentationml/2006/main" saveSubsetFonts="1">
   <p:sldMasterIdLst>
-    <p:sldMasterId id="2147483648" r:id="rId1"/>
+    <p:sldMasterId id="2147483729" r:id="rId1"/>
   </p:sldMasterIdLst>
   <p:sldIdLst>
     <p:sldId id="257" r:id="rId2"/>
     <p:sldId id="256" r:id="rId3"/>
-    <p:sldId id="259" r:id="rId4"/>
+    <p:sldId id="261" r:id="rId4"/>
     <p:sldId id="258" r:id="rId5"/>
-    <p:sldId id="260" r:id="rId6"/>
+    <p:sldId id="262" r:id="rId6"/>
   </p:sldIdLst>
   <p:sldSz cx="12192000" cy="6858000"/>
   <p:notesSz cx="6858000" cy="9144000"/>
@@ -17,7 +17,7 @@
     <a:defPPr>
       <a:defRPr lang="en-US"/>
     </a:defPPr>
-    <a:lvl1pPr marL="0" algn="l" defTabSz="914400" rtl="0" eaLnBrk="1" latinLnBrk="0" hangingPunct="1">
+    <a:lvl1pPr marL="0" algn="l" defTabSz="457200" rtl="0" eaLnBrk="1" latinLnBrk="0" hangingPunct="1">
       <a:defRPr sz="1800" kern="1200">
         <a:solidFill>
           <a:schemeClr val="tx1"/>
@@ -27,7 +27,7 @@
         <a:cs typeface="+mn-cs"/>
       </a:defRPr>
     </a:lvl1pPr>
-    <a:lvl2pPr marL="457200" algn="l" defTabSz="914400" rtl="0" eaLnBrk="1" latinLnBrk="0" hangingPunct="1">
+    <a:lvl2pPr marL="457200" algn="l" defTabSz="457200" rtl="0" eaLnBrk="1" latinLnBrk="0" hangingPunct="1">
       <a:defRPr sz="1800" kern="1200">
         <a:solidFill>
           <a:schemeClr val="tx1"/>
@@ -37,7 +37,7 @@
         <a:cs typeface="+mn-cs"/>
       </a:defRPr>
     </a:lvl2pPr>
-    <a:lvl3pPr marL="914400" algn="l" defTabSz="914400" rtl="0" eaLnBrk="1" latinLnBrk="0" hangingPunct="1">
+    <a:lvl3pPr marL="914400" algn="l" defTabSz="457200" rtl="0" eaLnBrk="1" latinLnBrk="0" hangingPunct="1">
       <a:defRPr sz="1800" kern="1200">
         <a:solidFill>
           <a:schemeClr val="tx1"/>
@@ -47,7 +47,7 @@
         <a:cs typeface="+mn-cs"/>
       </a:defRPr>
     </a:lvl3pPr>
-    <a:lvl4pPr marL="1371600" algn="l" defTabSz="914400" rtl="0" eaLnBrk="1" latinLnBrk="0" hangingPunct="1">
+    <a:lvl4pPr marL="1371600" algn="l" defTabSz="457200" rtl="0" eaLnBrk="1" latinLnBrk="0" hangingPunct="1">
       <a:defRPr sz="1800" kern="1200">
         <a:solidFill>
           <a:schemeClr val="tx1"/>
@@ -57,7 +57,7 @@
         <a:cs typeface="+mn-cs"/>
       </a:defRPr>
     </a:lvl4pPr>
-    <a:lvl5pPr marL="1828800" algn="l" defTabSz="914400" rtl="0" eaLnBrk="1" latinLnBrk="0" hangingPunct="1">
+    <a:lvl5pPr marL="1828800" algn="l" defTabSz="457200" rtl="0" eaLnBrk="1" latinLnBrk="0" hangingPunct="1">
       <a:defRPr sz="1800" kern="1200">
         <a:solidFill>
           <a:schemeClr val="tx1"/>
@@ -67,7 +67,7 @@
         <a:cs typeface="+mn-cs"/>
       </a:defRPr>
     </a:lvl5pPr>
-    <a:lvl6pPr marL="2286000" algn="l" defTabSz="914400" rtl="0" eaLnBrk="1" latinLnBrk="0" hangingPunct="1">
+    <a:lvl6pPr marL="2286000" algn="l" defTabSz="457200" rtl="0" eaLnBrk="1" latinLnBrk="0" hangingPunct="1">
       <a:defRPr sz="1800" kern="1200">
         <a:solidFill>
           <a:schemeClr val="tx1"/>
@@ -77,7 +77,7 @@
         <a:cs typeface="+mn-cs"/>
       </a:defRPr>
     </a:lvl6pPr>
-    <a:lvl7pPr marL="2743200" algn="l" defTabSz="914400" rtl="0" eaLnBrk="1" latinLnBrk="0" hangingPunct="1">
+    <a:lvl7pPr marL="2743200" algn="l" defTabSz="457200" rtl="0" eaLnBrk="1" latinLnBrk="0" hangingPunct="1">
       <a:defRPr sz="1800" kern="1200">
         <a:solidFill>
           <a:schemeClr val="tx1"/>
@@ -87,7 +87,7 @@
         <a:cs typeface="+mn-cs"/>
       </a:defRPr>
     </a:lvl7pPr>
-    <a:lvl8pPr marL="3200400" algn="l" defTabSz="914400" rtl="0" eaLnBrk="1" latinLnBrk="0" hangingPunct="1">
+    <a:lvl8pPr marL="3200400" algn="l" defTabSz="457200" rtl="0" eaLnBrk="1" latinLnBrk="0" hangingPunct="1">
       <a:defRPr sz="1800" kern="1200">
         <a:solidFill>
           <a:schemeClr val="tx1"/>
@@ -97,7 +97,7 @@
         <a:cs typeface="+mn-cs"/>
       </a:defRPr>
     </a:lvl8pPr>
-    <a:lvl9pPr marL="3657600" algn="l" defTabSz="914400" rtl="0" eaLnBrk="1" latinLnBrk="0" hangingPunct="1">
+    <a:lvl9pPr marL="3657600" algn="l" defTabSz="457200" rtl="0" eaLnBrk="1" latinLnBrk="0" hangingPunct="1">
       <a:defRPr sz="1800" kern="1200">
         <a:solidFill>
           <a:schemeClr val="tx1"/>
@@ -108,12 +108,25 @@
       </a:defRPr>
     </a:lvl9pPr>
   </p:defaultTextStyle>
+  <p:extLst>
+    <p:ext uri="{EFAFB233-063F-42B5-8137-9DF3F51BA10A}">
+      <p15:sldGuideLst xmlns:p15="http://schemas.microsoft.com/office/powerpoint/2012/main"/>
+    </p:ext>
+  </p:extLst>
 </p:presentation>
 </file>
 
 <file path=ppt/slideLayouts/slideLayout1.xml><?xml version="1.0" encoding="utf-8"?>
 <p:sldLayout xmlns:a="http://schemas.openxmlformats.org/drawingml/2006/main" xmlns:r="http://schemas.openxmlformats.org/officeDocument/2006/relationships" xmlns:p="http://schemas.openxmlformats.org/presentationml/2006/main" type="title" preserve="1">
   <p:cSld name="Title Slide">
+    <p:bg>
+      <p:bgPr>
+        <a:solidFill>
+          <a:schemeClr val="accent2"/>
+        </a:solidFill>
+        <a:effectLst/>
+      </p:bgPr>
+    </p:bg>
     <p:spTree>
       <p:nvGrpSpPr>
         <p:cNvPr id="1" name=""/>
@@ -130,70 +143,82 @@
       </p:grpSpPr>
       <p:sp>
         <p:nvSpPr>
-          <p:cNvPr id="2" name="Title 1">
-            <a:extLst>
-              <a:ext uri="{FF2B5EF4-FFF2-40B4-BE49-F238E27FC236}">
-                <a16:creationId xmlns:a16="http://schemas.microsoft.com/office/drawing/2014/main" id="{0709F8D6-001C-4000-8296-5B9B11479093}"/>
-              </a:ext>
-            </a:extLst>
-          </p:cNvPr>
+          <p:cNvPr id="2" name="Title 1"/>
           <p:cNvSpPr>
             <a:spLocks noGrp="1"/>
           </p:cNvSpPr>
           <p:nvPr>
             <p:ph type="ctrTitle"/>
+          </p:nvPr>
+        </p:nvSpPr>
+        <p:spPr bwMode="blackWhite">
+          <a:xfrm>
+            <a:off x="1600200" y="2386744"/>
+            <a:ext cx="8991600" cy="1645920"/>
+          </a:xfrm>
+          <a:solidFill>
+            <a:srgbClr val="FFFFFF"/>
+          </a:solidFill>
+          <a:ln w="38100">
+            <a:solidFill>
+              <a:srgbClr val="404040"/>
+            </a:solidFill>
+          </a:ln>
+        </p:spPr>
+        <p:txBody>
+          <a:bodyPr lIns="274320" rIns="274320" anchor="ctr" anchorCtr="1">
+            <a:normAutofit/>
+          </a:bodyPr>
+          <a:lstStyle>
+            <a:lvl1pPr algn="ctr">
+              <a:defRPr sz="3800">
+                <a:solidFill>
+                  <a:srgbClr val="262626"/>
+                </a:solidFill>
+              </a:defRPr>
+            </a:lvl1pPr>
+          </a:lstStyle>
+          <a:p>
+            <a:r>
+              <a:rPr lang="en-US"/>
+              <a:t>Click to edit Master title style</a:t>
+            </a:r>
+            <a:endParaRPr lang="en-US" dirty="0"/>
+          </a:p>
+        </p:txBody>
+      </p:sp>
+      <p:sp>
+        <p:nvSpPr>
+          <p:cNvPr id="3" name="Subtitle 2"/>
+          <p:cNvSpPr>
+            <a:spLocks noGrp="1"/>
+          </p:cNvSpPr>
+          <p:nvPr>
+            <p:ph type="subTitle" idx="1"/>
           </p:nvPr>
         </p:nvSpPr>
         <p:spPr>
           <a:xfrm>
-            <a:off x="1524000" y="1122363"/>
-            <a:ext cx="9144000" cy="2387600"/>
-          </a:xfrm>
+            <a:off x="2695194" y="4352544"/>
+            <a:ext cx="6801612" cy="1239894"/>
+          </a:xfrm>
+          <a:noFill/>
         </p:spPr>
         <p:txBody>
-          <a:bodyPr anchor="b"/>
-          <a:lstStyle>
-            <a:lvl1pPr algn="ctr">
-              <a:defRPr sz="6000"/>
-            </a:lvl1pPr>
-          </a:lstStyle>
-          <a:p>
-            <a:r>
-              <a:rPr lang="en-US"/>
-              <a:t>Click to edit Master title style</a:t>
-            </a:r>
-            <a:endParaRPr lang="en-IN"/>
-          </a:p>
-        </p:txBody>
-      </p:sp>
-      <p:sp>
-        <p:nvSpPr>
-          <p:cNvPr id="3" name="Subtitle 2">
-            <a:extLst>
-              <a:ext uri="{FF2B5EF4-FFF2-40B4-BE49-F238E27FC236}">
-                <a16:creationId xmlns:a16="http://schemas.microsoft.com/office/drawing/2014/main" id="{F064F144-9C64-E68B-AD73-DEBADB953A78}"/>
-              </a:ext>
-            </a:extLst>
-          </p:cNvPr>
-          <p:cNvSpPr>
-            <a:spLocks noGrp="1"/>
-          </p:cNvSpPr>
-          <p:nvPr>
-            <p:ph type="subTitle" idx="1"/>
-          </p:nvPr>
-        </p:nvSpPr>
-        <p:spPr>
-          <a:xfrm>
-            <a:off x="1524000" y="3602038"/>
-            <a:ext cx="9144000" cy="1655762"/>
-          </a:xfrm>
-        </p:spPr>
-        <p:txBody>
-          <a:bodyPr/>
+          <a:bodyPr>
+            <a:normAutofit/>
+          </a:bodyPr>
           <a:lstStyle>
             <a:lvl1pPr marL="0" indent="0" algn="ctr">
               <a:buNone/>
-              <a:defRPr sz="2400"/>
+              <a:defRPr sz="2000">
+                <a:solidFill>
+                  <a:schemeClr val="tx1">
+                    <a:lumMod val="75000"/>
+                    <a:lumOff val="25000"/>
+                  </a:schemeClr>
+                </a:solidFill>
+              </a:defRPr>
             </a:lvl1pPr>
             <a:lvl2pPr marL="457200" indent="0" algn="ctr">
               <a:buNone/>
@@ -233,19 +258,13 @@
               <a:rPr lang="en-US"/>
               <a:t>Click to edit Master subtitle style</a:t>
             </a:r>
-            <a:endParaRPr lang="en-IN"/>
-          </a:p>
-        </p:txBody>
-      </p:sp>
-      <p:sp>
-        <p:nvSpPr>
-          <p:cNvPr id="4" name="Date Placeholder 3">
-            <a:extLst>
-              <a:ext uri="{FF2B5EF4-FFF2-40B4-BE49-F238E27FC236}">
-                <a16:creationId xmlns:a16="http://schemas.microsoft.com/office/drawing/2014/main" id="{C460B643-3A3D-A57A-524A-A59E8117C24C}"/>
-              </a:ext>
-            </a:extLst>
-          </p:cNvPr>
+            <a:endParaRPr lang="en-US" dirty="0"/>
+          </a:p>
+        </p:txBody>
+      </p:sp>
+      <p:sp>
+        <p:nvSpPr>
+          <p:cNvPr id="7" name="Date Placeholder 6"/>
           <p:cNvSpPr>
             <a:spLocks noGrp="1"/>
           </p:cNvSpPr>
@@ -260,7 +279,7 @@
           <a:p>
             <a:fld id="{4BB054B0-ACC7-4D96-B452-3CB8A65224F4}" type="datetimeFigureOut">
               <a:rPr lang="en-IN" smtClean="0"/>
-              <a:t>25-03-2025</a:t>
+              <a:t>26-03-2025</a:t>
             </a:fld>
             <a:endParaRPr lang="en-IN"/>
           </a:p>
@@ -268,13 +287,7 @@
       </p:sp>
       <p:sp>
         <p:nvSpPr>
-          <p:cNvPr id="5" name="Footer Placeholder 4">
-            <a:extLst>
-              <a:ext uri="{FF2B5EF4-FFF2-40B4-BE49-F238E27FC236}">
-                <a16:creationId xmlns:a16="http://schemas.microsoft.com/office/drawing/2014/main" id="{37D76B60-175D-5634-3E77-F769239A128F}"/>
-              </a:ext>
-            </a:extLst>
-          </p:cNvPr>
+          <p:cNvPr id="8" name="Footer Placeholder 7"/>
           <p:cNvSpPr>
             <a:spLocks noGrp="1"/>
           </p:cNvSpPr>
@@ -293,13 +306,7 @@
       </p:sp>
       <p:sp>
         <p:nvSpPr>
-          <p:cNvPr id="6" name="Slide Number Placeholder 5">
-            <a:extLst>
-              <a:ext uri="{FF2B5EF4-FFF2-40B4-BE49-F238E27FC236}">
-                <a16:creationId xmlns:a16="http://schemas.microsoft.com/office/drawing/2014/main" id="{2E59FC3B-3E09-CBA6-CDAE-FD5917E28924}"/>
-              </a:ext>
-            </a:extLst>
-          </p:cNvPr>
+          <p:cNvPr id="9" name="Slide Number Placeholder 8"/>
           <p:cNvSpPr>
             <a:spLocks noGrp="1"/>
           </p:cNvSpPr>
@@ -323,12 +330,12 @@
     </p:spTree>
     <p:extLst>
       <p:ext uri="{BB962C8B-B14F-4D97-AF65-F5344CB8AC3E}">
-        <p14:creationId xmlns:p14="http://schemas.microsoft.com/office/powerpoint/2010/main" val="1986454477"/>
+        <p14:creationId xmlns:p14="http://schemas.microsoft.com/office/powerpoint/2010/main" val="2737222759"/>
       </p:ext>
     </p:extLst>
   </p:cSld>
   <p:clrMapOvr>
-    <a:masterClrMapping/>
+    <a:overrideClrMapping bg1="dk1" tx1="lt1" bg2="dk2" tx2="lt2" accent1="accent1" accent2="accent2" accent3="accent3" accent4="accent4" accent5="accent5" accent6="accent6" hlink="hlink" folHlink="folHlink"/>
   </p:clrMapOvr>
 </p:sldLayout>
 </file>
@@ -352,13 +359,7 @@
       </p:grpSpPr>
       <p:sp>
         <p:nvSpPr>
-          <p:cNvPr id="2" name="Title 1">
-            <a:extLst>
-              <a:ext uri="{FF2B5EF4-FFF2-40B4-BE49-F238E27FC236}">
-                <a16:creationId xmlns:a16="http://schemas.microsoft.com/office/drawing/2014/main" id="{BC0D0377-11C4-516D-233A-006374970AB2}"/>
-              </a:ext>
-            </a:extLst>
-          </p:cNvPr>
+          <p:cNvPr id="2" name="Title 1"/>
           <p:cNvSpPr>
             <a:spLocks noGrp="1"/>
           </p:cNvSpPr>
@@ -375,19 +376,13 @@
               <a:rPr lang="en-US"/>
               <a:t>Click to edit Master title style</a:t>
             </a:r>
-            <a:endParaRPr lang="en-IN"/>
-          </a:p>
-        </p:txBody>
-      </p:sp>
-      <p:sp>
-        <p:nvSpPr>
-          <p:cNvPr id="3" name="Vertical Text Placeholder 2">
-            <a:extLst>
-              <a:ext uri="{FF2B5EF4-FFF2-40B4-BE49-F238E27FC236}">
-                <a16:creationId xmlns:a16="http://schemas.microsoft.com/office/drawing/2014/main" id="{3D19C444-BBB7-A518-9B93-6E209DCEECC3}"/>
-              </a:ext>
-            </a:extLst>
-          </p:cNvPr>
+            <a:endParaRPr lang="en-US" dirty="0"/>
+          </a:p>
+        </p:txBody>
+      </p:sp>
+      <p:sp>
+        <p:nvSpPr>
+          <p:cNvPr id="3" name="Vertical Text Placeholder 2"/>
           <p:cNvSpPr>
             <a:spLocks noGrp="1"/>
           </p:cNvSpPr>
@@ -433,19 +428,13 @@
               <a:rPr lang="en-US"/>
               <a:t>Fifth level</a:t>
             </a:r>
-            <a:endParaRPr lang="en-IN"/>
-          </a:p>
-        </p:txBody>
-      </p:sp>
-      <p:sp>
-        <p:nvSpPr>
-          <p:cNvPr id="4" name="Date Placeholder 3">
-            <a:extLst>
-              <a:ext uri="{FF2B5EF4-FFF2-40B4-BE49-F238E27FC236}">
-                <a16:creationId xmlns:a16="http://schemas.microsoft.com/office/drawing/2014/main" id="{18DE8B18-479B-4F83-EF38-6EA83991E6C5}"/>
-              </a:ext>
-            </a:extLst>
-          </p:cNvPr>
+            <a:endParaRPr lang="en-US" dirty="0"/>
+          </a:p>
+        </p:txBody>
+      </p:sp>
+      <p:sp>
+        <p:nvSpPr>
+          <p:cNvPr id="4" name="Date Placeholder 3"/>
           <p:cNvSpPr>
             <a:spLocks noGrp="1"/>
           </p:cNvSpPr>
@@ -460,7 +449,7 @@
           <a:p>
             <a:fld id="{4BB054B0-ACC7-4D96-B452-3CB8A65224F4}" type="datetimeFigureOut">
               <a:rPr lang="en-IN" smtClean="0"/>
-              <a:t>25-03-2025</a:t>
+              <a:t>26-03-2025</a:t>
             </a:fld>
             <a:endParaRPr lang="en-IN"/>
           </a:p>
@@ -468,13 +457,7 @@
       </p:sp>
       <p:sp>
         <p:nvSpPr>
-          <p:cNvPr id="5" name="Footer Placeholder 4">
-            <a:extLst>
-              <a:ext uri="{FF2B5EF4-FFF2-40B4-BE49-F238E27FC236}">
-                <a16:creationId xmlns:a16="http://schemas.microsoft.com/office/drawing/2014/main" id="{416ECC01-42E1-866E-B41F-1BFDB19F6A07}"/>
-              </a:ext>
-            </a:extLst>
-          </p:cNvPr>
+          <p:cNvPr id="5" name="Footer Placeholder 4"/>
           <p:cNvSpPr>
             <a:spLocks noGrp="1"/>
           </p:cNvSpPr>
@@ -493,13 +476,7 @@
       </p:sp>
       <p:sp>
         <p:nvSpPr>
-          <p:cNvPr id="6" name="Slide Number Placeholder 5">
-            <a:extLst>
-              <a:ext uri="{FF2B5EF4-FFF2-40B4-BE49-F238E27FC236}">
-                <a16:creationId xmlns:a16="http://schemas.microsoft.com/office/drawing/2014/main" id="{06162315-1CCD-994E-7B25-89158A79CF58}"/>
-              </a:ext>
-            </a:extLst>
-          </p:cNvPr>
+          <p:cNvPr id="6" name="Slide Number Placeholder 5"/>
           <p:cNvSpPr>
             <a:spLocks noGrp="1"/>
           </p:cNvSpPr>
@@ -523,7 +500,7 @@
     </p:spTree>
     <p:extLst>
       <p:ext uri="{BB962C8B-B14F-4D97-AF65-F5344CB8AC3E}">
-        <p14:creationId xmlns:p14="http://schemas.microsoft.com/office/powerpoint/2010/main" val="2801259602"/>
+        <p14:creationId xmlns:p14="http://schemas.microsoft.com/office/powerpoint/2010/main" val="2357648678"/>
       </p:ext>
     </p:extLst>
   </p:cSld>
@@ -552,13 +529,7 @@
       </p:grpSpPr>
       <p:sp>
         <p:nvSpPr>
-          <p:cNvPr id="2" name="Vertical Title 1">
-            <a:extLst>
-              <a:ext uri="{FF2B5EF4-FFF2-40B4-BE49-F238E27FC236}">
-                <a16:creationId xmlns:a16="http://schemas.microsoft.com/office/drawing/2014/main" id="{01ABC18D-2B1B-AFF3-932D-6756D6F666B4}"/>
-              </a:ext>
-            </a:extLst>
-          </p:cNvPr>
+          <p:cNvPr id="2" name="Vertical Title 1"/>
           <p:cNvSpPr>
             <a:spLocks noGrp="1"/>
           </p:cNvSpPr>
@@ -568,8 +539,8 @@
         </p:nvSpPr>
         <p:spPr>
           <a:xfrm>
-            <a:off x="8724900" y="365125"/>
-            <a:ext cx="2628900" cy="5811838"/>
+            <a:off x="8653112" y="937260"/>
+            <a:ext cx="1298608" cy="4983480"/>
           </a:xfrm>
         </p:spPr>
         <p:txBody>
@@ -580,19 +551,13 @@
               <a:rPr lang="en-US"/>
               <a:t>Click to edit Master title style</a:t>
             </a:r>
-            <a:endParaRPr lang="en-IN"/>
-          </a:p>
-        </p:txBody>
-      </p:sp>
-      <p:sp>
-        <p:nvSpPr>
-          <p:cNvPr id="3" name="Vertical Text Placeholder 2">
-            <a:extLst>
-              <a:ext uri="{FF2B5EF4-FFF2-40B4-BE49-F238E27FC236}">
-                <a16:creationId xmlns:a16="http://schemas.microsoft.com/office/drawing/2014/main" id="{F7171A5D-0C98-1018-5F8C-1B1D83D960EE}"/>
-              </a:ext>
-            </a:extLst>
-          </p:cNvPr>
+            <a:endParaRPr lang="en-US" dirty="0"/>
+          </a:p>
+        </p:txBody>
+      </p:sp>
+      <p:sp>
+        <p:nvSpPr>
+          <p:cNvPr id="3" name="Vertical Text Placeholder 2"/>
           <p:cNvSpPr>
             <a:spLocks noGrp="1"/>
           </p:cNvSpPr>
@@ -602,8 +567,8 @@
         </p:nvSpPr>
         <p:spPr>
           <a:xfrm>
-            <a:off x="838200" y="365125"/>
-            <a:ext cx="7734300" cy="5811838"/>
+            <a:off x="2231136" y="937260"/>
+            <a:ext cx="6198489" cy="4983480"/>
           </a:xfrm>
         </p:spPr>
         <p:txBody>
@@ -643,19 +608,13 @@
               <a:rPr lang="en-US"/>
               <a:t>Fifth level</a:t>
             </a:r>
-            <a:endParaRPr lang="en-IN"/>
-          </a:p>
-        </p:txBody>
-      </p:sp>
-      <p:sp>
-        <p:nvSpPr>
-          <p:cNvPr id="4" name="Date Placeholder 3">
-            <a:extLst>
-              <a:ext uri="{FF2B5EF4-FFF2-40B4-BE49-F238E27FC236}">
-                <a16:creationId xmlns:a16="http://schemas.microsoft.com/office/drawing/2014/main" id="{5FCC2201-130D-9B1D-0524-43E747A41D2F}"/>
-              </a:ext>
-            </a:extLst>
-          </p:cNvPr>
+            <a:endParaRPr lang="en-US" dirty="0"/>
+          </a:p>
+        </p:txBody>
+      </p:sp>
+      <p:sp>
+        <p:nvSpPr>
+          <p:cNvPr id="4" name="Date Placeholder 3"/>
           <p:cNvSpPr>
             <a:spLocks noGrp="1"/>
           </p:cNvSpPr>
@@ -670,7 +629,7 @@
           <a:p>
             <a:fld id="{4BB054B0-ACC7-4D96-B452-3CB8A65224F4}" type="datetimeFigureOut">
               <a:rPr lang="en-IN" smtClean="0"/>
-              <a:t>25-03-2025</a:t>
+              <a:t>26-03-2025</a:t>
             </a:fld>
             <a:endParaRPr lang="en-IN"/>
           </a:p>
@@ -678,13 +637,7 @@
       </p:sp>
       <p:sp>
         <p:nvSpPr>
-          <p:cNvPr id="5" name="Footer Placeholder 4">
-            <a:extLst>
-              <a:ext uri="{FF2B5EF4-FFF2-40B4-BE49-F238E27FC236}">
-                <a16:creationId xmlns:a16="http://schemas.microsoft.com/office/drawing/2014/main" id="{F0F017CD-A7AC-8FF0-2499-DA339A28CA43}"/>
-              </a:ext>
-            </a:extLst>
-          </p:cNvPr>
+          <p:cNvPr id="5" name="Footer Placeholder 4"/>
           <p:cNvSpPr>
             <a:spLocks noGrp="1"/>
           </p:cNvSpPr>
@@ -703,13 +656,7 @@
       </p:sp>
       <p:sp>
         <p:nvSpPr>
-          <p:cNvPr id="6" name="Slide Number Placeholder 5">
-            <a:extLst>
-              <a:ext uri="{FF2B5EF4-FFF2-40B4-BE49-F238E27FC236}">
-                <a16:creationId xmlns:a16="http://schemas.microsoft.com/office/drawing/2014/main" id="{E85D8E94-4672-F78A-4056-7061EC22F69A}"/>
-              </a:ext>
-            </a:extLst>
-          </p:cNvPr>
+          <p:cNvPr id="6" name="Slide Number Placeholder 5"/>
           <p:cNvSpPr>
             <a:spLocks noGrp="1"/>
           </p:cNvSpPr>
@@ -733,7 +680,7 @@
     </p:spTree>
     <p:extLst>
       <p:ext uri="{BB962C8B-B14F-4D97-AF65-F5344CB8AC3E}">
-        <p14:creationId xmlns:p14="http://schemas.microsoft.com/office/powerpoint/2010/main" val="1685013649"/>
+        <p14:creationId xmlns:p14="http://schemas.microsoft.com/office/powerpoint/2010/main" val="1082586050"/>
       </p:ext>
     </p:extLst>
   </p:cSld>
@@ -762,13 +709,7 @@
       </p:grpSpPr>
       <p:sp>
         <p:nvSpPr>
-          <p:cNvPr id="2" name="Title 1">
-            <a:extLst>
-              <a:ext uri="{FF2B5EF4-FFF2-40B4-BE49-F238E27FC236}">
-                <a16:creationId xmlns:a16="http://schemas.microsoft.com/office/drawing/2014/main" id="{2B4B8993-E3AB-06E2-55F2-9CFE8B86EFA0}"/>
-              </a:ext>
-            </a:extLst>
-          </p:cNvPr>
+          <p:cNvPr id="2" name="Title 1"/>
           <p:cNvSpPr>
             <a:spLocks noGrp="1"/>
           </p:cNvSpPr>
@@ -785,19 +726,13 @@
               <a:rPr lang="en-US"/>
               <a:t>Click to edit Master title style</a:t>
             </a:r>
-            <a:endParaRPr lang="en-IN"/>
-          </a:p>
-        </p:txBody>
-      </p:sp>
-      <p:sp>
-        <p:nvSpPr>
-          <p:cNvPr id="3" name="Content Placeholder 2">
-            <a:extLst>
-              <a:ext uri="{FF2B5EF4-FFF2-40B4-BE49-F238E27FC236}">
-                <a16:creationId xmlns:a16="http://schemas.microsoft.com/office/drawing/2014/main" id="{4AA25924-C94F-7705-8F69-44511733B7E2}"/>
-              </a:ext>
-            </a:extLst>
-          </p:cNvPr>
+            <a:endParaRPr lang="en-US" dirty="0"/>
+          </a:p>
+        </p:txBody>
+      </p:sp>
+      <p:sp>
+        <p:nvSpPr>
+          <p:cNvPr id="3" name="Content Placeholder 2"/>
           <p:cNvSpPr>
             <a:spLocks noGrp="1"/>
           </p:cNvSpPr>
@@ -843,19 +778,13 @@
               <a:rPr lang="en-US"/>
               <a:t>Fifth level</a:t>
             </a:r>
-            <a:endParaRPr lang="en-IN"/>
-          </a:p>
-        </p:txBody>
-      </p:sp>
-      <p:sp>
-        <p:nvSpPr>
-          <p:cNvPr id="4" name="Date Placeholder 3">
-            <a:extLst>
-              <a:ext uri="{FF2B5EF4-FFF2-40B4-BE49-F238E27FC236}">
-                <a16:creationId xmlns:a16="http://schemas.microsoft.com/office/drawing/2014/main" id="{B6CC07F8-6ACD-3546-102F-DBF4C187C0B6}"/>
-              </a:ext>
-            </a:extLst>
-          </p:cNvPr>
+            <a:endParaRPr lang="en-US" dirty="0"/>
+          </a:p>
+        </p:txBody>
+      </p:sp>
+      <p:sp>
+        <p:nvSpPr>
+          <p:cNvPr id="7" name="Date Placeholder 6"/>
           <p:cNvSpPr>
             <a:spLocks noGrp="1"/>
           </p:cNvSpPr>
@@ -870,7 +799,7 @@
           <a:p>
             <a:fld id="{4BB054B0-ACC7-4D96-B452-3CB8A65224F4}" type="datetimeFigureOut">
               <a:rPr lang="en-IN" smtClean="0"/>
-              <a:t>25-03-2025</a:t>
+              <a:t>26-03-2025</a:t>
             </a:fld>
             <a:endParaRPr lang="en-IN"/>
           </a:p>
@@ -878,13 +807,7 @@
       </p:sp>
       <p:sp>
         <p:nvSpPr>
-          <p:cNvPr id="5" name="Footer Placeholder 4">
-            <a:extLst>
-              <a:ext uri="{FF2B5EF4-FFF2-40B4-BE49-F238E27FC236}">
-                <a16:creationId xmlns:a16="http://schemas.microsoft.com/office/drawing/2014/main" id="{91D4AD9D-A546-F8D1-72DE-7CDD545B8266}"/>
-              </a:ext>
-            </a:extLst>
-          </p:cNvPr>
+          <p:cNvPr id="8" name="Footer Placeholder 7"/>
           <p:cNvSpPr>
             <a:spLocks noGrp="1"/>
           </p:cNvSpPr>
@@ -903,13 +826,7 @@
       </p:sp>
       <p:sp>
         <p:nvSpPr>
-          <p:cNvPr id="6" name="Slide Number Placeholder 5">
-            <a:extLst>
-              <a:ext uri="{FF2B5EF4-FFF2-40B4-BE49-F238E27FC236}">
-                <a16:creationId xmlns:a16="http://schemas.microsoft.com/office/drawing/2014/main" id="{C45AFBA5-2C07-5F83-9DCB-D9EBF4A05226}"/>
-              </a:ext>
-            </a:extLst>
-          </p:cNvPr>
+          <p:cNvPr id="9" name="Slide Number Placeholder 8"/>
           <p:cNvSpPr>
             <a:spLocks noGrp="1"/>
           </p:cNvSpPr>
@@ -933,7 +850,7 @@
     </p:spTree>
     <p:extLst>
       <p:ext uri="{BB962C8B-B14F-4D97-AF65-F5344CB8AC3E}">
-        <p14:creationId xmlns:p14="http://schemas.microsoft.com/office/powerpoint/2010/main" val="205148637"/>
+        <p14:creationId xmlns:p14="http://schemas.microsoft.com/office/powerpoint/2010/main" val="2728884451"/>
       </p:ext>
     </p:extLst>
   </p:cSld>
@@ -946,6 +863,14 @@
 <file path=ppt/slideLayouts/slideLayout3.xml><?xml version="1.0" encoding="utf-8"?>
 <p:sldLayout xmlns:a="http://schemas.openxmlformats.org/drawingml/2006/main" xmlns:r="http://schemas.openxmlformats.org/officeDocument/2006/relationships" xmlns:p="http://schemas.openxmlformats.org/presentationml/2006/main" type="secHead" preserve="1">
   <p:cSld name="Section Header">
+    <p:bg>
+      <p:bgPr>
+        <a:solidFill>
+          <a:schemeClr val="accent1"/>
+        </a:solidFill>
+        <a:effectLst/>
+      </p:bgPr>
+    </p:bg>
     <p:spTree>
       <p:nvGrpSpPr>
         <p:cNvPr id="1" name=""/>
@@ -962,74 +887,76 @@
       </p:grpSpPr>
       <p:sp>
         <p:nvSpPr>
-          <p:cNvPr id="2" name="Title 1">
-            <a:extLst>
-              <a:ext uri="{FF2B5EF4-FFF2-40B4-BE49-F238E27FC236}">
-                <a16:creationId xmlns:a16="http://schemas.microsoft.com/office/drawing/2014/main" id="{F9968387-D1AA-C447-9B32-84ED7233CC47}"/>
-              </a:ext>
-            </a:extLst>
-          </p:cNvPr>
+          <p:cNvPr id="2" name="Title 1"/>
           <p:cNvSpPr>
             <a:spLocks noGrp="1"/>
           </p:cNvSpPr>
           <p:nvPr>
             <p:ph type="title"/>
+          </p:nvPr>
+        </p:nvSpPr>
+        <p:spPr bwMode="blackWhite">
+          <a:xfrm>
+            <a:off x="1600200" y="2386744"/>
+            <a:ext cx="8991600" cy="1645920"/>
+          </a:xfrm>
+          <a:solidFill>
+            <a:srgbClr val="FFFFFF"/>
+          </a:solidFill>
+          <a:ln w="38100">
+            <a:solidFill>
+              <a:srgbClr val="404040"/>
+            </a:solidFill>
+          </a:ln>
+        </p:spPr>
+        <p:txBody>
+          <a:bodyPr lIns="274320" rIns="274320" anchor="ctr" anchorCtr="1">
+            <a:normAutofit/>
+          </a:bodyPr>
+          <a:lstStyle>
+            <a:lvl1pPr>
+              <a:defRPr sz="3800">
+                <a:solidFill>
+                  <a:srgbClr val="262626"/>
+                </a:solidFill>
+              </a:defRPr>
+            </a:lvl1pPr>
+          </a:lstStyle>
+          <a:p>
+            <a:r>
+              <a:rPr lang="en-US"/>
+              <a:t>Click to edit Master title style</a:t>
+            </a:r>
+            <a:endParaRPr lang="en-US" dirty="0"/>
+          </a:p>
+        </p:txBody>
+      </p:sp>
+      <p:sp>
+        <p:nvSpPr>
+          <p:cNvPr id="3" name="Text Placeholder 2"/>
+          <p:cNvSpPr>
+            <a:spLocks noGrp="1"/>
+          </p:cNvSpPr>
+          <p:nvPr>
+            <p:ph type="body" idx="1"/>
           </p:nvPr>
         </p:nvSpPr>
         <p:spPr>
           <a:xfrm>
-            <a:off x="831850" y="1709738"/>
-            <a:ext cx="10515600" cy="2852737"/>
+            <a:off x="2695194" y="4352465"/>
+            <a:ext cx="6801612" cy="1265082"/>
           </a:xfrm>
         </p:spPr>
         <p:txBody>
-          <a:bodyPr anchor="b"/>
-          <a:lstStyle>
-            <a:lvl1pPr>
-              <a:defRPr sz="6000"/>
-            </a:lvl1pPr>
-          </a:lstStyle>
-          <a:p>
-            <a:r>
-              <a:rPr lang="en-US"/>
-              <a:t>Click to edit Master title style</a:t>
-            </a:r>
-            <a:endParaRPr lang="en-IN"/>
-          </a:p>
-        </p:txBody>
-      </p:sp>
-      <p:sp>
-        <p:nvSpPr>
-          <p:cNvPr id="3" name="Text Placeholder 2">
-            <a:extLst>
-              <a:ext uri="{FF2B5EF4-FFF2-40B4-BE49-F238E27FC236}">
-                <a16:creationId xmlns:a16="http://schemas.microsoft.com/office/drawing/2014/main" id="{F106EC44-3C57-851C-5749-346A61BD9486}"/>
-              </a:ext>
-            </a:extLst>
-          </p:cNvPr>
-          <p:cNvSpPr>
-            <a:spLocks noGrp="1"/>
-          </p:cNvSpPr>
-          <p:nvPr>
-            <p:ph type="body" idx="1"/>
-          </p:nvPr>
-        </p:nvSpPr>
-        <p:spPr>
-          <a:xfrm>
-            <a:off x="831850" y="4589463"/>
-            <a:ext cx="10515600" cy="1500187"/>
-          </a:xfrm>
-        </p:spPr>
-        <p:txBody>
-          <a:bodyPr/>
+          <a:bodyPr anchor="t" anchorCtr="1">
+            <a:normAutofit/>
+          </a:bodyPr>
           <a:lstStyle>
             <a:lvl1pPr marL="0" indent="0">
               <a:buNone/>
-              <a:defRPr sz="2400">
+              <a:defRPr sz="2000">
                 <a:solidFill>
-                  <a:schemeClr val="tx1">
-                    <a:tint val="75000"/>
-                  </a:schemeClr>
+                  <a:schemeClr val="tx1"/>
                 </a:solidFill>
               </a:defRPr>
             </a:lvl1pPr>
@@ -1125,13 +1052,7 @@
       </p:sp>
       <p:sp>
         <p:nvSpPr>
-          <p:cNvPr id="4" name="Date Placeholder 3">
-            <a:extLst>
-              <a:ext uri="{FF2B5EF4-FFF2-40B4-BE49-F238E27FC236}">
-                <a16:creationId xmlns:a16="http://schemas.microsoft.com/office/drawing/2014/main" id="{749F47F0-4E71-E7C7-9D8C-6D7FF5C8E078}"/>
-              </a:ext>
-            </a:extLst>
-          </p:cNvPr>
+          <p:cNvPr id="7" name="Date Placeholder 6"/>
           <p:cNvSpPr>
             <a:spLocks noGrp="1"/>
           </p:cNvSpPr>
@@ -1146,7 +1067,7 @@
           <a:p>
             <a:fld id="{4BB054B0-ACC7-4D96-B452-3CB8A65224F4}" type="datetimeFigureOut">
               <a:rPr lang="en-IN" smtClean="0"/>
-              <a:t>25-03-2025</a:t>
+              <a:t>26-03-2025</a:t>
             </a:fld>
             <a:endParaRPr lang="en-IN"/>
           </a:p>
@@ -1154,13 +1075,7 @@
       </p:sp>
       <p:sp>
         <p:nvSpPr>
-          <p:cNvPr id="5" name="Footer Placeholder 4">
-            <a:extLst>
-              <a:ext uri="{FF2B5EF4-FFF2-40B4-BE49-F238E27FC236}">
-                <a16:creationId xmlns:a16="http://schemas.microsoft.com/office/drawing/2014/main" id="{B1202AB4-5E02-8166-9691-B074D35DB405}"/>
-              </a:ext>
-            </a:extLst>
-          </p:cNvPr>
+          <p:cNvPr id="8" name="Footer Placeholder 7"/>
           <p:cNvSpPr>
             <a:spLocks noGrp="1"/>
           </p:cNvSpPr>
@@ -1179,13 +1094,7 @@
       </p:sp>
       <p:sp>
         <p:nvSpPr>
-          <p:cNvPr id="6" name="Slide Number Placeholder 5">
-            <a:extLst>
-              <a:ext uri="{FF2B5EF4-FFF2-40B4-BE49-F238E27FC236}">
-                <a16:creationId xmlns:a16="http://schemas.microsoft.com/office/drawing/2014/main" id="{EBA4DC26-B457-8304-CF78-593ED36D4AE3}"/>
-              </a:ext>
-            </a:extLst>
-          </p:cNvPr>
+          <p:cNvPr id="9" name="Slide Number Placeholder 8"/>
           <p:cNvSpPr>
             <a:spLocks noGrp="1"/>
           </p:cNvSpPr>
@@ -1209,12 +1118,12 @@
     </p:spTree>
     <p:extLst>
       <p:ext uri="{BB962C8B-B14F-4D97-AF65-F5344CB8AC3E}">
-        <p14:creationId xmlns:p14="http://schemas.microsoft.com/office/powerpoint/2010/main" val="119142805"/>
+        <p14:creationId xmlns:p14="http://schemas.microsoft.com/office/powerpoint/2010/main" val="3378865467"/>
       </p:ext>
     </p:extLst>
   </p:cSld>
   <p:clrMapOvr>
-    <a:masterClrMapping/>
+    <a:overrideClrMapping bg1="dk1" tx1="lt1" bg2="dk2" tx2="lt2" accent1="accent1" accent2="accent2" accent3="accent3" accent4="accent4" accent5="accent5" accent6="accent6" hlink="hlink" folHlink="folHlink"/>
   </p:clrMapOvr>
 </p:sldLayout>
 </file>
@@ -1238,13 +1147,7 @@
       </p:grpSpPr>
       <p:sp>
         <p:nvSpPr>
-          <p:cNvPr id="2" name="Title 1">
-            <a:extLst>
-              <a:ext uri="{FF2B5EF4-FFF2-40B4-BE49-F238E27FC236}">
-                <a16:creationId xmlns:a16="http://schemas.microsoft.com/office/drawing/2014/main" id="{C6432F78-6412-2155-8CEC-49FDA506BC95}"/>
-              </a:ext>
-            </a:extLst>
-          </p:cNvPr>
+          <p:cNvPr id="2" name="Title 1"/>
           <p:cNvSpPr>
             <a:spLocks noGrp="1"/>
           </p:cNvSpPr>
@@ -1261,19 +1164,13 @@
               <a:rPr lang="en-US"/>
               <a:t>Click to edit Master title style</a:t>
             </a:r>
-            <a:endParaRPr lang="en-IN"/>
-          </a:p>
-        </p:txBody>
-      </p:sp>
-      <p:sp>
-        <p:nvSpPr>
-          <p:cNvPr id="3" name="Content Placeholder 2">
-            <a:extLst>
-              <a:ext uri="{FF2B5EF4-FFF2-40B4-BE49-F238E27FC236}">
-                <a16:creationId xmlns:a16="http://schemas.microsoft.com/office/drawing/2014/main" id="{EB6F915F-C051-CAAF-ED40-99011BDC726B}"/>
-              </a:ext>
-            </a:extLst>
-          </p:cNvPr>
+            <a:endParaRPr lang="en-US" dirty="0"/>
+          </a:p>
+        </p:txBody>
+      </p:sp>
+      <p:sp>
+        <p:nvSpPr>
+          <p:cNvPr id="3" name="Content Placeholder 2"/>
           <p:cNvSpPr>
             <a:spLocks noGrp="1"/>
           </p:cNvSpPr>
@@ -1283,8 +1180,8 @@
         </p:nvSpPr>
         <p:spPr>
           <a:xfrm>
-            <a:off x="838200" y="1825625"/>
-            <a:ext cx="5181600" cy="4351338"/>
+            <a:off x="1581912" y="2638044"/>
+            <a:ext cx="4271771" cy="3101982"/>
           </a:xfrm>
         </p:spPr>
         <p:txBody>
@@ -1324,19 +1221,13 @@
               <a:rPr lang="en-US"/>
               <a:t>Fifth level</a:t>
             </a:r>
-            <a:endParaRPr lang="en-IN"/>
-          </a:p>
-        </p:txBody>
-      </p:sp>
-      <p:sp>
-        <p:nvSpPr>
-          <p:cNvPr id="4" name="Content Placeholder 3">
-            <a:extLst>
-              <a:ext uri="{FF2B5EF4-FFF2-40B4-BE49-F238E27FC236}">
-                <a16:creationId xmlns:a16="http://schemas.microsoft.com/office/drawing/2014/main" id="{4A0543B4-F3E8-B25A-C5D0-B3D32B053DB7}"/>
-              </a:ext>
-            </a:extLst>
-          </p:cNvPr>
+            <a:endParaRPr lang="en-US" dirty="0"/>
+          </a:p>
+        </p:txBody>
+      </p:sp>
+      <p:sp>
+        <p:nvSpPr>
+          <p:cNvPr id="4" name="Content Placeholder 3"/>
           <p:cNvSpPr>
             <a:spLocks noGrp="1"/>
           </p:cNvSpPr>
@@ -1346,8 +1237,8 @@
         </p:nvSpPr>
         <p:spPr>
           <a:xfrm>
-            <a:off x="6172200" y="1825625"/>
-            <a:ext cx="5181600" cy="4351338"/>
+            <a:off x="6338315" y="2638044"/>
+            <a:ext cx="4270247" cy="3101982"/>
           </a:xfrm>
         </p:spPr>
         <p:txBody>
@@ -1387,19 +1278,13 @@
               <a:rPr lang="en-US"/>
               <a:t>Fifth level</a:t>
             </a:r>
-            <a:endParaRPr lang="en-IN"/>
-          </a:p>
-        </p:txBody>
-      </p:sp>
-      <p:sp>
-        <p:nvSpPr>
-          <p:cNvPr id="5" name="Date Placeholder 4">
-            <a:extLst>
-              <a:ext uri="{FF2B5EF4-FFF2-40B4-BE49-F238E27FC236}">
-                <a16:creationId xmlns:a16="http://schemas.microsoft.com/office/drawing/2014/main" id="{B028CD1A-AF68-C583-14FB-8D6B1D5955C3}"/>
-              </a:ext>
-            </a:extLst>
-          </p:cNvPr>
+            <a:endParaRPr lang="en-US" dirty="0"/>
+          </a:p>
+        </p:txBody>
+      </p:sp>
+      <p:sp>
+        <p:nvSpPr>
+          <p:cNvPr id="8" name="Date Placeholder 7"/>
           <p:cNvSpPr>
             <a:spLocks noGrp="1"/>
           </p:cNvSpPr>
@@ -1414,7 +1299,7 @@
           <a:p>
             <a:fld id="{4BB054B0-ACC7-4D96-B452-3CB8A65224F4}" type="datetimeFigureOut">
               <a:rPr lang="en-IN" smtClean="0"/>
-              <a:t>25-03-2025</a:t>
+              <a:t>26-03-2025</a:t>
             </a:fld>
             <a:endParaRPr lang="en-IN"/>
           </a:p>
@@ -1422,13 +1307,7 @@
       </p:sp>
       <p:sp>
         <p:nvSpPr>
-          <p:cNvPr id="6" name="Footer Placeholder 5">
-            <a:extLst>
-              <a:ext uri="{FF2B5EF4-FFF2-40B4-BE49-F238E27FC236}">
-                <a16:creationId xmlns:a16="http://schemas.microsoft.com/office/drawing/2014/main" id="{FF512E27-9489-612C-AF2B-929F7AEB40F7}"/>
-              </a:ext>
-            </a:extLst>
-          </p:cNvPr>
+          <p:cNvPr id="9" name="Footer Placeholder 8"/>
           <p:cNvSpPr>
             <a:spLocks noGrp="1"/>
           </p:cNvSpPr>
@@ -1447,13 +1326,7 @@
       </p:sp>
       <p:sp>
         <p:nvSpPr>
-          <p:cNvPr id="7" name="Slide Number Placeholder 6">
-            <a:extLst>
-              <a:ext uri="{FF2B5EF4-FFF2-40B4-BE49-F238E27FC236}">
-                <a16:creationId xmlns:a16="http://schemas.microsoft.com/office/drawing/2014/main" id="{DCF23487-24AC-9539-B586-9065D43558B2}"/>
-              </a:ext>
-            </a:extLst>
-          </p:cNvPr>
+          <p:cNvPr id="10" name="Slide Number Placeholder 9"/>
           <p:cNvSpPr>
             <a:spLocks noGrp="1"/>
           </p:cNvSpPr>
@@ -1477,7 +1350,7 @@
     </p:spTree>
     <p:extLst>
       <p:ext uri="{BB962C8B-B14F-4D97-AF65-F5344CB8AC3E}">
-        <p14:creationId xmlns:p14="http://schemas.microsoft.com/office/powerpoint/2010/main" val="4120375322"/>
+        <p14:creationId xmlns:p14="http://schemas.microsoft.com/office/powerpoint/2010/main" val="4112946157"/>
       </p:ext>
     </p:extLst>
   </p:cSld>
@@ -1506,70 +1379,38 @@
       </p:grpSpPr>
       <p:sp>
         <p:nvSpPr>
-          <p:cNvPr id="2" name="Title 1">
-            <a:extLst>
-              <a:ext uri="{FF2B5EF4-FFF2-40B4-BE49-F238E27FC236}">
-                <a16:creationId xmlns:a16="http://schemas.microsoft.com/office/drawing/2014/main" id="{300D6B5D-A110-EA09-E7ED-A2091D1798F1}"/>
-              </a:ext>
-            </a:extLst>
-          </p:cNvPr>
-          <p:cNvSpPr>
-            <a:spLocks noGrp="1"/>
-          </p:cNvSpPr>
-          <p:nvPr>
-            <p:ph type="title"/>
+          <p:cNvPr id="3" name="Text Placeholder 2"/>
+          <p:cNvSpPr>
+            <a:spLocks noGrp="1"/>
+          </p:cNvSpPr>
+          <p:nvPr>
+            <p:ph type="body" idx="1"/>
           </p:nvPr>
         </p:nvSpPr>
         <p:spPr>
           <a:xfrm>
-            <a:off x="839788" y="365125"/>
-            <a:ext cx="10515600" cy="1325563"/>
+            <a:off x="1583436" y="2313433"/>
+            <a:ext cx="4270248" cy="704087"/>
           </a:xfrm>
         </p:spPr>
         <p:txBody>
-          <a:bodyPr/>
-          <a:lstStyle/>
-          <a:p>
-            <a:r>
-              <a:rPr lang="en-US"/>
-              <a:t>Click to edit Master title style</a:t>
-            </a:r>
-            <a:endParaRPr lang="en-IN"/>
-          </a:p>
-        </p:txBody>
-      </p:sp>
-      <p:sp>
-        <p:nvSpPr>
-          <p:cNvPr id="3" name="Text Placeholder 2">
-            <a:extLst>
-              <a:ext uri="{FF2B5EF4-FFF2-40B4-BE49-F238E27FC236}">
-                <a16:creationId xmlns:a16="http://schemas.microsoft.com/office/drawing/2014/main" id="{F9C5B788-0B76-68E8-CA11-254541BE3552}"/>
-              </a:ext>
-            </a:extLst>
-          </p:cNvPr>
-          <p:cNvSpPr>
-            <a:spLocks noGrp="1"/>
-          </p:cNvSpPr>
-          <p:nvPr>
-            <p:ph type="body" idx="1"/>
-          </p:nvPr>
-        </p:nvSpPr>
-        <p:spPr>
-          <a:xfrm>
-            <a:off x="839788" y="1681163"/>
-            <a:ext cx="5157787" cy="823912"/>
-          </a:xfrm>
-        </p:spPr>
-        <p:txBody>
-          <a:bodyPr anchor="b"/>
+          <a:bodyPr anchor="b" anchorCtr="1">
+            <a:normAutofit/>
+          </a:bodyPr>
           <a:lstStyle>
-            <a:lvl1pPr marL="0" indent="0">
-              <a:buNone/>
-              <a:defRPr sz="2400" b="1"/>
+            <a:lvl1pPr marL="0" indent="0" algn="ctr">
+              <a:buNone/>
+              <a:defRPr sz="1900" b="0" cap="all" spc="100" baseline="0">
+                <a:solidFill>
+                  <a:schemeClr val="accent2">
+                    <a:lumMod val="75000"/>
+                  </a:schemeClr>
+                </a:solidFill>
+              </a:defRPr>
             </a:lvl1pPr>
             <a:lvl2pPr marL="457200" indent="0">
               <a:buNone/>
-              <a:defRPr sz="2000" b="1"/>
+              <a:defRPr sz="1900" b="1"/>
             </a:lvl2pPr>
             <a:lvl3pPr marL="914400" indent="0">
               <a:buNone/>
@@ -1611,13 +1452,7 @@
       </p:sp>
       <p:sp>
         <p:nvSpPr>
-          <p:cNvPr id="4" name="Content Placeholder 3">
-            <a:extLst>
-              <a:ext uri="{FF2B5EF4-FFF2-40B4-BE49-F238E27FC236}">
-                <a16:creationId xmlns:a16="http://schemas.microsoft.com/office/drawing/2014/main" id="{B9FABB9C-5372-6875-FB36-EB8B586DFB61}"/>
-              </a:ext>
-            </a:extLst>
-          </p:cNvPr>
+          <p:cNvPr id="4" name="Content Placeholder 3"/>
           <p:cNvSpPr>
             <a:spLocks noGrp="1"/>
           </p:cNvSpPr>
@@ -1627,8 +1462,8 @@
         </p:nvSpPr>
         <p:spPr>
           <a:xfrm>
-            <a:off x="839788" y="2505075"/>
-            <a:ext cx="5157787" cy="3684588"/>
+            <a:off x="1583436" y="3143250"/>
+            <a:ext cx="4270248" cy="2596776"/>
           </a:xfrm>
         </p:spPr>
         <p:txBody>
@@ -1668,42 +1503,105 @@
               <a:rPr lang="en-US"/>
               <a:t>Fifth level</a:t>
             </a:r>
-            <a:endParaRPr lang="en-IN"/>
-          </a:p>
-        </p:txBody>
-      </p:sp>
-      <p:sp>
-        <p:nvSpPr>
-          <p:cNvPr id="5" name="Text Placeholder 4">
-            <a:extLst>
-              <a:ext uri="{FF2B5EF4-FFF2-40B4-BE49-F238E27FC236}">
-                <a16:creationId xmlns:a16="http://schemas.microsoft.com/office/drawing/2014/main" id="{02900F7C-816B-04C8-2BF2-2FBF66CEBFE4}"/>
-              </a:ext>
-            </a:extLst>
-          </p:cNvPr>
-          <p:cNvSpPr>
-            <a:spLocks noGrp="1"/>
-          </p:cNvSpPr>
-          <p:nvPr>
-            <p:ph type="body" sz="quarter" idx="3"/>
+            <a:endParaRPr lang="en-US" dirty="0"/>
+          </a:p>
+        </p:txBody>
+      </p:sp>
+      <p:sp>
+        <p:nvSpPr>
+          <p:cNvPr id="6" name="Content Placeholder 5"/>
+          <p:cNvSpPr>
+            <a:spLocks noGrp="1"/>
+          </p:cNvSpPr>
+          <p:nvPr>
+            <p:ph sz="quarter" idx="4"/>
           </p:nvPr>
         </p:nvSpPr>
         <p:spPr>
           <a:xfrm>
-            <a:off x="6172200" y="1681163"/>
-            <a:ext cx="5183188" cy="823912"/>
+            <a:off x="6338316" y="3143250"/>
+            <a:ext cx="4253484" cy="2596776"/>
           </a:xfrm>
         </p:spPr>
         <p:txBody>
-          <a:bodyPr anchor="b"/>
+          <a:bodyPr/>
           <a:lstStyle>
-            <a:lvl1pPr marL="0" indent="0">
-              <a:buNone/>
-              <a:defRPr sz="2400" b="1"/>
+            <a:lvl5pPr>
+              <a:defRPr/>
+            </a:lvl5pPr>
+          </a:lstStyle>
+          <a:p>
+            <a:pPr lvl="0"/>
+            <a:r>
+              <a:rPr lang="en-US"/>
+              <a:t>Click to edit Master text styles</a:t>
+            </a:r>
+          </a:p>
+          <a:p>
+            <a:pPr lvl="1"/>
+            <a:r>
+              <a:rPr lang="en-US"/>
+              <a:t>Second level</a:t>
+            </a:r>
+          </a:p>
+          <a:p>
+            <a:pPr lvl="2"/>
+            <a:r>
+              <a:rPr lang="en-US"/>
+              <a:t>Third level</a:t>
+            </a:r>
+          </a:p>
+          <a:p>
+            <a:pPr lvl="3"/>
+            <a:r>
+              <a:rPr lang="en-US"/>
+              <a:t>Fourth level</a:t>
+            </a:r>
+          </a:p>
+          <a:p>
+            <a:pPr lvl="4"/>
+            <a:r>
+              <a:rPr lang="en-US"/>
+              <a:t>Fifth level</a:t>
+            </a:r>
+            <a:endParaRPr lang="en-US" dirty="0"/>
+          </a:p>
+        </p:txBody>
+      </p:sp>
+      <p:sp>
+        <p:nvSpPr>
+          <p:cNvPr id="11" name="Text Placeholder 4"/>
+          <p:cNvSpPr>
+            <a:spLocks noGrp="1"/>
+          </p:cNvSpPr>
+          <p:nvPr>
+            <p:ph type="body" sz="quarter" idx="13"/>
+          </p:nvPr>
+        </p:nvSpPr>
+        <p:spPr>
+          <a:xfrm>
+            <a:off x="6338316" y="2313433"/>
+            <a:ext cx="4270248" cy="704087"/>
+          </a:xfrm>
+        </p:spPr>
+        <p:txBody>
+          <a:bodyPr anchor="b" anchorCtr="1">
+            <a:normAutofit/>
+          </a:bodyPr>
+          <a:lstStyle>
+            <a:lvl1pPr marL="0" indent="0" algn="ctr">
+              <a:buNone/>
+              <a:defRPr sz="1900" b="0" cap="all" spc="100" baseline="0">
+                <a:solidFill>
+                  <a:schemeClr val="accent2">
+                    <a:lumMod val="75000"/>
+                  </a:schemeClr>
+                </a:solidFill>
+              </a:defRPr>
             </a:lvl1pPr>
             <a:lvl2pPr marL="457200" indent="0">
               <a:buNone/>
-              <a:defRPr sz="2000" b="1"/>
+              <a:defRPr sz="1900" b="1"/>
             </a:lvl2pPr>
             <a:lvl3pPr marL="914400" indent="0">
               <a:buNone/>
@@ -1745,76 +1643,7 @@
       </p:sp>
       <p:sp>
         <p:nvSpPr>
-          <p:cNvPr id="6" name="Content Placeholder 5">
-            <a:extLst>
-              <a:ext uri="{FF2B5EF4-FFF2-40B4-BE49-F238E27FC236}">
-                <a16:creationId xmlns:a16="http://schemas.microsoft.com/office/drawing/2014/main" id="{55BAB94A-5E70-9982-96CC-6A3246146283}"/>
-              </a:ext>
-            </a:extLst>
-          </p:cNvPr>
-          <p:cNvSpPr>
-            <a:spLocks noGrp="1"/>
-          </p:cNvSpPr>
-          <p:nvPr>
-            <p:ph sz="quarter" idx="4"/>
-          </p:nvPr>
-        </p:nvSpPr>
-        <p:spPr>
-          <a:xfrm>
-            <a:off x="6172200" y="2505075"/>
-            <a:ext cx="5183188" cy="3684588"/>
-          </a:xfrm>
-        </p:spPr>
-        <p:txBody>
-          <a:bodyPr/>
-          <a:lstStyle/>
-          <a:p>
-            <a:pPr lvl="0"/>
-            <a:r>
-              <a:rPr lang="en-US"/>
-              <a:t>Click to edit Master text styles</a:t>
-            </a:r>
-          </a:p>
-          <a:p>
-            <a:pPr lvl="1"/>
-            <a:r>
-              <a:rPr lang="en-US"/>
-              <a:t>Second level</a:t>
-            </a:r>
-          </a:p>
-          <a:p>
-            <a:pPr lvl="2"/>
-            <a:r>
-              <a:rPr lang="en-US"/>
-              <a:t>Third level</a:t>
-            </a:r>
-          </a:p>
-          <a:p>
-            <a:pPr lvl="3"/>
-            <a:r>
-              <a:rPr lang="en-US"/>
-              <a:t>Fourth level</a:t>
-            </a:r>
-          </a:p>
-          <a:p>
-            <a:pPr lvl="4"/>
-            <a:r>
-              <a:rPr lang="en-US"/>
-              <a:t>Fifth level</a:t>
-            </a:r>
-            <a:endParaRPr lang="en-IN"/>
-          </a:p>
-        </p:txBody>
-      </p:sp>
-      <p:sp>
-        <p:nvSpPr>
-          <p:cNvPr id="7" name="Date Placeholder 6">
-            <a:extLst>
-              <a:ext uri="{FF2B5EF4-FFF2-40B4-BE49-F238E27FC236}">
-                <a16:creationId xmlns:a16="http://schemas.microsoft.com/office/drawing/2014/main" id="{5ECD458B-367D-3A11-095C-5111664F5E61}"/>
-              </a:ext>
-            </a:extLst>
-          </p:cNvPr>
+          <p:cNvPr id="7" name="Date Placeholder 6"/>
           <p:cNvSpPr>
             <a:spLocks noGrp="1"/>
           </p:cNvSpPr>
@@ -1829,7 +1658,7 @@
           <a:p>
             <a:fld id="{4BB054B0-ACC7-4D96-B452-3CB8A65224F4}" type="datetimeFigureOut">
               <a:rPr lang="en-IN" smtClean="0"/>
-              <a:t>25-03-2025</a:t>
+              <a:t>26-03-2025</a:t>
             </a:fld>
             <a:endParaRPr lang="en-IN"/>
           </a:p>
@@ -1837,13 +1666,7 @@
       </p:sp>
       <p:sp>
         <p:nvSpPr>
-          <p:cNvPr id="8" name="Footer Placeholder 7">
-            <a:extLst>
-              <a:ext uri="{FF2B5EF4-FFF2-40B4-BE49-F238E27FC236}">
-                <a16:creationId xmlns:a16="http://schemas.microsoft.com/office/drawing/2014/main" id="{FD0AAC58-4D5B-5633-3ADB-EEBCF38A8C22}"/>
-              </a:ext>
-            </a:extLst>
-          </p:cNvPr>
+          <p:cNvPr id="8" name="Footer Placeholder 7"/>
           <p:cNvSpPr>
             <a:spLocks noGrp="1"/>
           </p:cNvSpPr>
@@ -1862,13 +1685,7 @@
       </p:sp>
       <p:sp>
         <p:nvSpPr>
-          <p:cNvPr id="9" name="Slide Number Placeholder 8">
-            <a:extLst>
-              <a:ext uri="{FF2B5EF4-FFF2-40B4-BE49-F238E27FC236}">
-                <a16:creationId xmlns:a16="http://schemas.microsoft.com/office/drawing/2014/main" id="{D5B89851-ADE5-2DCF-3856-19333337EA43}"/>
-              </a:ext>
-            </a:extLst>
-          </p:cNvPr>
+          <p:cNvPr id="9" name="Slide Number Placeholder 8"/>
           <p:cNvSpPr>
             <a:spLocks noGrp="1"/>
           </p:cNvSpPr>
@@ -1889,10 +1706,33 @@
           </a:p>
         </p:txBody>
       </p:sp>
+      <p:sp>
+        <p:nvSpPr>
+          <p:cNvPr id="10" name="Title 9"/>
+          <p:cNvSpPr>
+            <a:spLocks noGrp="1"/>
+          </p:cNvSpPr>
+          <p:nvPr>
+            <p:ph type="title"/>
+          </p:nvPr>
+        </p:nvSpPr>
+        <p:spPr/>
+        <p:txBody>
+          <a:bodyPr/>
+          <a:lstStyle/>
+          <a:p>
+            <a:r>
+              <a:rPr lang="en-US"/>
+              <a:t>Click to edit Master title style</a:t>
+            </a:r>
+            <a:endParaRPr lang="en-US" dirty="0"/>
+          </a:p>
+        </p:txBody>
+      </p:sp>
     </p:spTree>
     <p:extLst>
       <p:ext uri="{BB962C8B-B14F-4D97-AF65-F5344CB8AC3E}">
-        <p14:creationId xmlns:p14="http://schemas.microsoft.com/office/powerpoint/2010/main" val="715611580"/>
+        <p14:creationId xmlns:p14="http://schemas.microsoft.com/office/powerpoint/2010/main" val="3632753068"/>
       </p:ext>
     </p:extLst>
   </p:cSld>
@@ -1921,13 +1761,7 @@
       </p:grpSpPr>
       <p:sp>
         <p:nvSpPr>
-          <p:cNvPr id="2" name="Title 1">
-            <a:extLst>
-              <a:ext uri="{FF2B5EF4-FFF2-40B4-BE49-F238E27FC236}">
-                <a16:creationId xmlns:a16="http://schemas.microsoft.com/office/drawing/2014/main" id="{ABADF20A-21DC-5848-7513-D74B1D8CB3B7}"/>
-              </a:ext>
-            </a:extLst>
-          </p:cNvPr>
+          <p:cNvPr id="2" name="Title 1"/>
           <p:cNvSpPr>
             <a:spLocks noGrp="1"/>
           </p:cNvSpPr>
@@ -1944,19 +1778,13 @@
               <a:rPr lang="en-US"/>
               <a:t>Click to edit Master title style</a:t>
             </a:r>
-            <a:endParaRPr lang="en-IN"/>
-          </a:p>
-        </p:txBody>
-      </p:sp>
-      <p:sp>
-        <p:nvSpPr>
-          <p:cNvPr id="3" name="Date Placeholder 2">
-            <a:extLst>
-              <a:ext uri="{FF2B5EF4-FFF2-40B4-BE49-F238E27FC236}">
-                <a16:creationId xmlns:a16="http://schemas.microsoft.com/office/drawing/2014/main" id="{476CF46D-F5F9-0BA7-B9E7-A6DEAF0B711E}"/>
-              </a:ext>
-            </a:extLst>
-          </p:cNvPr>
+            <a:endParaRPr lang="en-US" dirty="0"/>
+          </a:p>
+        </p:txBody>
+      </p:sp>
+      <p:sp>
+        <p:nvSpPr>
+          <p:cNvPr id="3" name="Date Placeholder 2"/>
           <p:cNvSpPr>
             <a:spLocks noGrp="1"/>
           </p:cNvSpPr>
@@ -1971,7 +1799,7 @@
           <a:p>
             <a:fld id="{4BB054B0-ACC7-4D96-B452-3CB8A65224F4}" type="datetimeFigureOut">
               <a:rPr lang="en-IN" smtClean="0"/>
-              <a:t>25-03-2025</a:t>
+              <a:t>26-03-2025</a:t>
             </a:fld>
             <a:endParaRPr lang="en-IN"/>
           </a:p>
@@ -1979,13 +1807,7 @@
       </p:sp>
       <p:sp>
         <p:nvSpPr>
-          <p:cNvPr id="4" name="Footer Placeholder 3">
-            <a:extLst>
-              <a:ext uri="{FF2B5EF4-FFF2-40B4-BE49-F238E27FC236}">
-                <a16:creationId xmlns:a16="http://schemas.microsoft.com/office/drawing/2014/main" id="{14C17EA0-58C6-88A4-6453-ACEF3C2D7EAC}"/>
-              </a:ext>
-            </a:extLst>
-          </p:cNvPr>
+          <p:cNvPr id="4" name="Footer Placeholder 3"/>
           <p:cNvSpPr>
             <a:spLocks noGrp="1"/>
           </p:cNvSpPr>
@@ -2004,13 +1826,7 @@
       </p:sp>
       <p:sp>
         <p:nvSpPr>
-          <p:cNvPr id="5" name="Slide Number Placeholder 4">
-            <a:extLst>
-              <a:ext uri="{FF2B5EF4-FFF2-40B4-BE49-F238E27FC236}">
-                <a16:creationId xmlns:a16="http://schemas.microsoft.com/office/drawing/2014/main" id="{11EC94FF-727D-AFE5-16ED-0C8D9AA29C6D}"/>
-              </a:ext>
-            </a:extLst>
-          </p:cNvPr>
+          <p:cNvPr id="5" name="Slide Number Placeholder 4"/>
           <p:cNvSpPr>
             <a:spLocks noGrp="1"/>
           </p:cNvSpPr>
@@ -2034,7 +1850,7 @@
     </p:spTree>
     <p:extLst>
       <p:ext uri="{BB962C8B-B14F-4D97-AF65-F5344CB8AC3E}">
-        <p14:creationId xmlns:p14="http://schemas.microsoft.com/office/powerpoint/2010/main" val="1843039643"/>
+        <p14:creationId xmlns:p14="http://schemas.microsoft.com/office/powerpoint/2010/main" val="1118639977"/>
       </p:ext>
     </p:extLst>
   </p:cSld>
@@ -2063,13 +1879,7 @@
       </p:grpSpPr>
       <p:sp>
         <p:nvSpPr>
-          <p:cNvPr id="2" name="Date Placeholder 1">
-            <a:extLst>
-              <a:ext uri="{FF2B5EF4-FFF2-40B4-BE49-F238E27FC236}">
-                <a16:creationId xmlns:a16="http://schemas.microsoft.com/office/drawing/2014/main" id="{A6F1DE8E-D04F-3F41-B5AB-89D0DE42B5AD}"/>
-              </a:ext>
-            </a:extLst>
-          </p:cNvPr>
+          <p:cNvPr id="2" name="Date Placeholder 1"/>
           <p:cNvSpPr>
             <a:spLocks noGrp="1"/>
           </p:cNvSpPr>
@@ -2084,7 +1894,7 @@
           <a:p>
             <a:fld id="{4BB054B0-ACC7-4D96-B452-3CB8A65224F4}" type="datetimeFigureOut">
               <a:rPr lang="en-IN" smtClean="0"/>
-              <a:t>25-03-2025</a:t>
+              <a:t>26-03-2025</a:t>
             </a:fld>
             <a:endParaRPr lang="en-IN"/>
           </a:p>
@@ -2092,13 +1902,7 @@
       </p:sp>
       <p:sp>
         <p:nvSpPr>
-          <p:cNvPr id="3" name="Footer Placeholder 2">
-            <a:extLst>
-              <a:ext uri="{FF2B5EF4-FFF2-40B4-BE49-F238E27FC236}">
-                <a16:creationId xmlns:a16="http://schemas.microsoft.com/office/drawing/2014/main" id="{41380F19-9E4D-C7F3-92EF-477B64AECC91}"/>
-              </a:ext>
-            </a:extLst>
-          </p:cNvPr>
+          <p:cNvPr id="3" name="Footer Placeholder 2"/>
           <p:cNvSpPr>
             <a:spLocks noGrp="1"/>
           </p:cNvSpPr>
@@ -2117,13 +1921,7 @@
       </p:sp>
       <p:sp>
         <p:nvSpPr>
-          <p:cNvPr id="4" name="Slide Number Placeholder 3">
-            <a:extLst>
-              <a:ext uri="{FF2B5EF4-FFF2-40B4-BE49-F238E27FC236}">
-                <a16:creationId xmlns:a16="http://schemas.microsoft.com/office/drawing/2014/main" id="{3A31B6FD-09D4-19F0-85F0-4C20B76D57BC}"/>
-              </a:ext>
-            </a:extLst>
-          </p:cNvPr>
+          <p:cNvPr id="4" name="Slide Number Placeholder 3"/>
           <p:cNvSpPr>
             <a:spLocks noGrp="1"/>
           </p:cNvSpPr>
@@ -2147,7 +1945,7 @@
     </p:spTree>
     <p:extLst>
       <p:ext uri="{BB962C8B-B14F-4D97-AF65-F5344CB8AC3E}">
-        <p14:creationId xmlns:p14="http://schemas.microsoft.com/office/powerpoint/2010/main" val="4011539263"/>
+        <p14:creationId xmlns:p14="http://schemas.microsoft.com/office/powerpoint/2010/main" val="940336058"/>
       </p:ext>
     </p:extLst>
   </p:cSld>
@@ -2176,31 +1974,77 @@
       </p:grpSpPr>
       <p:sp>
         <p:nvSpPr>
-          <p:cNvPr id="2" name="Title 1">
-            <a:extLst>
-              <a:ext uri="{FF2B5EF4-FFF2-40B4-BE49-F238E27FC236}">
-                <a16:creationId xmlns:a16="http://schemas.microsoft.com/office/drawing/2014/main" id="{42B97BD6-7B6F-BAF7-9397-302EDBB38A53}"/>
-              </a:ext>
-            </a:extLst>
-          </p:cNvPr>
-          <p:cNvSpPr>
-            <a:spLocks noGrp="1"/>
-          </p:cNvSpPr>
-          <p:nvPr>
-            <p:ph type="title"/>
-          </p:nvPr>
+          <p:cNvPr id="26" name="Rectangle 25"/>
+          <p:cNvSpPr/>
+          <p:nvPr/>
         </p:nvSpPr>
         <p:spPr>
           <a:xfrm>
-            <a:off x="839788" y="457200"/>
-            <a:ext cx="3932237" cy="1600200"/>
-          </a:xfrm>
+            <a:off x="0" y="0"/>
+            <a:ext cx="6096000" cy="6858000"/>
+          </a:xfrm>
+          <a:prstGeom prst="rect">
+            <a:avLst/>
+          </a:prstGeom>
+          <a:solidFill>
+            <a:schemeClr val="accent2"/>
+          </a:solidFill>
+          <a:ln>
+            <a:noFill/>
+          </a:ln>
         </p:spPr>
-        <p:txBody>
-          <a:bodyPr anchor="b"/>
+        <p:style>
+          <a:lnRef idx="2">
+            <a:schemeClr val="accent1">
+              <a:shade val="50000"/>
+            </a:schemeClr>
+          </a:lnRef>
+          <a:fillRef idx="1">
+            <a:schemeClr val="accent1"/>
+          </a:fillRef>
+          <a:effectRef idx="0">
+            <a:schemeClr val="accent1"/>
+          </a:effectRef>
+          <a:fontRef idx="minor">
+            <a:schemeClr val="lt1"/>
+          </a:fontRef>
+        </p:style>
+      </p:sp>
+      <p:sp>
+        <p:nvSpPr>
+          <p:cNvPr id="2" name="Title 1"/>
+          <p:cNvSpPr>
+            <a:spLocks noGrp="1"/>
+          </p:cNvSpPr>
+          <p:nvPr>
+            <p:ph type="title"/>
+          </p:nvPr>
+        </p:nvSpPr>
+        <p:spPr bwMode="blackWhite">
+          <a:xfrm>
+            <a:off x="804672" y="2243828"/>
+            <a:ext cx="4486656" cy="1141497"/>
+          </a:xfrm>
+          <a:solidFill>
+            <a:srgbClr val="FFFFFF"/>
+          </a:solidFill>
+          <a:ln>
+            <a:solidFill>
+              <a:srgbClr val="404040"/>
+            </a:solidFill>
+          </a:ln>
+        </p:spPr>
+        <p:txBody>
+          <a:bodyPr anchor="ctr" anchorCtr="1">
+            <a:normAutofit/>
+          </a:bodyPr>
           <a:lstStyle>
             <a:lvl1pPr>
-              <a:defRPr sz="3200"/>
+              <a:defRPr sz="2200">
+                <a:solidFill>
+                  <a:srgbClr val="262626"/>
+                </a:solidFill>
+              </a:defRPr>
             </a:lvl1pPr>
           </a:lstStyle>
           <a:p>
@@ -2208,19 +2052,13 @@
               <a:rPr lang="en-US"/>
               <a:t>Click to edit Master title style</a:t>
             </a:r>
-            <a:endParaRPr lang="en-IN"/>
-          </a:p>
-        </p:txBody>
-      </p:sp>
-      <p:sp>
-        <p:nvSpPr>
-          <p:cNvPr id="3" name="Content Placeholder 2">
-            <a:extLst>
-              <a:ext uri="{FF2B5EF4-FFF2-40B4-BE49-F238E27FC236}">
-                <a16:creationId xmlns:a16="http://schemas.microsoft.com/office/drawing/2014/main" id="{C9FB495C-4906-F898-4A7A-1AEFC0B11F19}"/>
-              </a:ext>
-            </a:extLst>
-          </p:cNvPr>
+            <a:endParaRPr lang="en-US" dirty="0"/>
+          </a:p>
+        </p:txBody>
+      </p:sp>
+      <p:sp>
+        <p:nvSpPr>
+          <p:cNvPr id="3" name="Content Placeholder 2"/>
           <p:cNvSpPr>
             <a:spLocks noGrp="1"/>
           </p:cNvSpPr>
@@ -2230,213 +2068,232 @@
         </p:nvSpPr>
         <p:spPr>
           <a:xfrm>
-            <a:off x="5183188" y="987425"/>
-            <a:ext cx="6172200" cy="4873625"/>
+            <a:off x="6736080" y="804672"/>
+            <a:ext cx="4815840" cy="5248656"/>
+          </a:xfrm>
+        </p:spPr>
+        <p:txBody>
+          <a:bodyPr>
+            <a:normAutofit/>
+          </a:bodyPr>
+          <a:lstStyle>
+            <a:lvl1pPr>
+              <a:defRPr sz="1900">
+                <a:solidFill>
+                  <a:schemeClr val="tx1"/>
+                </a:solidFill>
+              </a:defRPr>
+            </a:lvl1pPr>
+            <a:lvl2pPr>
+              <a:defRPr sz="1600">
+                <a:solidFill>
+                  <a:schemeClr val="tx1"/>
+                </a:solidFill>
+              </a:defRPr>
+            </a:lvl2pPr>
+            <a:lvl3pPr>
+              <a:defRPr sz="1600">
+                <a:solidFill>
+                  <a:schemeClr val="tx1"/>
+                </a:solidFill>
+              </a:defRPr>
+            </a:lvl3pPr>
+            <a:lvl4pPr>
+              <a:defRPr sz="1600">
+                <a:solidFill>
+                  <a:schemeClr val="tx1"/>
+                </a:solidFill>
+              </a:defRPr>
+            </a:lvl4pPr>
+            <a:lvl5pPr>
+              <a:defRPr sz="1600">
+                <a:solidFill>
+                  <a:schemeClr val="tx1"/>
+                </a:solidFill>
+              </a:defRPr>
+            </a:lvl5pPr>
+            <a:lvl6pPr>
+              <a:defRPr sz="1600"/>
+            </a:lvl6pPr>
+            <a:lvl7pPr>
+              <a:defRPr sz="1600"/>
+            </a:lvl7pPr>
+            <a:lvl8pPr>
+              <a:defRPr sz="1600"/>
+            </a:lvl8pPr>
+            <a:lvl9pPr>
+              <a:defRPr sz="1600"/>
+            </a:lvl9pPr>
+          </a:lstStyle>
+          <a:p>
+            <a:pPr lvl="0"/>
+            <a:r>
+              <a:rPr lang="en-US"/>
+              <a:t>Click to edit Master text styles</a:t>
+            </a:r>
+          </a:p>
+          <a:p>
+            <a:pPr lvl="1"/>
+            <a:r>
+              <a:rPr lang="en-US"/>
+              <a:t>Second level</a:t>
+            </a:r>
+          </a:p>
+          <a:p>
+            <a:pPr lvl="2"/>
+            <a:r>
+              <a:rPr lang="en-US"/>
+              <a:t>Third level</a:t>
+            </a:r>
+          </a:p>
+          <a:p>
+            <a:pPr lvl="3"/>
+            <a:r>
+              <a:rPr lang="en-US"/>
+              <a:t>Fourth level</a:t>
+            </a:r>
+          </a:p>
+          <a:p>
+            <a:pPr lvl="4"/>
+            <a:r>
+              <a:rPr lang="en-US"/>
+              <a:t>Fifth level</a:t>
+            </a:r>
+            <a:endParaRPr lang="en-US" dirty="0"/>
+          </a:p>
+        </p:txBody>
+      </p:sp>
+      <p:sp>
+        <p:nvSpPr>
+          <p:cNvPr id="4" name="Text Placeholder 3"/>
+          <p:cNvSpPr>
+            <a:spLocks noGrp="1"/>
+          </p:cNvSpPr>
+          <p:nvPr>
+            <p:ph type="body" sz="half" idx="2"/>
+          </p:nvPr>
+        </p:nvSpPr>
+        <p:spPr>
+          <a:xfrm>
+            <a:off x="1115568" y="3549918"/>
+            <a:ext cx="3794760" cy="2194036"/>
+          </a:xfrm>
+        </p:spPr>
+        <p:txBody>
+          <a:bodyPr anchor="t" anchorCtr="1">
+            <a:normAutofit/>
+          </a:bodyPr>
+          <a:lstStyle>
+            <a:lvl1pPr marL="0" indent="0" algn="ctr">
+              <a:buNone/>
+              <a:defRPr sz="1500">
+                <a:solidFill>
+                  <a:srgbClr val="FFFFFF"/>
+                </a:solidFill>
+              </a:defRPr>
+            </a:lvl1pPr>
+            <a:lvl2pPr marL="457200" indent="0">
+              <a:buNone/>
+              <a:defRPr sz="1400"/>
+            </a:lvl2pPr>
+            <a:lvl3pPr marL="914400" indent="0">
+              <a:buNone/>
+              <a:defRPr sz="1200"/>
+            </a:lvl3pPr>
+            <a:lvl4pPr marL="1371600" indent="0">
+              <a:buNone/>
+              <a:defRPr sz="1000"/>
+            </a:lvl4pPr>
+            <a:lvl5pPr marL="1828800" indent="0">
+              <a:buNone/>
+              <a:defRPr sz="1000"/>
+            </a:lvl5pPr>
+            <a:lvl6pPr marL="2286000" indent="0">
+              <a:buNone/>
+              <a:defRPr sz="1000"/>
+            </a:lvl6pPr>
+            <a:lvl7pPr marL="2743200" indent="0">
+              <a:buNone/>
+              <a:defRPr sz="1000"/>
+            </a:lvl7pPr>
+            <a:lvl8pPr marL="3200400" indent="0">
+              <a:buNone/>
+              <a:defRPr sz="1000"/>
+            </a:lvl8pPr>
+            <a:lvl9pPr marL="3657600" indent="0">
+              <a:buNone/>
+              <a:defRPr sz="1000"/>
+            </a:lvl9pPr>
+          </a:lstStyle>
+          <a:p>
+            <a:pPr lvl="0"/>
+            <a:r>
+              <a:rPr lang="en-US"/>
+              <a:t>Click to edit Master text styles</a:t>
+            </a:r>
+          </a:p>
+        </p:txBody>
+      </p:sp>
+      <p:sp>
+        <p:nvSpPr>
+          <p:cNvPr id="9" name="Date Placeholder 8"/>
+          <p:cNvSpPr>
+            <a:spLocks noGrp="1"/>
+          </p:cNvSpPr>
+          <p:nvPr>
+            <p:ph type="dt" sz="half" idx="10"/>
+          </p:nvPr>
+        </p:nvSpPr>
+        <p:spPr/>
+        <p:txBody>
+          <a:bodyPr/>
+          <a:lstStyle/>
+          <a:p>
+            <a:fld id="{4BB054B0-ACC7-4D96-B452-3CB8A65224F4}" type="datetimeFigureOut">
+              <a:rPr lang="en-IN" smtClean="0"/>
+              <a:t>26-03-2025</a:t>
+            </a:fld>
+            <a:endParaRPr lang="en-IN"/>
+          </a:p>
+        </p:txBody>
+      </p:sp>
+      <p:sp>
+        <p:nvSpPr>
+          <p:cNvPr id="10" name="Footer Placeholder 9"/>
+          <p:cNvSpPr>
+            <a:spLocks noGrp="1"/>
+          </p:cNvSpPr>
+          <p:nvPr>
+            <p:ph type="ftr" sz="quarter" idx="11"/>
+          </p:nvPr>
+        </p:nvSpPr>
+        <p:spPr>
+          <a:xfrm>
+            <a:off x="804672" y="6236208"/>
+            <a:ext cx="5124797" cy="320040"/>
           </a:xfrm>
         </p:spPr>
         <p:txBody>
           <a:bodyPr/>
           <a:lstStyle>
             <a:lvl1pPr>
-              <a:defRPr sz="3200"/>
+              <a:defRPr>
+                <a:solidFill>
+                  <a:srgbClr val="FFFFFF">
+                    <a:alpha val="70000"/>
+                  </a:srgbClr>
+                </a:solidFill>
+              </a:defRPr>
             </a:lvl1pPr>
-            <a:lvl2pPr>
-              <a:defRPr sz="2800"/>
-            </a:lvl2pPr>
-            <a:lvl3pPr>
-              <a:defRPr sz="2400"/>
-            </a:lvl3pPr>
-            <a:lvl4pPr>
-              <a:defRPr sz="2000"/>
-            </a:lvl4pPr>
-            <a:lvl5pPr>
-              <a:defRPr sz="2000"/>
-            </a:lvl5pPr>
-            <a:lvl6pPr>
-              <a:defRPr sz="2000"/>
-            </a:lvl6pPr>
-            <a:lvl7pPr>
-              <a:defRPr sz="2000"/>
-            </a:lvl7pPr>
-            <a:lvl8pPr>
-              <a:defRPr sz="2000"/>
-            </a:lvl8pPr>
-            <a:lvl9pPr>
-              <a:defRPr sz="2000"/>
-            </a:lvl9pPr>
           </a:lstStyle>
           <a:p>
-            <a:pPr lvl="0"/>
-            <a:r>
-              <a:rPr lang="en-US"/>
-              <a:t>Click to edit Master text styles</a:t>
-            </a:r>
-          </a:p>
-          <a:p>
-            <a:pPr lvl="1"/>
-            <a:r>
-              <a:rPr lang="en-US"/>
-              <a:t>Second level</a:t>
-            </a:r>
-          </a:p>
-          <a:p>
-            <a:pPr lvl="2"/>
-            <a:r>
-              <a:rPr lang="en-US"/>
-              <a:t>Third level</a:t>
-            </a:r>
-          </a:p>
-          <a:p>
-            <a:pPr lvl="3"/>
-            <a:r>
-              <a:rPr lang="en-US"/>
-              <a:t>Fourth level</a:t>
-            </a:r>
-          </a:p>
-          <a:p>
-            <a:pPr lvl="4"/>
-            <a:r>
-              <a:rPr lang="en-US"/>
-              <a:t>Fifth level</a:t>
-            </a:r>
             <a:endParaRPr lang="en-IN"/>
           </a:p>
         </p:txBody>
       </p:sp>
       <p:sp>
         <p:nvSpPr>
-          <p:cNvPr id="4" name="Text Placeholder 3">
-            <a:extLst>
-              <a:ext uri="{FF2B5EF4-FFF2-40B4-BE49-F238E27FC236}">
-                <a16:creationId xmlns:a16="http://schemas.microsoft.com/office/drawing/2014/main" id="{9888CF42-2FB6-0AD0-F48A-E4061F0667C7}"/>
-              </a:ext>
-            </a:extLst>
-          </p:cNvPr>
-          <p:cNvSpPr>
-            <a:spLocks noGrp="1"/>
-          </p:cNvSpPr>
-          <p:nvPr>
-            <p:ph type="body" sz="half" idx="2"/>
-          </p:nvPr>
-        </p:nvSpPr>
-        <p:spPr>
-          <a:xfrm>
-            <a:off x="839788" y="2057400"/>
-            <a:ext cx="3932237" cy="3811588"/>
-          </a:xfrm>
-        </p:spPr>
-        <p:txBody>
-          <a:bodyPr/>
-          <a:lstStyle>
-            <a:lvl1pPr marL="0" indent="0">
-              <a:buNone/>
-              <a:defRPr sz="1600"/>
-            </a:lvl1pPr>
-            <a:lvl2pPr marL="457200" indent="0">
-              <a:buNone/>
-              <a:defRPr sz="1400"/>
-            </a:lvl2pPr>
-            <a:lvl3pPr marL="914400" indent="0">
-              <a:buNone/>
-              <a:defRPr sz="1200"/>
-            </a:lvl3pPr>
-            <a:lvl4pPr marL="1371600" indent="0">
-              <a:buNone/>
-              <a:defRPr sz="1000"/>
-            </a:lvl4pPr>
-            <a:lvl5pPr marL="1828800" indent="0">
-              <a:buNone/>
-              <a:defRPr sz="1000"/>
-            </a:lvl5pPr>
-            <a:lvl6pPr marL="2286000" indent="0">
-              <a:buNone/>
-              <a:defRPr sz="1000"/>
-            </a:lvl6pPr>
-            <a:lvl7pPr marL="2743200" indent="0">
-              <a:buNone/>
-              <a:defRPr sz="1000"/>
-            </a:lvl7pPr>
-            <a:lvl8pPr marL="3200400" indent="0">
-              <a:buNone/>
-              <a:defRPr sz="1000"/>
-            </a:lvl8pPr>
-            <a:lvl9pPr marL="3657600" indent="0">
-              <a:buNone/>
-              <a:defRPr sz="1000"/>
-            </a:lvl9pPr>
-          </a:lstStyle>
-          <a:p>
-            <a:pPr lvl="0"/>
-            <a:r>
-              <a:rPr lang="en-US"/>
-              <a:t>Click to edit Master text styles</a:t>
-            </a:r>
-          </a:p>
-        </p:txBody>
-      </p:sp>
-      <p:sp>
-        <p:nvSpPr>
-          <p:cNvPr id="5" name="Date Placeholder 4">
-            <a:extLst>
-              <a:ext uri="{FF2B5EF4-FFF2-40B4-BE49-F238E27FC236}">
-                <a16:creationId xmlns:a16="http://schemas.microsoft.com/office/drawing/2014/main" id="{93B4D078-640E-371F-3FE9-EE73D230173D}"/>
-              </a:ext>
-            </a:extLst>
-          </p:cNvPr>
-          <p:cNvSpPr>
-            <a:spLocks noGrp="1"/>
-          </p:cNvSpPr>
-          <p:nvPr>
-            <p:ph type="dt" sz="half" idx="10"/>
-          </p:nvPr>
-        </p:nvSpPr>
-        <p:spPr/>
-        <p:txBody>
-          <a:bodyPr/>
-          <a:lstStyle/>
-          <a:p>
-            <a:fld id="{4BB054B0-ACC7-4D96-B452-3CB8A65224F4}" type="datetimeFigureOut">
-              <a:rPr lang="en-IN" smtClean="0"/>
-              <a:t>25-03-2025</a:t>
-            </a:fld>
-            <a:endParaRPr lang="en-IN"/>
-          </a:p>
-        </p:txBody>
-      </p:sp>
-      <p:sp>
-        <p:nvSpPr>
-          <p:cNvPr id="6" name="Footer Placeholder 5">
-            <a:extLst>
-              <a:ext uri="{FF2B5EF4-FFF2-40B4-BE49-F238E27FC236}">
-                <a16:creationId xmlns:a16="http://schemas.microsoft.com/office/drawing/2014/main" id="{8566AC1B-A858-98FE-07D0-2C88BA54FB06}"/>
-              </a:ext>
-            </a:extLst>
-          </p:cNvPr>
-          <p:cNvSpPr>
-            <a:spLocks noGrp="1"/>
-          </p:cNvSpPr>
-          <p:nvPr>
-            <p:ph type="ftr" sz="quarter" idx="11"/>
-          </p:nvPr>
-        </p:nvSpPr>
-        <p:spPr/>
-        <p:txBody>
-          <a:bodyPr/>
-          <a:lstStyle/>
-          <a:p>
-            <a:endParaRPr lang="en-IN"/>
-          </a:p>
-        </p:txBody>
-      </p:sp>
-      <p:sp>
-        <p:nvSpPr>
-          <p:cNvPr id="7" name="Slide Number Placeholder 6">
-            <a:extLst>
-              <a:ext uri="{FF2B5EF4-FFF2-40B4-BE49-F238E27FC236}">
-                <a16:creationId xmlns:a16="http://schemas.microsoft.com/office/drawing/2014/main" id="{86B9E93F-BAD9-685C-144F-942272A4BD00}"/>
-              </a:ext>
-            </a:extLst>
-          </p:cNvPr>
+          <p:cNvPr id="11" name="Slide Number Placeholder 10"/>
           <p:cNvSpPr>
             <a:spLocks noGrp="1"/>
           </p:cNvSpPr>
@@ -2460,7 +2317,7 @@
     </p:spTree>
     <p:extLst>
       <p:ext uri="{BB962C8B-B14F-4D97-AF65-F5344CB8AC3E}">
-        <p14:creationId xmlns:p14="http://schemas.microsoft.com/office/powerpoint/2010/main" val="3983056460"/>
+        <p14:creationId xmlns:p14="http://schemas.microsoft.com/office/powerpoint/2010/main" val="704569272"/>
       </p:ext>
     </p:extLst>
   </p:cSld>
@@ -2489,31 +2346,77 @@
       </p:grpSpPr>
       <p:sp>
         <p:nvSpPr>
-          <p:cNvPr id="2" name="Title 1">
-            <a:extLst>
-              <a:ext uri="{FF2B5EF4-FFF2-40B4-BE49-F238E27FC236}">
-                <a16:creationId xmlns:a16="http://schemas.microsoft.com/office/drawing/2014/main" id="{B6329D26-1761-2387-78AA-BF72DB30A405}"/>
-              </a:ext>
-            </a:extLst>
-          </p:cNvPr>
-          <p:cNvSpPr>
-            <a:spLocks noGrp="1"/>
-          </p:cNvSpPr>
-          <p:nvPr>
-            <p:ph type="title"/>
-          </p:nvPr>
+          <p:cNvPr id="18" name="Rectangle 17"/>
+          <p:cNvSpPr/>
+          <p:nvPr/>
         </p:nvSpPr>
         <p:spPr>
           <a:xfrm>
-            <a:off x="839788" y="457200"/>
-            <a:ext cx="3932237" cy="1600200"/>
-          </a:xfrm>
+            <a:off x="0" y="0"/>
+            <a:ext cx="6095999" cy="6858000"/>
+          </a:xfrm>
+          <a:prstGeom prst="rect">
+            <a:avLst/>
+          </a:prstGeom>
+          <a:solidFill>
+            <a:schemeClr val="accent2"/>
+          </a:solidFill>
+          <a:ln>
+            <a:noFill/>
+          </a:ln>
         </p:spPr>
-        <p:txBody>
-          <a:bodyPr anchor="b"/>
+        <p:style>
+          <a:lnRef idx="2">
+            <a:schemeClr val="accent1">
+              <a:shade val="50000"/>
+            </a:schemeClr>
+          </a:lnRef>
+          <a:fillRef idx="1">
+            <a:schemeClr val="accent1"/>
+          </a:fillRef>
+          <a:effectRef idx="0">
+            <a:schemeClr val="accent1"/>
+          </a:effectRef>
+          <a:fontRef idx="minor">
+            <a:schemeClr val="lt1"/>
+          </a:fontRef>
+        </p:style>
+      </p:sp>
+      <p:sp>
+        <p:nvSpPr>
+          <p:cNvPr id="2" name="Title 1"/>
+          <p:cNvSpPr>
+            <a:spLocks noGrp="1"/>
+          </p:cNvSpPr>
+          <p:nvPr>
+            <p:ph type="title"/>
+          </p:nvPr>
+        </p:nvSpPr>
+        <p:spPr bwMode="blackWhite">
+          <a:xfrm>
+            <a:off x="808523" y="2243828"/>
+            <a:ext cx="4494998" cy="1134640"/>
+          </a:xfrm>
+          <a:solidFill>
+            <a:srgbClr val="FFFFFF"/>
+          </a:solidFill>
+          <a:ln>
+            <a:solidFill>
+              <a:srgbClr val="404040"/>
+            </a:solidFill>
+          </a:ln>
+        </p:spPr>
+        <p:txBody>
+          <a:bodyPr anchor="ctr" anchorCtr="1">
+            <a:noAutofit/>
+          </a:bodyPr>
           <a:lstStyle>
             <a:lvl1pPr>
-              <a:defRPr sz="3200"/>
+              <a:defRPr sz="2200">
+                <a:solidFill>
+                  <a:srgbClr val="262626"/>
+                </a:solidFill>
+              </a:defRPr>
             </a:lvl1pPr>
           </a:lstStyle>
           <a:p>
@@ -2521,21 +2424,15 @@
               <a:rPr lang="en-US"/>
               <a:t>Click to edit Master title style</a:t>
             </a:r>
-            <a:endParaRPr lang="en-IN"/>
-          </a:p>
-        </p:txBody>
-      </p:sp>
-      <p:sp>
-        <p:nvSpPr>
-          <p:cNvPr id="3" name="Picture Placeholder 2">
-            <a:extLst>
-              <a:ext uri="{FF2B5EF4-FFF2-40B4-BE49-F238E27FC236}">
-                <a16:creationId xmlns:a16="http://schemas.microsoft.com/office/drawing/2014/main" id="{1EFF6F31-19E9-F81C-8424-4954B85DF78A}"/>
-              </a:ext>
-            </a:extLst>
-          </p:cNvPr>
-          <p:cNvSpPr>
-            <a:spLocks noGrp="1"/>
+            <a:endParaRPr lang="en-US" dirty="0"/>
+          </a:p>
+        </p:txBody>
+      </p:sp>
+      <p:sp>
+        <p:nvSpPr>
+          <p:cNvPr id="3" name="Picture Placeholder 2"/>
+          <p:cNvSpPr>
+            <a:spLocks noGrp="1" noChangeAspect="1"/>
           </p:cNvSpPr>
           <p:nvPr>
             <p:ph type="pic" idx="1"/>
@@ -2543,16 +2440,28 @@
         </p:nvSpPr>
         <p:spPr>
           <a:xfrm>
-            <a:off x="5183188" y="987425"/>
-            <a:ext cx="6172200" cy="4873625"/>
-          </a:xfrm>
+            <a:off x="6095999" y="0"/>
+            <a:ext cx="6102097" cy="6858000"/>
+          </a:xfrm>
+          <a:solidFill>
+            <a:schemeClr val="bg1">
+              <a:lumMod val="75000"/>
+            </a:schemeClr>
+          </a:solidFill>
         </p:spPr>
         <p:txBody>
-          <a:bodyPr/>
+          <a:bodyPr anchor="t"/>
           <a:lstStyle>
             <a:lvl1pPr marL="0" indent="0">
               <a:buNone/>
-              <a:defRPr sz="3200"/>
+              <a:defRPr sz="3200">
+                <a:solidFill>
+                  <a:schemeClr val="bg1">
+                    <a:lumMod val="85000"/>
+                    <a:lumOff val="15000"/>
+                  </a:schemeClr>
+                </a:solidFill>
+              </a:defRPr>
             </a:lvl1pPr>
             <a:lvl2pPr marL="457200" indent="0">
               <a:buNone/>
@@ -2588,19 +2497,17 @@
             </a:lvl9pPr>
           </a:lstStyle>
           <a:p>
-            <a:endParaRPr lang="en-IN"/>
-          </a:p>
-        </p:txBody>
-      </p:sp>
-      <p:sp>
-        <p:nvSpPr>
-          <p:cNvPr id="4" name="Text Placeholder 3">
-            <a:extLst>
-              <a:ext uri="{FF2B5EF4-FFF2-40B4-BE49-F238E27FC236}">
-                <a16:creationId xmlns:a16="http://schemas.microsoft.com/office/drawing/2014/main" id="{D4D135A3-21D6-B928-E964-596ED58775EB}"/>
-              </a:ext>
-            </a:extLst>
-          </p:cNvPr>
+            <a:r>
+              <a:rPr lang="en-US"/>
+              <a:t>Click icon to add picture</a:t>
+            </a:r>
+            <a:endParaRPr lang="en-US" dirty="0"/>
+          </a:p>
+        </p:txBody>
+      </p:sp>
+      <p:sp>
+        <p:nvSpPr>
+          <p:cNvPr id="4" name="Text Placeholder 3"/>
           <p:cNvSpPr>
             <a:spLocks noGrp="1"/>
           </p:cNvSpPr>
@@ -2610,16 +2517,22 @@
         </p:nvSpPr>
         <p:spPr>
           <a:xfrm>
-            <a:off x="839788" y="2057400"/>
-            <a:ext cx="3932237" cy="3811588"/>
+            <a:off x="1115568" y="3549918"/>
+            <a:ext cx="3794760" cy="2194037"/>
           </a:xfrm>
         </p:spPr>
         <p:txBody>
-          <a:bodyPr/>
+          <a:bodyPr anchor="t" anchorCtr="1">
+            <a:normAutofit/>
+          </a:bodyPr>
           <a:lstStyle>
-            <a:lvl1pPr marL="0" indent="0">
-              <a:buNone/>
-              <a:defRPr sz="1600"/>
+            <a:lvl1pPr marL="0" indent="0" algn="ctr">
+              <a:buNone/>
+              <a:defRPr sz="1500">
+                <a:solidFill>
+                  <a:srgbClr val="FFFFFF"/>
+                </a:solidFill>
+              </a:defRPr>
             </a:lvl1pPr>
             <a:lvl2pPr marL="457200" indent="0">
               <a:buNone/>
@@ -2665,13 +2578,7 @@
       </p:sp>
       <p:sp>
         <p:nvSpPr>
-          <p:cNvPr id="5" name="Date Placeholder 4">
-            <a:extLst>
-              <a:ext uri="{FF2B5EF4-FFF2-40B4-BE49-F238E27FC236}">
-                <a16:creationId xmlns:a16="http://schemas.microsoft.com/office/drawing/2014/main" id="{BB4A86CB-676B-EC68-4BBD-27438621EA5D}"/>
-              </a:ext>
-            </a:extLst>
-          </p:cNvPr>
+          <p:cNvPr id="8" name="Date Placeholder 7"/>
           <p:cNvSpPr>
             <a:spLocks noGrp="1"/>
           </p:cNvSpPr>
@@ -2682,11 +2589,26 @@
         <p:spPr/>
         <p:txBody>
           <a:bodyPr/>
-          <a:lstStyle/>
+          <a:lstStyle>
+            <a:lvl1pPr>
+              <a:defRPr>
+                <a:solidFill>
+                  <a:srgbClr val="FFFFFF"/>
+                </a:solidFill>
+                <a:effectLst>
+                  <a:outerShdw blurRad="50800" dist="38100" dir="2700000" algn="tl" rotWithShape="0">
+                    <a:prstClr val="black">
+                      <a:alpha val="43000"/>
+                    </a:prstClr>
+                  </a:outerShdw>
+                </a:effectLst>
+              </a:defRPr>
+            </a:lvl1pPr>
+          </a:lstStyle>
           <a:p>
             <a:fld id="{4BB054B0-ACC7-4D96-B452-3CB8A65224F4}" type="datetimeFigureOut">
               <a:rPr lang="en-IN" smtClean="0"/>
-              <a:t>25-03-2025</a:t>
+              <a:t>26-03-2025</a:t>
             </a:fld>
             <a:endParaRPr lang="en-IN"/>
           </a:p>
@@ -2694,13 +2616,7 @@
       </p:sp>
       <p:sp>
         <p:nvSpPr>
-          <p:cNvPr id="6" name="Footer Placeholder 5">
-            <a:extLst>
-              <a:ext uri="{FF2B5EF4-FFF2-40B4-BE49-F238E27FC236}">
-                <a16:creationId xmlns:a16="http://schemas.microsoft.com/office/drawing/2014/main" id="{AC83D53D-116F-CDF2-7A1B-5185C3D9CBF9}"/>
-              </a:ext>
-            </a:extLst>
-          </p:cNvPr>
+          <p:cNvPr id="9" name="Footer Placeholder 8"/>
           <p:cNvSpPr>
             <a:spLocks noGrp="1"/>
           </p:cNvSpPr>
@@ -2708,10 +2624,25 @@
             <p:ph type="ftr" sz="quarter" idx="11"/>
           </p:nvPr>
         </p:nvSpPr>
-        <p:spPr/>
+        <p:spPr>
+          <a:xfrm>
+            <a:off x="804672" y="6236208"/>
+            <a:ext cx="5124797" cy="320040"/>
+          </a:xfrm>
+        </p:spPr>
         <p:txBody>
           <a:bodyPr/>
-          <a:lstStyle/>
+          <a:lstStyle>
+            <a:lvl1pPr>
+              <a:defRPr>
+                <a:solidFill>
+                  <a:srgbClr val="FFFFFF">
+                    <a:alpha val="70000"/>
+                  </a:srgbClr>
+                </a:solidFill>
+              </a:defRPr>
+            </a:lvl1pPr>
+          </a:lstStyle>
           <a:p>
             <a:endParaRPr lang="en-IN"/>
           </a:p>
@@ -2719,13 +2650,7 @@
       </p:sp>
       <p:sp>
         <p:nvSpPr>
-          <p:cNvPr id="7" name="Slide Number Placeholder 6">
-            <a:extLst>
-              <a:ext uri="{FF2B5EF4-FFF2-40B4-BE49-F238E27FC236}">
-                <a16:creationId xmlns:a16="http://schemas.microsoft.com/office/drawing/2014/main" id="{232AA4DD-0083-479A-6928-3000BB7C8001}"/>
-              </a:ext>
-            </a:extLst>
-          </p:cNvPr>
+          <p:cNvPr id="10" name="Slide Number Placeholder 9"/>
           <p:cNvSpPr>
             <a:spLocks noGrp="1"/>
           </p:cNvSpPr>
@@ -2749,7 +2674,7 @@
     </p:spTree>
     <p:extLst>
       <p:ext uri="{BB962C8B-B14F-4D97-AF65-F5344CB8AC3E}">
-        <p14:creationId xmlns:p14="http://schemas.microsoft.com/office/powerpoint/2010/main" val="221442186"/>
+        <p14:creationId xmlns:p14="http://schemas.microsoft.com/office/powerpoint/2010/main" val="3895380793"/>
       </p:ext>
     </p:extLst>
   </p:cSld>
@@ -2763,9 +2688,14 @@
 <p:sldMaster xmlns:a="http://schemas.openxmlformats.org/drawingml/2006/main" xmlns:r="http://schemas.openxmlformats.org/officeDocument/2006/relationships" xmlns:p="http://schemas.openxmlformats.org/presentationml/2006/main">
   <p:cSld>
     <p:bg>
-      <p:bgRef idx="1001">
-        <a:schemeClr val="bg1"/>
-      </p:bgRef>
+      <p:bgPr>
+        <a:solidFill>
+          <a:schemeClr val="bg1">
+            <a:lumMod val="95000"/>
+          </a:schemeClr>
+        </a:solidFill>
+        <a:effectLst/>
+      </p:bgPr>
     </p:bg>
     <p:spTree>
       <p:nvGrpSpPr>
@@ -2783,144 +2713,135 @@
       </p:grpSpPr>
       <p:sp>
         <p:nvSpPr>
-          <p:cNvPr id="2" name="Title Placeholder 1">
-            <a:extLst>
-              <a:ext uri="{FF2B5EF4-FFF2-40B4-BE49-F238E27FC236}">
-                <a16:creationId xmlns:a16="http://schemas.microsoft.com/office/drawing/2014/main" id="{2388C4D7-B5B0-9B9E-A0D8-2110291F14F3}"/>
-              </a:ext>
-            </a:extLst>
-          </p:cNvPr>
+          <p:cNvPr id="2" name="Title Placeholder 1"/>
           <p:cNvSpPr>
             <a:spLocks noGrp="1"/>
           </p:cNvSpPr>
           <p:nvPr>
             <p:ph type="title"/>
+          </p:nvPr>
+        </p:nvSpPr>
+        <p:spPr bwMode="black">
+          <a:xfrm>
+            <a:off x="2231136" y="964692"/>
+            <a:ext cx="7729728" cy="1188720"/>
+          </a:xfrm>
+          <a:prstGeom prst="rect">
+            <a:avLst/>
+          </a:prstGeom>
+          <a:solidFill>
+            <a:srgbClr val="FFFFFF"/>
+          </a:solidFill>
+          <a:ln w="31750" cap="sq">
+            <a:solidFill>
+              <a:srgbClr val="404040"/>
+            </a:solidFill>
+            <a:miter lim="800000"/>
+          </a:ln>
+        </p:spPr>
+        <p:txBody>
+          <a:bodyPr vert="horz" lIns="182880" tIns="182880" rIns="182880" bIns="182880" rtlCol="0" anchor="ctr">
+            <a:normAutofit/>
+          </a:bodyPr>
+          <a:lstStyle/>
+          <a:p>
+            <a:r>
+              <a:rPr lang="en-US"/>
+              <a:t>Click to edit Master title style</a:t>
+            </a:r>
+            <a:endParaRPr lang="en-US" dirty="0"/>
+          </a:p>
+        </p:txBody>
+      </p:sp>
+      <p:sp>
+        <p:nvSpPr>
+          <p:cNvPr id="3" name="Text Placeholder 2"/>
+          <p:cNvSpPr>
+            <a:spLocks noGrp="1"/>
+          </p:cNvSpPr>
+          <p:nvPr>
+            <p:ph type="body" idx="1"/>
           </p:nvPr>
         </p:nvSpPr>
         <p:spPr>
           <a:xfrm>
-            <a:off x="838200" y="365125"/>
-            <a:ext cx="10515600" cy="1325563"/>
+            <a:off x="2231136" y="2638044"/>
+            <a:ext cx="7729728" cy="3101983"/>
           </a:xfrm>
           <a:prstGeom prst="rect">
             <a:avLst/>
           </a:prstGeom>
         </p:spPr>
         <p:txBody>
-          <a:bodyPr vert="horz" lIns="91440" tIns="45720" rIns="91440" bIns="45720" rtlCol="0" anchor="ctr">
+          <a:bodyPr vert="horz" lIns="91440" tIns="45720" rIns="91440" bIns="45720" rtlCol="0">
             <a:normAutofit/>
           </a:bodyPr>
           <a:lstStyle/>
           <a:p>
-            <a:r>
-              <a:rPr lang="en-US"/>
-              <a:t>Click to edit Master title style</a:t>
-            </a:r>
-            <a:endParaRPr lang="en-IN"/>
-          </a:p>
-        </p:txBody>
-      </p:sp>
-      <p:sp>
-        <p:nvSpPr>
-          <p:cNvPr id="3" name="Text Placeholder 2">
-            <a:extLst>
-              <a:ext uri="{FF2B5EF4-FFF2-40B4-BE49-F238E27FC236}">
-                <a16:creationId xmlns:a16="http://schemas.microsoft.com/office/drawing/2014/main" id="{979D825E-9A30-CA3B-1E21-796538A9B7B2}"/>
-              </a:ext>
-            </a:extLst>
-          </p:cNvPr>
-          <p:cNvSpPr>
-            <a:spLocks noGrp="1"/>
-          </p:cNvSpPr>
-          <p:nvPr>
-            <p:ph type="body" idx="1"/>
+            <a:pPr lvl="0"/>
+            <a:r>
+              <a:rPr lang="en-US"/>
+              <a:t>Click to edit Master text styles</a:t>
+            </a:r>
+          </a:p>
+          <a:p>
+            <a:pPr lvl="1"/>
+            <a:r>
+              <a:rPr lang="en-US"/>
+              <a:t>Second level</a:t>
+            </a:r>
+          </a:p>
+          <a:p>
+            <a:pPr lvl="2"/>
+            <a:r>
+              <a:rPr lang="en-US"/>
+              <a:t>Third level</a:t>
+            </a:r>
+          </a:p>
+          <a:p>
+            <a:pPr lvl="3"/>
+            <a:r>
+              <a:rPr lang="en-US"/>
+              <a:t>Fourth level</a:t>
+            </a:r>
+          </a:p>
+          <a:p>
+            <a:pPr lvl="4"/>
+            <a:r>
+              <a:rPr lang="en-US"/>
+              <a:t>Fifth level</a:t>
+            </a:r>
+            <a:endParaRPr lang="en-US" dirty="0"/>
+          </a:p>
+        </p:txBody>
+      </p:sp>
+      <p:sp>
+        <p:nvSpPr>
+          <p:cNvPr id="4" name="Date Placeholder 3"/>
+          <p:cNvSpPr>
+            <a:spLocks noGrp="1"/>
+          </p:cNvSpPr>
+          <p:nvPr>
+            <p:ph type="dt" sz="half" idx="2"/>
           </p:nvPr>
         </p:nvSpPr>
         <p:spPr>
           <a:xfrm>
-            <a:off x="838200" y="1825625"/>
-            <a:ext cx="10515600" cy="4351338"/>
+            <a:off x="7821429" y="6238816"/>
+            <a:ext cx="2753746" cy="323968"/>
           </a:xfrm>
           <a:prstGeom prst="rect">
             <a:avLst/>
           </a:prstGeom>
         </p:spPr>
         <p:txBody>
-          <a:bodyPr vert="horz" lIns="91440" tIns="45720" rIns="91440" bIns="45720" rtlCol="0">
-            <a:normAutofit/>
-          </a:bodyPr>
-          <a:lstStyle/>
-          <a:p>
-            <a:pPr lvl="0"/>
-            <a:r>
-              <a:rPr lang="en-US"/>
-              <a:t>Click to edit Master text styles</a:t>
-            </a:r>
-          </a:p>
-          <a:p>
-            <a:pPr lvl="1"/>
-            <a:r>
-              <a:rPr lang="en-US"/>
-              <a:t>Second level</a:t>
-            </a:r>
-          </a:p>
-          <a:p>
-            <a:pPr lvl="2"/>
-            <a:r>
-              <a:rPr lang="en-US"/>
-              <a:t>Third level</a:t>
-            </a:r>
-          </a:p>
-          <a:p>
-            <a:pPr lvl="3"/>
-            <a:r>
-              <a:rPr lang="en-US"/>
-              <a:t>Fourth level</a:t>
-            </a:r>
-          </a:p>
-          <a:p>
-            <a:pPr lvl="4"/>
-            <a:r>
-              <a:rPr lang="en-US"/>
-              <a:t>Fifth level</a:t>
-            </a:r>
-            <a:endParaRPr lang="en-IN"/>
-          </a:p>
-        </p:txBody>
-      </p:sp>
-      <p:sp>
-        <p:nvSpPr>
-          <p:cNvPr id="4" name="Date Placeholder 3">
-            <a:extLst>
-              <a:ext uri="{FF2B5EF4-FFF2-40B4-BE49-F238E27FC236}">
-                <a16:creationId xmlns:a16="http://schemas.microsoft.com/office/drawing/2014/main" id="{5C0E196F-BAA8-A349-C11B-18BFA3E3CD1A}"/>
-              </a:ext>
-            </a:extLst>
-          </p:cNvPr>
-          <p:cNvSpPr>
-            <a:spLocks noGrp="1"/>
-          </p:cNvSpPr>
-          <p:nvPr>
-            <p:ph type="dt" sz="half" idx="2"/>
-          </p:nvPr>
-        </p:nvSpPr>
-        <p:spPr>
-          <a:xfrm>
-            <a:off x="838200" y="6356350"/>
-            <a:ext cx="2743200" cy="365125"/>
-          </a:xfrm>
-          <a:prstGeom prst="rect">
-            <a:avLst/>
-          </a:prstGeom>
-        </p:spPr>
-        <p:txBody>
           <a:bodyPr vert="horz" lIns="91440" tIns="45720" rIns="91440" bIns="45720" rtlCol="0" anchor="ctr"/>
           <a:lstStyle>
-            <a:lvl1pPr algn="l">
-              <a:defRPr sz="1200">
+            <a:lvl1pPr algn="r">
+              <a:defRPr sz="1050">
                 <a:solidFill>
                   <a:schemeClr val="tx1">
-                    <a:tint val="75000"/>
+                    <a:alpha val="70000"/>
                   </a:schemeClr>
                 </a:solidFill>
               </a:defRPr>
@@ -2929,7 +2850,7 @@
           <a:p>
             <a:fld id="{4BB054B0-ACC7-4D96-B452-3CB8A65224F4}" type="datetimeFigureOut">
               <a:rPr lang="en-IN" smtClean="0"/>
-              <a:t>25-03-2025</a:t>
+              <a:t>26-03-2025</a:t>
             </a:fld>
             <a:endParaRPr lang="en-IN"/>
           </a:p>
@@ -2937,13 +2858,7 @@
       </p:sp>
       <p:sp>
         <p:nvSpPr>
-          <p:cNvPr id="5" name="Footer Placeholder 4">
-            <a:extLst>
-              <a:ext uri="{FF2B5EF4-FFF2-40B4-BE49-F238E27FC236}">
-                <a16:creationId xmlns:a16="http://schemas.microsoft.com/office/drawing/2014/main" id="{6E7EBE9B-5565-6F3D-D465-9DE5EAF002EC}"/>
-              </a:ext>
-            </a:extLst>
-          </p:cNvPr>
+          <p:cNvPr id="5" name="Footer Placeholder 4"/>
           <p:cNvSpPr>
             <a:spLocks noGrp="1"/>
           </p:cNvSpPr>
@@ -2953,8 +2868,8 @@
         </p:nvSpPr>
         <p:spPr>
           <a:xfrm>
-            <a:off x="4038600" y="6356350"/>
-            <a:ext cx="4114800" cy="365125"/>
+            <a:off x="1600200" y="6236208"/>
+            <a:ext cx="5901189" cy="320040"/>
           </a:xfrm>
           <a:prstGeom prst="rect">
             <a:avLst/>
@@ -2963,11 +2878,11 @@
         <p:txBody>
           <a:bodyPr vert="horz" lIns="91440" tIns="45720" rIns="91440" bIns="45720" rtlCol="0" anchor="ctr"/>
           <a:lstStyle>
-            <a:lvl1pPr algn="ctr">
-              <a:defRPr sz="1200">
+            <a:lvl1pPr algn="l">
+              <a:defRPr sz="1050">
                 <a:solidFill>
                   <a:schemeClr val="tx1">
-                    <a:tint val="75000"/>
+                    <a:alpha val="70000"/>
                   </a:schemeClr>
                 </a:solidFill>
               </a:defRPr>
@@ -2980,13 +2895,7 @@
       </p:sp>
       <p:sp>
         <p:nvSpPr>
-          <p:cNvPr id="6" name="Slide Number Placeholder 5">
-            <a:extLst>
-              <a:ext uri="{FF2B5EF4-FFF2-40B4-BE49-F238E27FC236}">
-                <a16:creationId xmlns:a16="http://schemas.microsoft.com/office/drawing/2014/main" id="{CBB5415F-60A9-E31D-711B-C7834944A8CD}"/>
-              </a:ext>
-            </a:extLst>
-          </p:cNvPr>
+          <p:cNvPr id="6" name="Slide Number Placeholder 5"/>
           <p:cNvSpPr>
             <a:spLocks noGrp="1"/>
           </p:cNvSpPr>
@@ -2996,22 +2905,27 @@
         </p:nvSpPr>
         <p:spPr>
           <a:xfrm>
-            <a:off x="8610600" y="6356350"/>
-            <a:ext cx="2743200" cy="365125"/>
-          </a:xfrm>
-          <a:prstGeom prst="rect">
+            <a:off x="10758922" y="6217920"/>
+            <a:ext cx="365760" cy="365760"/>
+          </a:xfrm>
+          <a:prstGeom prst="ellipse">
             <a:avLst/>
           </a:prstGeom>
+          <a:solidFill>
+            <a:srgbClr val="1D1D1D">
+              <a:alpha val="70000"/>
+            </a:srgbClr>
+          </a:solidFill>
         </p:spPr>
         <p:txBody>
-          <a:bodyPr vert="horz" lIns="91440" tIns="45720" rIns="91440" bIns="45720" rtlCol="0" anchor="ctr"/>
+          <a:bodyPr vert="horz" lIns="18288" tIns="45720" rIns="18288" bIns="45720" rtlCol="0" anchor="ctr">
+            <a:noAutofit/>
+          </a:bodyPr>
           <a:lstStyle>
-            <a:lvl1pPr algn="r">
-              <a:defRPr sz="1200">
+            <a:lvl1pPr algn="ctr">
+              <a:defRPr sz="1100" spc="0" baseline="0">
                 <a:solidFill>
-                  <a:schemeClr val="tx1">
-                    <a:tint val="75000"/>
-                  </a:schemeClr>
+                  <a:srgbClr val="FFFFFF"/>
                 </a:solidFill>
               </a:defRPr>
             </a:lvl1pPr>
@@ -3028,27 +2942,27 @@
     </p:spTree>
     <p:extLst>
       <p:ext uri="{BB962C8B-B14F-4D97-AF65-F5344CB8AC3E}">
-        <p14:creationId xmlns:p14="http://schemas.microsoft.com/office/powerpoint/2010/main" val="259159052"/>
+        <p14:creationId xmlns:p14="http://schemas.microsoft.com/office/powerpoint/2010/main" val="1929069189"/>
       </p:ext>
     </p:extLst>
   </p:cSld>
   <p:clrMap bg1="lt1" tx1="dk1" bg2="lt2" tx2="dk2" accent1="accent1" accent2="accent2" accent3="accent3" accent4="accent4" accent5="accent5" accent6="accent6" hlink="hlink" folHlink="folHlink"/>
   <p:sldLayoutIdLst>
-    <p:sldLayoutId id="2147483649" r:id="rId1"/>
-    <p:sldLayoutId id="2147483650" r:id="rId2"/>
-    <p:sldLayoutId id="2147483651" r:id="rId3"/>
-    <p:sldLayoutId id="2147483652" r:id="rId4"/>
-    <p:sldLayoutId id="2147483653" r:id="rId5"/>
-    <p:sldLayoutId id="2147483654" r:id="rId6"/>
-    <p:sldLayoutId id="2147483655" r:id="rId7"/>
-    <p:sldLayoutId id="2147483656" r:id="rId8"/>
-    <p:sldLayoutId id="2147483657" r:id="rId9"/>
-    <p:sldLayoutId id="2147483658" r:id="rId10"/>
-    <p:sldLayoutId id="2147483659" r:id="rId11"/>
+    <p:sldLayoutId id="2147483730" r:id="rId1"/>
+    <p:sldLayoutId id="2147483731" r:id="rId2"/>
+    <p:sldLayoutId id="2147483732" r:id="rId3"/>
+    <p:sldLayoutId id="2147483733" r:id="rId4"/>
+    <p:sldLayoutId id="2147483734" r:id="rId5"/>
+    <p:sldLayoutId id="2147483735" r:id="rId6"/>
+    <p:sldLayoutId id="2147483736" r:id="rId7"/>
+    <p:sldLayoutId id="2147483737" r:id="rId8"/>
+    <p:sldLayoutId id="2147483738" r:id="rId9"/>
+    <p:sldLayoutId id="2147483739" r:id="rId10"/>
+    <p:sldLayoutId id="2147483740" r:id="rId11"/>
   </p:sldLayoutIdLst>
   <p:txStyles>
     <p:titleStyle>
-      <a:lvl1pPr algn="l" defTabSz="914400" rtl="0" eaLnBrk="1" latinLnBrk="0" hangingPunct="1">
+      <a:lvl1pPr algn="ctr" defTabSz="914400" rtl="0" eaLnBrk="1" latinLnBrk="0" hangingPunct="1">
         <a:lnSpc>
           <a:spcPct val="90000"/>
         </a:lnSpc>
@@ -3056,9 +2970,9 @@
           <a:spcPct val="0"/>
         </a:spcBef>
         <a:buNone/>
-        <a:defRPr sz="4400" kern="1200">
+        <a:defRPr sz="2800" kern="1200" cap="all" spc="200" baseline="0">
           <a:solidFill>
-            <a:schemeClr val="tx1"/>
+            <a:srgbClr val="262626"/>
           </a:solidFill>
           <a:latin typeface="+mj-lt"/>
           <a:ea typeface="+mj-ea"/>
@@ -3069,104 +2983,137 @@
     <p:bodyStyle>
       <a:lvl1pPr marL="228600" indent="-228600" algn="l" defTabSz="914400" rtl="0" eaLnBrk="1" latinLnBrk="0" hangingPunct="1">
         <a:lnSpc>
-          <a:spcPct val="90000"/>
+          <a:spcPct val="100000"/>
         </a:lnSpc>
         <a:spcBef>
           <a:spcPts val="1000"/>
         </a:spcBef>
+        <a:buClr>
+          <a:schemeClr val="accent2"/>
+        </a:buClr>
         <a:buFont typeface="Arial" panose="020B0604020202020204" pitchFamily="34" charset="0"/>
         <a:buChar char="•"/>
-        <a:defRPr sz="2800" kern="1200">
+        <a:defRPr sz="1800" kern="1200">
           <a:solidFill>
-            <a:schemeClr val="tx1"/>
+            <a:schemeClr val="tx1">
+              <a:lumMod val="85000"/>
+              <a:lumOff val="15000"/>
+            </a:schemeClr>
           </a:solidFill>
           <a:latin typeface="+mn-lt"/>
           <a:ea typeface="+mn-ea"/>
           <a:cs typeface="+mn-cs"/>
         </a:defRPr>
       </a:lvl1pPr>
-      <a:lvl2pPr marL="685800" indent="-228600" algn="l" defTabSz="914400" rtl="0" eaLnBrk="1" latinLnBrk="0" hangingPunct="1">
+      <a:lvl2pPr marL="457200" indent="-228600" algn="l" defTabSz="914400" rtl="0" eaLnBrk="1" latinLnBrk="0" hangingPunct="1">
         <a:lnSpc>
-          <a:spcPct val="90000"/>
+          <a:spcPct val="100000"/>
         </a:lnSpc>
         <a:spcBef>
-          <a:spcPts val="500"/>
+          <a:spcPts val="1000"/>
         </a:spcBef>
+        <a:buClr>
+          <a:schemeClr val="accent2"/>
+        </a:buClr>
         <a:buFont typeface="Arial" panose="020B0604020202020204" pitchFamily="34" charset="0"/>
         <a:buChar char="•"/>
-        <a:defRPr sz="2400" kern="1200">
+        <a:defRPr sz="1600" kern="1200">
           <a:solidFill>
-            <a:schemeClr val="tx1"/>
+            <a:schemeClr val="tx1">
+              <a:lumMod val="85000"/>
+              <a:lumOff val="15000"/>
+            </a:schemeClr>
           </a:solidFill>
           <a:latin typeface="+mn-lt"/>
           <a:ea typeface="+mn-ea"/>
           <a:cs typeface="+mn-cs"/>
         </a:defRPr>
       </a:lvl2pPr>
-      <a:lvl3pPr marL="1143000" indent="-228600" algn="l" defTabSz="914400" rtl="0" eaLnBrk="1" latinLnBrk="0" hangingPunct="1">
+      <a:lvl3pPr marL="685800" indent="-228600" algn="l" defTabSz="914400" rtl="0" eaLnBrk="1" latinLnBrk="0" hangingPunct="1">
         <a:lnSpc>
-          <a:spcPct val="90000"/>
+          <a:spcPct val="100000"/>
         </a:lnSpc>
         <a:spcBef>
-          <a:spcPts val="500"/>
+          <a:spcPts val="1000"/>
         </a:spcBef>
+        <a:buClr>
+          <a:schemeClr val="accent2"/>
+        </a:buClr>
         <a:buFont typeface="Arial" panose="020B0604020202020204" pitchFamily="34" charset="0"/>
         <a:buChar char="•"/>
-        <a:defRPr sz="2000" kern="1200">
+        <a:defRPr sz="1600" kern="1200">
           <a:solidFill>
-            <a:schemeClr val="tx1"/>
+            <a:schemeClr val="tx1">
+              <a:lumMod val="85000"/>
+              <a:lumOff val="15000"/>
+            </a:schemeClr>
           </a:solidFill>
           <a:latin typeface="+mn-lt"/>
           <a:ea typeface="+mn-ea"/>
           <a:cs typeface="+mn-cs"/>
         </a:defRPr>
       </a:lvl3pPr>
-      <a:lvl4pPr marL="1600200" indent="-228600" algn="l" defTabSz="914400" rtl="0" eaLnBrk="1" latinLnBrk="0" hangingPunct="1">
+      <a:lvl4pPr marL="914400" indent="-228600" algn="l" defTabSz="914400" rtl="0" eaLnBrk="1" latinLnBrk="0" hangingPunct="1">
         <a:lnSpc>
-          <a:spcPct val="90000"/>
+          <a:spcPct val="100000"/>
         </a:lnSpc>
         <a:spcBef>
-          <a:spcPts val="500"/>
+          <a:spcPts val="1000"/>
         </a:spcBef>
+        <a:buClr>
+          <a:schemeClr val="accent2"/>
+        </a:buClr>
         <a:buFont typeface="Arial" panose="020B0604020202020204" pitchFamily="34" charset="0"/>
         <a:buChar char="•"/>
-        <a:defRPr sz="1800" kern="1200">
+        <a:defRPr sz="1600" kern="1200">
           <a:solidFill>
-            <a:schemeClr val="tx1"/>
+            <a:schemeClr val="tx1">
+              <a:lumMod val="85000"/>
+              <a:lumOff val="15000"/>
+            </a:schemeClr>
           </a:solidFill>
           <a:latin typeface="+mn-lt"/>
           <a:ea typeface="+mn-ea"/>
           <a:cs typeface="+mn-cs"/>
         </a:defRPr>
       </a:lvl4pPr>
-      <a:lvl5pPr marL="2057400" indent="-228600" algn="l" defTabSz="914400" rtl="0" eaLnBrk="1" latinLnBrk="0" hangingPunct="1">
+      <a:lvl5pPr marL="1143000" indent="-228600" algn="l" defTabSz="914400" rtl="0" eaLnBrk="1" latinLnBrk="0" hangingPunct="1">
         <a:lnSpc>
-          <a:spcPct val="90000"/>
+          <a:spcPct val="100000"/>
         </a:lnSpc>
         <a:spcBef>
-          <a:spcPts val="500"/>
+          <a:spcPts val="1000"/>
         </a:spcBef>
+        <a:buClr>
+          <a:schemeClr val="accent2"/>
+        </a:buClr>
         <a:buFont typeface="Arial" panose="020B0604020202020204" pitchFamily="34" charset="0"/>
         <a:buChar char="•"/>
-        <a:defRPr sz="1800" kern="1200">
+        <a:defRPr sz="1600" kern="1200">
           <a:solidFill>
-            <a:schemeClr val="tx1"/>
+            <a:schemeClr val="tx1">
+              <a:lumMod val="85000"/>
+              <a:lumOff val="15000"/>
+            </a:schemeClr>
           </a:solidFill>
           <a:latin typeface="+mn-lt"/>
           <a:ea typeface="+mn-ea"/>
           <a:cs typeface="+mn-cs"/>
         </a:defRPr>
       </a:lvl5pPr>
-      <a:lvl6pPr marL="2514600" indent="-228600" algn="l" defTabSz="914400" rtl="0" eaLnBrk="1" latinLnBrk="0" hangingPunct="1">
+      <a:lvl6pPr marL="1312863" indent="-228600" algn="l" defTabSz="914400" rtl="0" eaLnBrk="1" latinLnBrk="0" hangingPunct="1">
         <a:lnSpc>
-          <a:spcPct val="90000"/>
+          <a:spcPct val="100000"/>
         </a:lnSpc>
         <a:spcBef>
-          <a:spcPts val="500"/>
+          <a:spcPts val="1000"/>
         </a:spcBef>
+        <a:buClr>
+          <a:schemeClr val="accent2"/>
+        </a:buClr>
         <a:buFont typeface="Arial" panose="020B0604020202020204" pitchFamily="34" charset="0"/>
         <a:buChar char="•"/>
-        <a:defRPr sz="1800" kern="1200">
+        <a:defRPr sz="1600" kern="1200">
           <a:solidFill>
             <a:schemeClr val="tx1"/>
           </a:solidFill>
@@ -3175,16 +3122,19 @@
           <a:cs typeface="+mn-cs"/>
         </a:defRPr>
       </a:lvl6pPr>
-      <a:lvl7pPr marL="2971800" indent="-228600" algn="l" defTabSz="914400" rtl="0" eaLnBrk="1" latinLnBrk="0" hangingPunct="1">
+      <a:lvl7pPr marL="1484313" indent="-228600" algn="l" defTabSz="914400" rtl="0" eaLnBrk="1" latinLnBrk="0" hangingPunct="1">
         <a:lnSpc>
-          <a:spcPct val="90000"/>
+          <a:spcPct val="100000"/>
         </a:lnSpc>
         <a:spcBef>
-          <a:spcPts val="500"/>
+          <a:spcPts val="1000"/>
         </a:spcBef>
+        <a:buClr>
+          <a:schemeClr val="accent2"/>
+        </a:buClr>
         <a:buFont typeface="Arial" panose="020B0604020202020204" pitchFamily="34" charset="0"/>
         <a:buChar char="•"/>
-        <a:defRPr sz="1800" kern="1200">
+        <a:defRPr sz="1600" kern="1200">
           <a:solidFill>
             <a:schemeClr val="tx1"/>
           </a:solidFill>
@@ -3193,16 +3143,19 @@
           <a:cs typeface="+mn-cs"/>
         </a:defRPr>
       </a:lvl7pPr>
-      <a:lvl8pPr marL="3429000" indent="-228600" algn="l" defTabSz="914400" rtl="0" eaLnBrk="1" latinLnBrk="0" hangingPunct="1">
+      <a:lvl8pPr marL="1657350" indent="-228600" algn="l" defTabSz="914400" rtl="0" eaLnBrk="1" latinLnBrk="0" hangingPunct="1">
         <a:lnSpc>
-          <a:spcPct val="90000"/>
+          <a:spcPct val="100000"/>
         </a:lnSpc>
         <a:spcBef>
-          <a:spcPts val="500"/>
+          <a:spcPts val="1000"/>
         </a:spcBef>
+        <a:buClr>
+          <a:schemeClr val="accent2"/>
+        </a:buClr>
         <a:buFont typeface="Arial" panose="020B0604020202020204" pitchFamily="34" charset="0"/>
         <a:buChar char="•"/>
-        <a:defRPr sz="1800" kern="1200">
+        <a:defRPr sz="1600" kern="1200" baseline="0">
           <a:solidFill>
             <a:schemeClr val="tx1"/>
           </a:solidFill>
@@ -3211,16 +3164,19 @@
           <a:cs typeface="+mn-cs"/>
         </a:defRPr>
       </a:lvl8pPr>
-      <a:lvl9pPr marL="3886200" indent="-228600" algn="l" defTabSz="914400" rtl="0" eaLnBrk="1" latinLnBrk="0" hangingPunct="1">
+      <a:lvl9pPr marL="1882775" indent="-228600" algn="l" defTabSz="914400" rtl="0" eaLnBrk="1" latinLnBrk="0" hangingPunct="1">
         <a:lnSpc>
-          <a:spcPct val="90000"/>
+          <a:spcPct val="100000"/>
         </a:lnSpc>
         <a:spcBef>
-          <a:spcPts val="500"/>
+          <a:spcPts val="1000"/>
         </a:spcBef>
+        <a:buClr>
+          <a:schemeClr val="accent2"/>
+        </a:buClr>
         <a:buFont typeface="Arial" panose="020B0604020202020204" pitchFamily="34" charset="0"/>
         <a:buChar char="•"/>
-        <a:defRPr sz="1800" kern="1200">
+        <a:defRPr sz="1600" kern="1200" baseline="0">
           <a:solidFill>
             <a:schemeClr val="tx1"/>
           </a:solidFill>
@@ -3348,34 +3304,6 @@
       </p:grpSpPr>
       <p:sp>
         <p:nvSpPr>
-          <p:cNvPr id="2" name="Title 1">
-            <a:extLst>
-              <a:ext uri="{FF2B5EF4-FFF2-40B4-BE49-F238E27FC236}">
-                <a16:creationId xmlns:a16="http://schemas.microsoft.com/office/drawing/2014/main" id="{00090D9E-3BE6-7506-2630-05C5221B08D2}"/>
-              </a:ext>
-            </a:extLst>
-          </p:cNvPr>
-          <p:cNvSpPr>
-            <a:spLocks noGrp="1"/>
-          </p:cNvSpPr>
-          <p:nvPr>
-            <p:ph type="title"/>
-          </p:nvPr>
-        </p:nvSpPr>
-        <p:spPr/>
-        <p:txBody>
-          <a:bodyPr/>
-          <a:lstStyle/>
-          <a:p>
-            <a:r>
-              <a:rPr lang="en-IN" dirty="0"/>
-              <a:t>Approach</a:t>
-            </a:r>
-          </a:p>
-        </p:txBody>
-      </p:sp>
-      <p:sp>
-        <p:nvSpPr>
           <p:cNvPr id="3" name="Content Placeholder 2">
             <a:extLst>
               <a:ext uri="{FF2B5EF4-FFF2-40B4-BE49-F238E27FC236}">
@@ -3390,40 +3318,99 @@
             <p:ph idx="1"/>
           </p:nvPr>
         </p:nvSpPr>
-        <p:spPr/>
-        <p:txBody>
-          <a:bodyPr/>
-          <a:lstStyle/>
-          <a:p>
-            <a:r>
-              <a:rPr lang="en-IN" dirty="0"/>
+        <p:spPr>
+          <a:xfrm>
+            <a:off x="777977" y="1691148"/>
+            <a:ext cx="10588113" cy="4286865"/>
+          </a:xfrm>
+        </p:spPr>
+        <p:txBody>
+          <a:bodyPr>
+            <a:normAutofit/>
+          </a:bodyPr>
+          <a:lstStyle/>
+          <a:p>
+            <a:r>
+              <a:rPr lang="en-IN" sz="2400" dirty="0"/>
               <a:t>Externally configurable </a:t>
             </a:r>
             <a:r>
-              <a:rPr lang="en-IN" dirty="0" err="1"/>
+              <a:rPr lang="en-IN" sz="2400" dirty="0" err="1"/>
               <a:t>yml</a:t>
             </a:r>
             <a:r>
-              <a:rPr lang="en-IN" dirty="0"/>
-              <a:t> file that can be used to inject classification</a:t>
-            </a:r>
-          </a:p>
-          <a:p>
-            <a:r>
-              <a:rPr lang="en-IN" dirty="0"/>
+              <a:rPr lang="en-IN" sz="2400" dirty="0"/>
+              <a:t> file that can be used to inject email classification types</a:t>
+            </a:r>
+          </a:p>
+          <a:p>
+            <a:r>
+              <a:rPr lang="en-IN" sz="2400" dirty="0"/>
               <a:t>Hugging Face model collection to access the required models</a:t>
             </a:r>
           </a:p>
           <a:p>
             <a:r>
-              <a:rPr lang="en-IN" dirty="0"/>
-              <a:t>Mistral 7B LLM with Few shot Prompting to predict the Email Type and Subtype with </a:t>
-            </a:r>
-          </a:p>
-          <a:p>
-            <a:r>
-              <a:rPr lang="en-IN" dirty="0"/>
-              <a:t>Same model to extract important attributes such as borrower id, loan number etc</a:t>
+              <a:rPr lang="en-IN" sz="2400" dirty="0"/>
+              <a:t>Input Email and Config YML is converted to Prompts </a:t>
+            </a:r>
+          </a:p>
+          <a:p>
+            <a:r>
+              <a:rPr lang="en-IN" sz="2400" dirty="0"/>
+              <a:t>Prompts are Tokenized and then passed as inputs to LLM Model</a:t>
+            </a:r>
+          </a:p>
+          <a:p>
+            <a:r>
+              <a:rPr lang="en-IN" sz="2400" dirty="0"/>
+              <a:t>Mistral 7B LLM with Few shot Classification to predict the Email Type and Subtype</a:t>
+            </a:r>
+          </a:p>
+          <a:p>
+            <a:r>
+              <a:rPr lang="en-IN" sz="2400" dirty="0"/>
+              <a:t>Mistral 7B LLM  with Named Entity Recognition to extract important attributes such as borrower id, loan number etc</a:t>
+            </a:r>
+          </a:p>
+        </p:txBody>
+      </p:sp>
+      <p:sp>
+        <p:nvSpPr>
+          <p:cNvPr id="6" name="Text 0">
+            <a:extLst>
+              <a:ext uri="{FF2B5EF4-FFF2-40B4-BE49-F238E27FC236}">
+                <a16:creationId xmlns:a16="http://schemas.microsoft.com/office/drawing/2014/main" id="{6C56E502-DF4F-91DC-5BC0-05FFE3DADF61}"/>
+              </a:ext>
+            </a:extLst>
+          </p:cNvPr>
+          <p:cNvSpPr/>
+          <p:nvPr/>
+        </p:nvSpPr>
+        <p:spPr>
+          <a:xfrm>
+            <a:off x="777977" y="247127"/>
+            <a:ext cx="7614061" cy="708779"/>
+          </a:xfrm>
+          <a:prstGeom prst="rect">
+            <a:avLst/>
+          </a:prstGeom>
+          <a:noFill/>
+          <a:ln/>
+        </p:spPr>
+        <p:txBody>
+          <a:bodyPr wrap="none" lIns="0" tIns="0" rIns="0" bIns="0" rtlCol="0" anchor="t"/>
+          <a:lstStyle/>
+          <a:p>
+            <a:pPr marL="0" indent="0" algn="l">
+              <a:lnSpc>
+                <a:spcPts val="5550"/>
+              </a:lnSpc>
+              <a:buNone/>
+            </a:pPr>
+            <a:r>
+              <a:rPr lang="en-US" sz="4450" dirty="0"/>
+              <a:t>Approach</a:t>
             </a:r>
           </a:p>
         </p:txBody>
@@ -3444,6 +3431,17 @@
 <file path=ppt/slides/slide2.xml><?xml version="1.0" encoding="utf-8"?>
 <p:sld xmlns:a="http://schemas.openxmlformats.org/drawingml/2006/main" xmlns:r="http://schemas.openxmlformats.org/officeDocument/2006/relationships" xmlns:p="http://schemas.openxmlformats.org/presentationml/2006/main">
   <p:cSld>
+    <p:bg>
+      <p:bgPr>
+        <a:solidFill>
+          <a:schemeClr val="accent2">
+            <a:lumMod val="20000"/>
+            <a:lumOff val="80000"/>
+          </a:schemeClr>
+        </a:solidFill>
+        <a:effectLst/>
+      </p:bgPr>
+    </p:bg>
     <p:spTree>
       <p:nvGrpSpPr>
         <p:cNvPr id="1" name=""/>
@@ -3480,14 +3478,62 @@
         </p:blipFill>
         <p:spPr>
           <a:xfrm>
-            <a:off x="707922" y="400995"/>
-            <a:ext cx="10225548" cy="5639990"/>
+            <a:off x="816077" y="1622323"/>
+            <a:ext cx="10225548" cy="4634972"/>
           </a:xfrm>
           <a:prstGeom prst="rect">
             <a:avLst/>
           </a:prstGeom>
         </p:spPr>
       </p:pic>
+      <p:sp>
+        <p:nvSpPr>
+          <p:cNvPr id="2" name="Text 0">
+            <a:extLst>
+              <a:ext uri="{FF2B5EF4-FFF2-40B4-BE49-F238E27FC236}">
+                <a16:creationId xmlns:a16="http://schemas.microsoft.com/office/drawing/2014/main" id="{5488532E-B4BE-4CEF-B150-0F4DC2878DA1}"/>
+              </a:ext>
+            </a:extLst>
+          </p:cNvPr>
+          <p:cNvSpPr/>
+          <p:nvPr/>
+        </p:nvSpPr>
+        <p:spPr>
+          <a:xfrm>
+            <a:off x="1160206" y="306120"/>
+            <a:ext cx="7614061" cy="708779"/>
+          </a:xfrm>
+          <a:prstGeom prst="rect">
+            <a:avLst/>
+          </a:prstGeom>
+          <a:noFill/>
+          <a:ln/>
+        </p:spPr>
+        <p:txBody>
+          <a:bodyPr wrap="none" lIns="0" tIns="0" rIns="0" bIns="0" rtlCol="0" anchor="t"/>
+          <a:lstStyle/>
+          <a:p>
+            <a:pPr marL="0" indent="0" algn="l">
+              <a:lnSpc>
+                <a:spcPts val="5550"/>
+              </a:lnSpc>
+              <a:buNone/>
+            </a:pPr>
+            <a:r>
+              <a:rPr lang="en-US" sz="4450" b="1" dirty="0">
+                <a:solidFill>
+                  <a:srgbClr val="282824"/>
+                </a:solidFill>
+                <a:latin typeface="Lato Bold" pitchFamily="34" charset="0"/>
+                <a:ea typeface="Lato Bold" pitchFamily="34" charset="-122"/>
+                <a:cs typeface="Lato Bold" pitchFamily="34" charset="-120"/>
+              </a:rPr>
+              <a:t>High Level Flow</a:t>
+            </a:r>
+            <a:endParaRPr lang="en-US" sz="4450" dirty="0"/>
+          </a:p>
+        </p:txBody>
+      </p:sp>
     </p:spTree>
     <p:extLst>
       <p:ext uri="{BB962C8B-B14F-4D97-AF65-F5344CB8AC3E}">
@@ -3520,94 +3566,687 @@
       </p:grpSpPr>
       <p:sp>
         <p:nvSpPr>
-          <p:cNvPr id="2" name="Title 1">
+          <p:cNvPr id="5" name="Text 0">
             <a:extLst>
               <a:ext uri="{FF2B5EF4-FFF2-40B4-BE49-F238E27FC236}">
-                <a16:creationId xmlns:a16="http://schemas.microsoft.com/office/drawing/2014/main" id="{F5405CDA-F23A-3101-906C-65F70F5939DB}"/>
+                <a16:creationId xmlns:a16="http://schemas.microsoft.com/office/drawing/2014/main" id="{EDC664AD-C95C-3414-6469-B47490B4DB5A}"/>
               </a:ext>
             </a:extLst>
           </p:cNvPr>
-          <p:cNvSpPr>
-            <a:spLocks noGrp="1"/>
-          </p:cNvSpPr>
-          <p:nvPr>
-            <p:ph type="title"/>
-          </p:nvPr>
-        </p:nvSpPr>
-        <p:spPr/>
-        <p:txBody>
-          <a:bodyPr/>
-          <a:lstStyle/>
-          <a:p>
-            <a:r>
-              <a:rPr lang="en-IN" dirty="0"/>
-              <a:t>Models Used</a:t>
-            </a:r>
-          </a:p>
-        </p:txBody>
-      </p:sp>
-      <p:sp>
-        <p:nvSpPr>
-          <p:cNvPr id="3" name="Content Placeholder 2">
+          <p:cNvSpPr/>
+          <p:nvPr/>
+        </p:nvSpPr>
+        <p:spPr>
+          <a:xfrm>
+            <a:off x="1160206" y="306120"/>
+            <a:ext cx="7614061" cy="708779"/>
+          </a:xfrm>
+          <a:prstGeom prst="rect">
+            <a:avLst/>
+          </a:prstGeom>
+          <a:noFill/>
+          <a:ln/>
+        </p:spPr>
+        <p:txBody>
+          <a:bodyPr wrap="none" lIns="0" tIns="0" rIns="0" bIns="0" rtlCol="0" anchor="t"/>
+          <a:lstStyle/>
+          <a:p>
+            <a:pPr marL="0" indent="0" algn="l">
+              <a:lnSpc>
+                <a:spcPts val="5550"/>
+              </a:lnSpc>
+              <a:buNone/>
+            </a:pPr>
+            <a:r>
+              <a:rPr lang="en-US" sz="4450" b="1" dirty="0">
+                <a:solidFill>
+                  <a:srgbClr val="282824"/>
+                </a:solidFill>
+                <a:latin typeface="Lato Bold" pitchFamily="34" charset="0"/>
+                <a:ea typeface="Lato Bold" pitchFamily="34" charset="-122"/>
+                <a:cs typeface="Lato Bold" pitchFamily="34" charset="-120"/>
+              </a:rPr>
+              <a:t>Key Models and Techniques</a:t>
+            </a:r>
+            <a:endParaRPr lang="en-US" sz="4450" dirty="0"/>
+          </a:p>
+        </p:txBody>
+      </p:sp>
+      <p:grpSp>
+        <p:nvGrpSpPr>
+          <p:cNvPr id="20" name="Group 19">
             <a:extLst>
               <a:ext uri="{FF2B5EF4-FFF2-40B4-BE49-F238E27FC236}">
-                <a16:creationId xmlns:a16="http://schemas.microsoft.com/office/drawing/2014/main" id="{214CB212-6605-438D-020E-E9A6D2BB1D2A}"/>
+                <a16:creationId xmlns:a16="http://schemas.microsoft.com/office/drawing/2014/main" id="{57F1CC38-DB1F-8EEB-8751-9400DA95176A}"/>
               </a:ext>
             </a:extLst>
           </p:cNvPr>
-          <p:cNvSpPr>
-            <a:spLocks noGrp="1"/>
-          </p:cNvSpPr>
-          <p:nvPr>
-            <p:ph idx="1"/>
-          </p:nvPr>
-        </p:nvSpPr>
-        <p:spPr/>
-        <p:txBody>
-          <a:bodyPr/>
-          <a:lstStyle/>
-          <a:p>
-            <a:r>
-              <a:rPr lang="en-IN" dirty="0"/>
-              <a:t>Hugging Face collection</a:t>
-            </a:r>
-          </a:p>
-          <a:p>
-            <a:r>
-              <a:rPr lang="en-IN" dirty="0"/>
-              <a:t>MISTRAL Model - </a:t>
-            </a:r>
-            <a:r>
-              <a:rPr lang="en-IN" dirty="0" err="1"/>
-              <a:t>mistralai</a:t>
-            </a:r>
-            <a:r>
-              <a:rPr lang="en-IN" dirty="0"/>
-              <a:t>/Mistral-7B-Instruct-v0.3</a:t>
-            </a:r>
-          </a:p>
-          <a:p>
-            <a:r>
-              <a:rPr lang="en-US" dirty="0"/>
-              <a:t>Few Shot Classification</a:t>
-            </a:r>
-          </a:p>
-          <a:p>
-            <a:r>
-              <a:rPr lang="en-US" dirty="0"/>
-              <a:t>Named Entity Recognition</a:t>
-            </a:r>
-            <a:endParaRPr lang="en-IN" dirty="0"/>
-          </a:p>
-          <a:p>
-            <a:endParaRPr lang="en-IN" dirty="0"/>
+          <p:cNvGrpSpPr/>
+          <p:nvPr/>
+        </p:nvGrpSpPr>
+        <p:grpSpPr>
+          <a:xfrm>
+            <a:off x="1160206" y="1355061"/>
+            <a:ext cx="4237704" cy="2073939"/>
+            <a:chOff x="1160206" y="1355061"/>
+            <a:chExt cx="3167272" cy="1647111"/>
+          </a:xfrm>
+        </p:grpSpPr>
+        <p:pic>
+          <p:nvPicPr>
+            <p:cNvPr id="6" name="Image 1" descr="preencoded.png">
+              <a:extLst>
+                <a:ext uri="{FF2B5EF4-FFF2-40B4-BE49-F238E27FC236}">
+                  <a16:creationId xmlns:a16="http://schemas.microsoft.com/office/drawing/2014/main" id="{F8F7A4F7-2278-4E3C-6B20-BB5875C9CF78}"/>
+                </a:ext>
+              </a:extLst>
+            </p:cNvPr>
+            <p:cNvPicPr>
+              <a:picLocks noChangeAspect="1"/>
+            </p:cNvPicPr>
+            <p:nvPr/>
+          </p:nvPicPr>
+          <p:blipFill>
+            <a:blip r:embed="rId2"/>
+            <a:stretch>
+              <a:fillRect/>
+            </a:stretch>
+          </p:blipFill>
+          <p:spPr>
+            <a:xfrm>
+              <a:off x="1160206" y="1355061"/>
+              <a:ext cx="618899" cy="566976"/>
+            </a:xfrm>
+            <a:prstGeom prst="rect">
+              <a:avLst/>
+            </a:prstGeom>
+          </p:spPr>
+        </p:pic>
+        <p:sp>
+          <p:nvSpPr>
+            <p:cNvPr id="7" name="Text 1">
+              <a:extLst>
+                <a:ext uri="{FF2B5EF4-FFF2-40B4-BE49-F238E27FC236}">
+                  <a16:creationId xmlns:a16="http://schemas.microsoft.com/office/drawing/2014/main" id="{BA4213B2-BC66-60B5-71AC-F1F41223440D}"/>
+                </a:ext>
+              </a:extLst>
+            </p:cNvPr>
+            <p:cNvSpPr/>
+            <p:nvPr/>
+          </p:nvSpPr>
+          <p:spPr>
+            <a:xfrm>
+              <a:off x="1160206" y="2148851"/>
+              <a:ext cx="3094881" cy="354330"/>
+            </a:xfrm>
+            <a:prstGeom prst="rect">
+              <a:avLst/>
+            </a:prstGeom>
+            <a:noFill/>
+            <a:ln/>
+          </p:spPr>
+          <p:txBody>
+            <a:bodyPr wrap="none" lIns="0" tIns="0" rIns="0" bIns="0" rtlCol="0" anchor="t"/>
+            <a:lstStyle/>
+            <a:p>
+              <a:pPr marL="0" indent="0" algn="l">
+                <a:lnSpc>
+                  <a:spcPts val="2750"/>
+                </a:lnSpc>
+                <a:buNone/>
+              </a:pPr>
+              <a:r>
+                <a:rPr lang="en-US" sz="2200" b="1" dirty="0">
+                  <a:solidFill>
+                    <a:srgbClr val="4A4A45"/>
+                  </a:solidFill>
+                  <a:latin typeface="Lato Bold" pitchFamily="34" charset="0"/>
+                  <a:ea typeface="Lato Bold" pitchFamily="34" charset="-122"/>
+                  <a:cs typeface="Lato Bold" pitchFamily="34" charset="-120"/>
+                </a:rPr>
+                <a:t>Hugging Face</a:t>
+              </a:r>
+              <a:endParaRPr lang="en-US" sz="2200" dirty="0"/>
+            </a:p>
+          </p:txBody>
+        </p:sp>
+        <p:sp>
+          <p:nvSpPr>
+            <p:cNvPr id="8" name="Text 2">
+              <a:extLst>
+                <a:ext uri="{FF2B5EF4-FFF2-40B4-BE49-F238E27FC236}">
+                  <a16:creationId xmlns:a16="http://schemas.microsoft.com/office/drawing/2014/main" id="{8137AA1C-0906-72C4-E104-D64787B6247E}"/>
+                </a:ext>
+              </a:extLst>
+            </p:cNvPr>
+            <p:cNvSpPr/>
+            <p:nvPr/>
+          </p:nvSpPr>
+          <p:spPr>
+            <a:xfrm>
+              <a:off x="1160206" y="2639269"/>
+              <a:ext cx="3167272" cy="362903"/>
+            </a:xfrm>
+            <a:prstGeom prst="rect">
+              <a:avLst/>
+            </a:prstGeom>
+            <a:noFill/>
+            <a:ln/>
+          </p:spPr>
+          <p:txBody>
+            <a:bodyPr wrap="none" lIns="0" tIns="0" rIns="0" bIns="0" rtlCol="0" anchor="t"/>
+            <a:lstStyle/>
+            <a:p>
+              <a:pPr marL="0" indent="0" algn="l">
+                <a:lnSpc>
+                  <a:spcPts val="2850"/>
+                </a:lnSpc>
+                <a:buNone/>
+              </a:pPr>
+              <a:r>
+                <a:rPr lang="en-US" sz="1750" dirty="0">
+                  <a:solidFill>
+                    <a:srgbClr val="4A4A45"/>
+                  </a:solidFill>
+                  <a:latin typeface="Lato" pitchFamily="34" charset="0"/>
+                  <a:ea typeface="Lato" pitchFamily="34" charset="-122"/>
+                  <a:cs typeface="Lato" pitchFamily="34" charset="-120"/>
+                </a:rPr>
+                <a:t>Model collection for access.</a:t>
+              </a:r>
+              <a:endParaRPr lang="en-US" sz="1750" dirty="0"/>
+            </a:p>
+          </p:txBody>
+        </p:sp>
+      </p:grpSp>
+      <p:grpSp>
+        <p:nvGrpSpPr>
+          <p:cNvPr id="18" name="Group 17">
+            <a:extLst>
+              <a:ext uri="{FF2B5EF4-FFF2-40B4-BE49-F238E27FC236}">
+                <a16:creationId xmlns:a16="http://schemas.microsoft.com/office/drawing/2014/main" id="{9CD7498B-8D99-00F3-6B18-55EC0EB8B151}"/>
+              </a:ext>
+            </a:extLst>
+          </p:cNvPr>
+          <p:cNvGrpSpPr/>
+          <p:nvPr/>
+        </p:nvGrpSpPr>
+        <p:grpSpPr>
+          <a:xfrm>
+            <a:off x="6017342" y="1241713"/>
+            <a:ext cx="3884129" cy="2187287"/>
+            <a:chOff x="4698791" y="1355061"/>
+            <a:chExt cx="3167402" cy="2010013"/>
+          </a:xfrm>
+        </p:grpSpPr>
+        <p:pic>
+          <p:nvPicPr>
+            <p:cNvPr id="9" name="Image 2" descr="preencoded.png">
+              <a:extLst>
+                <a:ext uri="{FF2B5EF4-FFF2-40B4-BE49-F238E27FC236}">
+                  <a16:creationId xmlns:a16="http://schemas.microsoft.com/office/drawing/2014/main" id="{EBA1C227-2B10-E624-7308-2F2CF567C21D}"/>
+                </a:ext>
+              </a:extLst>
+            </p:cNvPr>
+            <p:cNvPicPr>
+              <a:picLocks noChangeAspect="1"/>
+            </p:cNvPicPr>
+            <p:nvPr/>
+          </p:nvPicPr>
+          <p:blipFill>
+            <a:blip r:embed="rId3"/>
+            <a:stretch>
+              <a:fillRect/>
+            </a:stretch>
+          </p:blipFill>
+          <p:spPr>
+            <a:xfrm>
+              <a:off x="4698791" y="1355061"/>
+              <a:ext cx="618899" cy="566976"/>
+            </a:xfrm>
+            <a:prstGeom prst="rect">
+              <a:avLst/>
+            </a:prstGeom>
+          </p:spPr>
+        </p:pic>
+        <p:sp>
+          <p:nvSpPr>
+            <p:cNvPr id="10" name="Text 3">
+              <a:extLst>
+                <a:ext uri="{FF2B5EF4-FFF2-40B4-BE49-F238E27FC236}">
+                  <a16:creationId xmlns:a16="http://schemas.microsoft.com/office/drawing/2014/main" id="{BD432A03-32FE-F57A-3E8B-0D4DED57A0F8}"/>
+                </a:ext>
+              </a:extLst>
+            </p:cNvPr>
+            <p:cNvSpPr/>
+            <p:nvPr/>
+          </p:nvSpPr>
+          <p:spPr>
+            <a:xfrm>
+              <a:off x="4698791" y="2148851"/>
+              <a:ext cx="3094881" cy="354330"/>
+            </a:xfrm>
+            <a:prstGeom prst="rect">
+              <a:avLst/>
+            </a:prstGeom>
+            <a:noFill/>
+            <a:ln/>
+          </p:spPr>
+          <p:txBody>
+            <a:bodyPr wrap="none" lIns="0" tIns="0" rIns="0" bIns="0" rtlCol="0" anchor="t"/>
+            <a:lstStyle/>
+            <a:p>
+              <a:pPr marL="0" indent="0" algn="l">
+                <a:lnSpc>
+                  <a:spcPts val="2750"/>
+                </a:lnSpc>
+                <a:buNone/>
+              </a:pPr>
+              <a:r>
+                <a:rPr lang="en-US" sz="2200" b="1" dirty="0">
+                  <a:solidFill>
+                    <a:srgbClr val="4A4A45"/>
+                  </a:solidFill>
+                  <a:latin typeface="Lato Bold" pitchFamily="34" charset="0"/>
+                  <a:ea typeface="Lato Bold" pitchFamily="34" charset="-122"/>
+                  <a:cs typeface="Lato Bold" pitchFamily="34" charset="-120"/>
+                </a:rPr>
+                <a:t>Mistral 7B</a:t>
+              </a:r>
+              <a:endParaRPr lang="en-US" sz="2200" dirty="0"/>
+            </a:p>
+          </p:txBody>
+        </p:sp>
+        <p:sp>
+          <p:nvSpPr>
+            <p:cNvPr id="11" name="Text 4">
+              <a:extLst>
+                <a:ext uri="{FF2B5EF4-FFF2-40B4-BE49-F238E27FC236}">
+                  <a16:creationId xmlns:a16="http://schemas.microsoft.com/office/drawing/2014/main" id="{170A96AA-00C4-981B-DB99-1C5967F6F128}"/>
+                </a:ext>
+              </a:extLst>
+            </p:cNvPr>
+            <p:cNvSpPr/>
+            <p:nvPr/>
+          </p:nvSpPr>
+          <p:spPr>
+            <a:xfrm>
+              <a:off x="4698791" y="2639269"/>
+              <a:ext cx="3167402" cy="725805"/>
+            </a:xfrm>
+            <a:prstGeom prst="rect">
+              <a:avLst/>
+            </a:prstGeom>
+            <a:noFill/>
+            <a:ln/>
+          </p:spPr>
+          <p:txBody>
+            <a:bodyPr wrap="square" lIns="0" tIns="0" rIns="0" bIns="0" rtlCol="0" anchor="t"/>
+            <a:lstStyle/>
+            <a:p>
+              <a:pPr marL="0" indent="0" algn="l">
+                <a:lnSpc>
+                  <a:spcPts val="2850"/>
+                </a:lnSpc>
+                <a:buNone/>
+              </a:pPr>
+              <a:r>
+                <a:rPr lang="en-US" sz="1750" dirty="0">
+                  <a:solidFill>
+                    <a:srgbClr val="4A4A45"/>
+                  </a:solidFill>
+                  <a:latin typeface="Lato" pitchFamily="34" charset="0"/>
+                  <a:ea typeface="Lato" pitchFamily="34" charset="-122"/>
+                  <a:cs typeface="Lato" pitchFamily="34" charset="-120"/>
+                </a:rPr>
+                <a:t>LLM for Classification and NER.</a:t>
+              </a:r>
+              <a:endParaRPr lang="en-US" sz="1750" dirty="0"/>
+            </a:p>
+          </p:txBody>
+        </p:sp>
+      </p:grpSp>
+      <p:grpSp>
+        <p:nvGrpSpPr>
+          <p:cNvPr id="19" name="Group 18">
+            <a:extLst>
+              <a:ext uri="{FF2B5EF4-FFF2-40B4-BE49-F238E27FC236}">
+                <a16:creationId xmlns:a16="http://schemas.microsoft.com/office/drawing/2014/main" id="{6D02F4A7-C1A8-FD32-1E77-379FD7289FD6}"/>
+              </a:ext>
+            </a:extLst>
+          </p:cNvPr>
+          <p:cNvGrpSpPr/>
+          <p:nvPr/>
+        </p:nvGrpSpPr>
+        <p:grpSpPr>
+          <a:xfrm>
+            <a:off x="1160206" y="3860767"/>
+            <a:ext cx="4060723" cy="2241754"/>
+            <a:chOff x="8237507" y="1355061"/>
+            <a:chExt cx="3167402" cy="1647111"/>
+          </a:xfrm>
+        </p:grpSpPr>
+        <p:pic>
+          <p:nvPicPr>
+            <p:cNvPr id="12" name="Image 3" descr="preencoded.png">
+              <a:extLst>
+                <a:ext uri="{FF2B5EF4-FFF2-40B4-BE49-F238E27FC236}">
+                  <a16:creationId xmlns:a16="http://schemas.microsoft.com/office/drawing/2014/main" id="{0CEF6EF3-D49C-F14B-DE19-6374CB15EB03}"/>
+                </a:ext>
+              </a:extLst>
+            </p:cNvPr>
+            <p:cNvPicPr>
+              <a:picLocks noChangeAspect="1"/>
+            </p:cNvPicPr>
+            <p:nvPr/>
+          </p:nvPicPr>
+          <p:blipFill>
+            <a:blip r:embed="rId4"/>
+            <a:stretch>
+              <a:fillRect/>
+            </a:stretch>
+          </p:blipFill>
+          <p:spPr>
+            <a:xfrm>
+              <a:off x="8237507" y="1355061"/>
+              <a:ext cx="618899" cy="566976"/>
+            </a:xfrm>
+            <a:prstGeom prst="rect">
+              <a:avLst/>
+            </a:prstGeom>
+          </p:spPr>
+        </p:pic>
+        <p:sp>
+          <p:nvSpPr>
+            <p:cNvPr id="13" name="Text 5">
+              <a:extLst>
+                <a:ext uri="{FF2B5EF4-FFF2-40B4-BE49-F238E27FC236}">
+                  <a16:creationId xmlns:a16="http://schemas.microsoft.com/office/drawing/2014/main" id="{9661CF6B-D236-5B4A-147C-06CEC47FBCA1}"/>
+                </a:ext>
+              </a:extLst>
+            </p:cNvPr>
+            <p:cNvSpPr/>
+            <p:nvPr/>
+          </p:nvSpPr>
+          <p:spPr>
+            <a:xfrm>
+              <a:off x="8237507" y="2148851"/>
+              <a:ext cx="3094881" cy="354330"/>
+            </a:xfrm>
+            <a:prstGeom prst="rect">
+              <a:avLst/>
+            </a:prstGeom>
+            <a:noFill/>
+            <a:ln/>
+          </p:spPr>
+          <p:txBody>
+            <a:bodyPr wrap="none" lIns="0" tIns="0" rIns="0" bIns="0" rtlCol="0" anchor="t"/>
+            <a:lstStyle/>
+            <a:p>
+              <a:pPr marL="0" indent="0" algn="l">
+                <a:lnSpc>
+                  <a:spcPts val="2750"/>
+                </a:lnSpc>
+                <a:buNone/>
+              </a:pPr>
+              <a:r>
+                <a:rPr lang="en-US" sz="2200" b="1" dirty="0">
+                  <a:solidFill>
+                    <a:srgbClr val="4A4A45"/>
+                  </a:solidFill>
+                  <a:latin typeface="Lato Bold" pitchFamily="34" charset="0"/>
+                  <a:ea typeface="Lato Bold" pitchFamily="34" charset="-122"/>
+                  <a:cs typeface="Lato Bold" pitchFamily="34" charset="-120"/>
+                </a:rPr>
+                <a:t>Few Shot Classification</a:t>
+              </a:r>
+            </a:p>
+          </p:txBody>
+        </p:sp>
+        <p:sp>
+          <p:nvSpPr>
+            <p:cNvPr id="14" name="Text 6">
+              <a:extLst>
+                <a:ext uri="{FF2B5EF4-FFF2-40B4-BE49-F238E27FC236}">
+                  <a16:creationId xmlns:a16="http://schemas.microsoft.com/office/drawing/2014/main" id="{614B5BC9-CCD3-FAFE-A20A-0DF94226F383}"/>
+                </a:ext>
+              </a:extLst>
+            </p:cNvPr>
+            <p:cNvSpPr/>
+            <p:nvPr/>
+          </p:nvSpPr>
+          <p:spPr>
+            <a:xfrm>
+              <a:off x="8237507" y="2639269"/>
+              <a:ext cx="3167402" cy="362903"/>
+            </a:xfrm>
+            <a:prstGeom prst="rect">
+              <a:avLst/>
+            </a:prstGeom>
+            <a:noFill/>
+            <a:ln/>
+          </p:spPr>
+          <p:txBody>
+            <a:bodyPr wrap="none" lIns="0" tIns="0" rIns="0" bIns="0" rtlCol="0" anchor="t"/>
+            <a:lstStyle/>
+            <a:p>
+              <a:pPr marL="0" indent="0" algn="l">
+                <a:lnSpc>
+                  <a:spcPts val="2850"/>
+                </a:lnSpc>
+                <a:buNone/>
+              </a:pPr>
+              <a:endParaRPr lang="en-US" sz="1750" dirty="0"/>
+            </a:p>
+          </p:txBody>
+        </p:sp>
+      </p:grpSp>
+      <p:grpSp>
+        <p:nvGrpSpPr>
+          <p:cNvPr id="21" name="Group 20">
+            <a:extLst>
+              <a:ext uri="{FF2B5EF4-FFF2-40B4-BE49-F238E27FC236}">
+                <a16:creationId xmlns:a16="http://schemas.microsoft.com/office/drawing/2014/main" id="{5E13AF35-4814-73F3-3B02-61822450421B}"/>
+              </a:ext>
+            </a:extLst>
+          </p:cNvPr>
+          <p:cNvGrpSpPr/>
+          <p:nvPr/>
+        </p:nvGrpSpPr>
+        <p:grpSpPr>
+          <a:xfrm>
+            <a:off x="6017342" y="3697436"/>
+            <a:ext cx="4355690" cy="2142925"/>
+            <a:chOff x="1160206" y="4045516"/>
+            <a:chExt cx="3167272" cy="1647111"/>
+          </a:xfrm>
+        </p:grpSpPr>
+        <p:pic>
+          <p:nvPicPr>
+            <p:cNvPr id="15" name="Image 4" descr="preencoded.png">
+              <a:extLst>
+                <a:ext uri="{FF2B5EF4-FFF2-40B4-BE49-F238E27FC236}">
+                  <a16:creationId xmlns:a16="http://schemas.microsoft.com/office/drawing/2014/main" id="{C1F2C32C-8302-38FC-5AFB-088BE0033D6E}"/>
+                </a:ext>
+              </a:extLst>
+            </p:cNvPr>
+            <p:cNvPicPr>
+              <a:picLocks noChangeAspect="1"/>
+            </p:cNvPicPr>
+            <p:nvPr/>
+          </p:nvPicPr>
+          <p:blipFill>
+            <a:blip r:embed="rId5"/>
+            <a:stretch>
+              <a:fillRect/>
+            </a:stretch>
+          </p:blipFill>
+          <p:spPr>
+            <a:xfrm>
+              <a:off x="1160206" y="4045516"/>
+              <a:ext cx="618899" cy="566976"/>
+            </a:xfrm>
+            <a:prstGeom prst="rect">
+              <a:avLst/>
+            </a:prstGeom>
+          </p:spPr>
+        </p:pic>
+        <p:sp>
+          <p:nvSpPr>
+            <p:cNvPr id="16" name="Text 7">
+              <a:extLst>
+                <a:ext uri="{FF2B5EF4-FFF2-40B4-BE49-F238E27FC236}">
+                  <a16:creationId xmlns:a16="http://schemas.microsoft.com/office/drawing/2014/main" id="{DE4B80B7-DF92-BD40-753F-55AEE4F51D49}"/>
+                </a:ext>
+              </a:extLst>
+            </p:cNvPr>
+            <p:cNvSpPr/>
+            <p:nvPr/>
+          </p:nvSpPr>
+          <p:spPr>
+            <a:xfrm>
+              <a:off x="1160206" y="4839306"/>
+              <a:ext cx="3094881" cy="354330"/>
+            </a:xfrm>
+            <a:prstGeom prst="rect">
+              <a:avLst/>
+            </a:prstGeom>
+            <a:noFill/>
+            <a:ln/>
+          </p:spPr>
+          <p:txBody>
+            <a:bodyPr wrap="none" lIns="0" tIns="0" rIns="0" bIns="0" rtlCol="0" anchor="t"/>
+            <a:lstStyle/>
+            <a:p>
+              <a:pPr marL="0" indent="0" algn="l">
+                <a:lnSpc>
+                  <a:spcPts val="2750"/>
+                </a:lnSpc>
+                <a:buNone/>
+              </a:pPr>
+              <a:r>
+                <a:rPr lang="en-IN" sz="2200" b="1" dirty="0">
+                  <a:solidFill>
+                    <a:srgbClr val="4A4A45"/>
+                  </a:solidFill>
+                  <a:latin typeface="Lato Bold" pitchFamily="34" charset="0"/>
+                  <a:ea typeface="Lato Bold" pitchFamily="34" charset="-122"/>
+                  <a:cs typeface="Lato Bold" pitchFamily="34" charset="-120"/>
+                </a:rPr>
+                <a:t>Named Entity Recognition</a:t>
+              </a:r>
+              <a:endParaRPr lang="en-US" sz="2200" b="1" dirty="0">
+                <a:solidFill>
+                  <a:srgbClr val="4A4A45"/>
+                </a:solidFill>
+                <a:latin typeface="Lato Bold" pitchFamily="34" charset="0"/>
+                <a:ea typeface="Lato Bold" pitchFamily="34" charset="-122"/>
+                <a:cs typeface="Lato Bold" pitchFamily="34" charset="-120"/>
+              </a:endParaRPr>
+            </a:p>
+          </p:txBody>
+        </p:sp>
+        <p:sp>
+          <p:nvSpPr>
+            <p:cNvPr id="17" name="Text 8">
+              <a:extLst>
+                <a:ext uri="{FF2B5EF4-FFF2-40B4-BE49-F238E27FC236}">
+                  <a16:creationId xmlns:a16="http://schemas.microsoft.com/office/drawing/2014/main" id="{7D0AAC36-533C-408A-B812-61388CFFFE13}"/>
+                </a:ext>
+              </a:extLst>
+            </p:cNvPr>
+            <p:cNvSpPr/>
+            <p:nvPr/>
+          </p:nvSpPr>
+          <p:spPr>
+            <a:xfrm>
+              <a:off x="1160206" y="5329724"/>
+              <a:ext cx="3167272" cy="362903"/>
+            </a:xfrm>
+            <a:prstGeom prst="rect">
+              <a:avLst/>
+            </a:prstGeom>
+            <a:noFill/>
+            <a:ln/>
+          </p:spPr>
+          <p:txBody>
+            <a:bodyPr wrap="none" lIns="0" tIns="0" rIns="0" bIns="0" rtlCol="0" anchor="t"/>
+            <a:lstStyle/>
+            <a:p>
+              <a:pPr marL="0" indent="0" algn="l">
+                <a:lnSpc>
+                  <a:spcPts val="2850"/>
+                </a:lnSpc>
+                <a:buNone/>
+              </a:pPr>
+              <a:r>
+                <a:rPr lang="en-US" sz="1750" dirty="0">
+                  <a:solidFill>
+                    <a:srgbClr val="4A4A45"/>
+                  </a:solidFill>
+                  <a:latin typeface="Lato" pitchFamily="34" charset="0"/>
+                  <a:ea typeface="Lato" pitchFamily="34" charset="-122"/>
+                  <a:cs typeface="Lato" pitchFamily="34" charset="-120"/>
+                </a:rPr>
+                <a:t>Extract key attributes.</a:t>
+              </a:r>
+              <a:endParaRPr lang="en-US" sz="1750" dirty="0"/>
+            </a:p>
+          </p:txBody>
+        </p:sp>
+      </p:grpSp>
+      <p:sp>
+        <p:nvSpPr>
+          <p:cNvPr id="22" name="Text 8">
+            <a:extLst>
+              <a:ext uri="{FF2B5EF4-FFF2-40B4-BE49-F238E27FC236}">
+                <a16:creationId xmlns:a16="http://schemas.microsoft.com/office/drawing/2014/main" id="{8EEAF0A1-1DDD-6BAE-10E3-6CA9DF6DFD6D}"/>
+              </a:ext>
+            </a:extLst>
+          </p:cNvPr>
+          <p:cNvSpPr/>
+          <p:nvPr/>
+        </p:nvSpPr>
+        <p:spPr>
+          <a:xfrm>
+            <a:off x="1160206" y="5502939"/>
+            <a:ext cx="4355690" cy="472144"/>
+          </a:xfrm>
+          <a:prstGeom prst="rect">
+            <a:avLst/>
+          </a:prstGeom>
+          <a:noFill/>
+          <a:ln/>
+        </p:spPr>
+        <p:txBody>
+          <a:bodyPr wrap="none" lIns="0" tIns="0" rIns="0" bIns="0" rtlCol="0" anchor="t"/>
+          <a:lstStyle/>
+          <a:p>
+            <a:pPr marL="0" indent="0" algn="l">
+              <a:lnSpc>
+                <a:spcPts val="2850"/>
+              </a:lnSpc>
+              <a:buNone/>
+            </a:pPr>
+            <a:r>
+              <a:rPr lang="en-US" sz="1750" dirty="0">
+                <a:solidFill>
+                  <a:srgbClr val="4A4A45"/>
+                </a:solidFill>
+                <a:latin typeface="Lato" pitchFamily="34" charset="0"/>
+                <a:ea typeface="Lato" pitchFamily="34" charset="-122"/>
+                <a:cs typeface="Lato" pitchFamily="34" charset="-120"/>
+              </a:rPr>
+              <a:t>Predict Email Type and Subtype</a:t>
+            </a:r>
+            <a:endParaRPr lang="en-US" sz="1750" dirty="0"/>
           </a:p>
         </p:txBody>
       </p:sp>
     </p:spTree>
     <p:extLst>
       <p:ext uri="{BB962C8B-B14F-4D97-AF65-F5344CB8AC3E}">
-        <p14:creationId xmlns:p14="http://schemas.microsoft.com/office/powerpoint/2010/main" val="2485327010"/>
+        <p14:creationId xmlns:p14="http://schemas.microsoft.com/office/powerpoint/2010/main" val="1257279956"/>
       </p:ext>
     </p:extLst>
   </p:cSld>
@@ -3634,85 +4273,721 @@
           <a:chExt cx="0" cy="0"/>
         </a:xfrm>
       </p:grpSpPr>
-      <p:sp>
-        <p:nvSpPr>
-          <p:cNvPr id="2" name="Title 1">
+      <p:grpSp>
+        <p:nvGrpSpPr>
+          <p:cNvPr id="4" name="Group 3">
             <a:extLst>
               <a:ext uri="{FF2B5EF4-FFF2-40B4-BE49-F238E27FC236}">
-                <a16:creationId xmlns:a16="http://schemas.microsoft.com/office/drawing/2014/main" id="{1BE6A713-9E22-A405-B986-9E1A9D4897E6}"/>
+                <a16:creationId xmlns:a16="http://schemas.microsoft.com/office/drawing/2014/main" id="{BFDEF501-44E2-1A71-D4F1-049A0F690EF9}"/>
               </a:ext>
             </a:extLst>
           </p:cNvPr>
-          <p:cNvSpPr>
-            <a:spLocks noGrp="1"/>
-          </p:cNvSpPr>
-          <p:nvPr>
-            <p:ph type="title"/>
-          </p:nvPr>
-        </p:nvSpPr>
-        <p:spPr/>
-        <p:txBody>
-          <a:bodyPr/>
-          <a:lstStyle/>
-          <a:p>
-            <a:r>
-              <a:rPr lang="en-IN" dirty="0"/>
-              <a:t>Advantages</a:t>
-            </a:r>
-          </a:p>
-        </p:txBody>
-      </p:sp>
-      <p:sp>
-        <p:nvSpPr>
-          <p:cNvPr id="3" name="Content Placeholder 2">
+          <p:cNvGrpSpPr/>
+          <p:nvPr/>
+        </p:nvGrpSpPr>
+        <p:grpSpPr>
+          <a:xfrm>
+            <a:off x="774125" y="403840"/>
+            <a:ext cx="5670590" cy="5820252"/>
+            <a:chOff x="793790" y="1033105"/>
+            <a:chExt cx="5670590" cy="5820252"/>
+          </a:xfrm>
+        </p:grpSpPr>
+        <p:sp>
+          <p:nvSpPr>
+            <p:cNvPr id="5" name="Text 0">
+              <a:extLst>
+                <a:ext uri="{FF2B5EF4-FFF2-40B4-BE49-F238E27FC236}">
+                  <a16:creationId xmlns:a16="http://schemas.microsoft.com/office/drawing/2014/main" id="{772A2C6D-512B-34C9-254C-8AF24383AA92}"/>
+                </a:ext>
+              </a:extLst>
+            </p:cNvPr>
+            <p:cNvSpPr/>
+            <p:nvPr/>
+          </p:nvSpPr>
+          <p:spPr>
+            <a:xfrm>
+              <a:off x="793790" y="1033105"/>
+              <a:ext cx="5670590" cy="708779"/>
+            </a:xfrm>
+            <a:prstGeom prst="rect">
+              <a:avLst/>
+            </a:prstGeom>
+            <a:noFill/>
+            <a:ln/>
+          </p:spPr>
+          <p:txBody>
+            <a:bodyPr wrap="none" lIns="0" tIns="0" rIns="0" bIns="0" rtlCol="0" anchor="t"/>
+            <a:lstStyle/>
+            <a:p>
+              <a:pPr marL="0" indent="0" algn="l">
+                <a:lnSpc>
+                  <a:spcPts val="5550"/>
+                </a:lnSpc>
+                <a:buNone/>
+              </a:pPr>
+              <a:r>
+                <a:rPr lang="en-US" sz="4450" b="1" dirty="0">
+                  <a:solidFill>
+                    <a:srgbClr val="282824"/>
+                  </a:solidFill>
+                  <a:latin typeface="Lato Bold" pitchFamily="34" charset="0"/>
+                  <a:ea typeface="Lato Bold" pitchFamily="34" charset="-122"/>
+                  <a:cs typeface="Lato Bold" pitchFamily="34" charset="-120"/>
+                </a:rPr>
+                <a:t>Core Advantages</a:t>
+              </a:r>
+              <a:endParaRPr lang="en-US" sz="4450" dirty="0"/>
+            </a:p>
+          </p:txBody>
+        </p:sp>
+        <p:sp>
+          <p:nvSpPr>
+            <p:cNvPr id="6" name="Shape 1">
+              <a:extLst>
+                <a:ext uri="{FF2B5EF4-FFF2-40B4-BE49-F238E27FC236}">
+                  <a16:creationId xmlns:a16="http://schemas.microsoft.com/office/drawing/2014/main" id="{722DFA24-CFBC-968C-90A6-331DBBFBB191}"/>
+                </a:ext>
+              </a:extLst>
+            </p:cNvPr>
+            <p:cNvSpPr/>
+            <p:nvPr/>
+          </p:nvSpPr>
+          <p:spPr>
+            <a:xfrm>
+              <a:off x="793790" y="2337197"/>
+              <a:ext cx="510302" cy="510302"/>
+            </a:xfrm>
+            <a:prstGeom prst="roundRect">
+              <a:avLst>
+                <a:gd name="adj" fmla="val 6667"/>
+              </a:avLst>
+            </a:prstGeom>
+            <a:solidFill>
+              <a:srgbClr val="E5DFD2"/>
+            </a:solidFill>
+            <a:ln/>
+          </p:spPr>
+        </p:sp>
+        <p:pic>
+          <p:nvPicPr>
+            <p:cNvPr id="7" name="Image 1" descr="preencoded.png">
+              <a:extLst>
+                <a:ext uri="{FF2B5EF4-FFF2-40B4-BE49-F238E27FC236}">
+                  <a16:creationId xmlns:a16="http://schemas.microsoft.com/office/drawing/2014/main" id="{5F116228-A631-7FE0-E7D1-A33415C70ABF}"/>
+                </a:ext>
+              </a:extLst>
+            </p:cNvPr>
+            <p:cNvPicPr>
+              <a:picLocks noChangeAspect="1"/>
+            </p:cNvPicPr>
+            <p:nvPr/>
+          </p:nvPicPr>
+          <p:blipFill>
+            <a:blip r:embed="rId2"/>
+            <a:stretch>
+              <a:fillRect/>
+            </a:stretch>
+          </p:blipFill>
+          <p:spPr>
+            <a:xfrm>
+              <a:off x="878860" y="2379702"/>
+              <a:ext cx="340162" cy="425291"/>
+            </a:xfrm>
+            <a:prstGeom prst="rect">
+              <a:avLst/>
+            </a:prstGeom>
+          </p:spPr>
+        </p:pic>
+        <p:sp>
+          <p:nvSpPr>
+            <p:cNvPr id="8" name="Text 2">
+              <a:extLst>
+                <a:ext uri="{FF2B5EF4-FFF2-40B4-BE49-F238E27FC236}">
+                  <a16:creationId xmlns:a16="http://schemas.microsoft.com/office/drawing/2014/main" id="{1C29C428-E0A7-71E4-FC96-216C00AF43AE}"/>
+                </a:ext>
+              </a:extLst>
+            </p:cNvPr>
+            <p:cNvSpPr/>
+            <p:nvPr/>
+          </p:nvSpPr>
+          <p:spPr>
+            <a:xfrm>
+              <a:off x="1530906" y="2337197"/>
+              <a:ext cx="2835235" cy="354330"/>
+            </a:xfrm>
+            <a:prstGeom prst="rect">
+              <a:avLst/>
+            </a:prstGeom>
+            <a:noFill/>
+            <a:ln/>
+          </p:spPr>
+          <p:txBody>
+            <a:bodyPr wrap="none" lIns="0" tIns="0" rIns="0" bIns="0" rtlCol="0" anchor="t"/>
+            <a:lstStyle/>
+            <a:p>
+              <a:pPr marL="0" indent="0" algn="l">
+                <a:lnSpc>
+                  <a:spcPts val="2750"/>
+                </a:lnSpc>
+                <a:buNone/>
+              </a:pPr>
+              <a:r>
+                <a:rPr lang="en-US" sz="2200" b="1" dirty="0">
+                  <a:solidFill>
+                    <a:srgbClr val="4A4A45"/>
+                  </a:solidFill>
+                  <a:latin typeface="Lato Bold" pitchFamily="34" charset="0"/>
+                  <a:ea typeface="Lato Bold" pitchFamily="34" charset="-122"/>
+                  <a:cs typeface="Lato Bold" pitchFamily="34" charset="-120"/>
+                </a:rPr>
+                <a:t>Configurable</a:t>
+              </a:r>
+              <a:endParaRPr lang="en-US" sz="2200" dirty="0"/>
+            </a:p>
+          </p:txBody>
+        </p:sp>
+        <p:sp>
+          <p:nvSpPr>
+            <p:cNvPr id="9" name="Shape 4">
+              <a:extLst>
+                <a:ext uri="{FF2B5EF4-FFF2-40B4-BE49-F238E27FC236}">
+                  <a16:creationId xmlns:a16="http://schemas.microsoft.com/office/drawing/2014/main" id="{B0B1EC8C-5BBF-E758-5E7D-90B2608B3AB0}"/>
+                </a:ext>
+              </a:extLst>
+            </p:cNvPr>
+            <p:cNvSpPr/>
+            <p:nvPr/>
+          </p:nvSpPr>
+          <p:spPr>
+            <a:xfrm>
+              <a:off x="793790" y="3672483"/>
+              <a:ext cx="510302" cy="510302"/>
+            </a:xfrm>
+            <a:prstGeom prst="roundRect">
+              <a:avLst>
+                <a:gd name="adj" fmla="val 6667"/>
+              </a:avLst>
+            </a:prstGeom>
+            <a:solidFill>
+              <a:srgbClr val="E5DFD2"/>
+            </a:solidFill>
+            <a:ln/>
+          </p:spPr>
+        </p:sp>
+        <p:pic>
+          <p:nvPicPr>
+            <p:cNvPr id="10" name="Image 2" descr="preencoded.png">
+              <a:extLst>
+                <a:ext uri="{FF2B5EF4-FFF2-40B4-BE49-F238E27FC236}">
+                  <a16:creationId xmlns:a16="http://schemas.microsoft.com/office/drawing/2014/main" id="{027DB7B4-C889-2036-73C7-73C927E98030}"/>
+                </a:ext>
+              </a:extLst>
+            </p:cNvPr>
+            <p:cNvPicPr>
+              <a:picLocks noChangeAspect="1"/>
+            </p:cNvPicPr>
+            <p:nvPr/>
+          </p:nvPicPr>
+          <p:blipFill>
+            <a:blip r:embed="rId3"/>
+            <a:stretch>
+              <a:fillRect/>
+            </a:stretch>
+          </p:blipFill>
+          <p:spPr>
+            <a:xfrm>
+              <a:off x="878860" y="3714988"/>
+              <a:ext cx="340162" cy="425291"/>
+            </a:xfrm>
+            <a:prstGeom prst="rect">
+              <a:avLst/>
+            </a:prstGeom>
+          </p:spPr>
+        </p:pic>
+        <p:sp>
+          <p:nvSpPr>
+            <p:cNvPr id="11" name="Text 5">
+              <a:extLst>
+                <a:ext uri="{FF2B5EF4-FFF2-40B4-BE49-F238E27FC236}">
+                  <a16:creationId xmlns:a16="http://schemas.microsoft.com/office/drawing/2014/main" id="{E53459E5-EF51-8F70-244F-C27957394A5A}"/>
+                </a:ext>
+              </a:extLst>
+            </p:cNvPr>
+            <p:cNvSpPr/>
+            <p:nvPr/>
+          </p:nvSpPr>
+          <p:spPr>
+            <a:xfrm>
+              <a:off x="1530906" y="3672483"/>
+              <a:ext cx="2835235" cy="354330"/>
+            </a:xfrm>
+            <a:prstGeom prst="rect">
+              <a:avLst/>
+            </a:prstGeom>
+            <a:noFill/>
+            <a:ln/>
+          </p:spPr>
+          <p:txBody>
+            <a:bodyPr wrap="none" lIns="0" tIns="0" rIns="0" bIns="0" rtlCol="0" anchor="t"/>
+            <a:lstStyle/>
+            <a:p>
+              <a:pPr marL="0" indent="0" algn="l">
+                <a:lnSpc>
+                  <a:spcPts val="2750"/>
+                </a:lnSpc>
+                <a:buNone/>
+              </a:pPr>
+              <a:r>
+                <a:rPr lang="en-US" sz="2200" b="1" dirty="0">
+                  <a:solidFill>
+                    <a:srgbClr val="4A4A45"/>
+                  </a:solidFill>
+                  <a:latin typeface="Lato Bold" pitchFamily="34" charset="0"/>
+                  <a:ea typeface="Lato Bold" pitchFamily="34" charset="-122"/>
+                  <a:cs typeface="Lato Bold" pitchFamily="34" charset="-120"/>
+                </a:rPr>
+                <a:t>Plug and Play</a:t>
+              </a:r>
+              <a:endParaRPr lang="en-US" sz="2200" dirty="0"/>
+            </a:p>
+          </p:txBody>
+        </p:sp>
+        <p:sp>
+          <p:nvSpPr>
+            <p:cNvPr id="12" name="Shape 7">
+              <a:extLst>
+                <a:ext uri="{FF2B5EF4-FFF2-40B4-BE49-F238E27FC236}">
+                  <a16:creationId xmlns:a16="http://schemas.microsoft.com/office/drawing/2014/main" id="{62C05597-5C8E-CE97-E817-B86E5C73B73D}"/>
+                </a:ext>
+              </a:extLst>
+            </p:cNvPr>
+            <p:cNvSpPr/>
+            <p:nvPr/>
+          </p:nvSpPr>
+          <p:spPr>
+            <a:xfrm>
+              <a:off x="793790" y="5007769"/>
+              <a:ext cx="510302" cy="510302"/>
+            </a:xfrm>
+            <a:prstGeom prst="roundRect">
+              <a:avLst>
+                <a:gd name="adj" fmla="val 6667"/>
+              </a:avLst>
+            </a:prstGeom>
+            <a:solidFill>
+              <a:srgbClr val="E5DFD2"/>
+            </a:solidFill>
+            <a:ln/>
+          </p:spPr>
+        </p:sp>
+        <p:pic>
+          <p:nvPicPr>
+            <p:cNvPr id="13" name="Image 3" descr="preencoded.png">
+              <a:extLst>
+                <a:ext uri="{FF2B5EF4-FFF2-40B4-BE49-F238E27FC236}">
+                  <a16:creationId xmlns:a16="http://schemas.microsoft.com/office/drawing/2014/main" id="{ED36ADA8-6B7E-D9D8-54CD-E7E327AD97A2}"/>
+                </a:ext>
+              </a:extLst>
+            </p:cNvPr>
+            <p:cNvPicPr>
+              <a:picLocks noChangeAspect="1"/>
+            </p:cNvPicPr>
+            <p:nvPr/>
+          </p:nvPicPr>
+          <p:blipFill>
+            <a:blip r:embed="rId4"/>
+            <a:stretch>
+              <a:fillRect/>
+            </a:stretch>
+          </p:blipFill>
+          <p:spPr>
+            <a:xfrm>
+              <a:off x="878860" y="5050274"/>
+              <a:ext cx="340162" cy="425291"/>
+            </a:xfrm>
+            <a:prstGeom prst="rect">
+              <a:avLst/>
+            </a:prstGeom>
+          </p:spPr>
+        </p:pic>
+        <p:sp>
+          <p:nvSpPr>
+            <p:cNvPr id="14" name="Text 8">
+              <a:extLst>
+                <a:ext uri="{FF2B5EF4-FFF2-40B4-BE49-F238E27FC236}">
+                  <a16:creationId xmlns:a16="http://schemas.microsoft.com/office/drawing/2014/main" id="{5208A472-D4B8-CC08-F9FF-EB955BBE216F}"/>
+                </a:ext>
+              </a:extLst>
+            </p:cNvPr>
+            <p:cNvSpPr/>
+            <p:nvPr/>
+          </p:nvSpPr>
+          <p:spPr>
+            <a:xfrm>
+              <a:off x="1530906" y="5007769"/>
+              <a:ext cx="2835235" cy="354330"/>
+            </a:xfrm>
+            <a:prstGeom prst="rect">
+              <a:avLst/>
+            </a:prstGeom>
+            <a:noFill/>
+            <a:ln/>
+          </p:spPr>
+          <p:txBody>
+            <a:bodyPr wrap="none" lIns="0" tIns="0" rIns="0" bIns="0" rtlCol="0" anchor="t"/>
+            <a:lstStyle/>
+            <a:p>
+              <a:pPr marL="0" indent="0" algn="l">
+                <a:lnSpc>
+                  <a:spcPts val="2750"/>
+                </a:lnSpc>
+                <a:buNone/>
+              </a:pPr>
+              <a:r>
+                <a:rPr lang="en-US" sz="2200" b="1" dirty="0">
+                  <a:solidFill>
+                    <a:srgbClr val="4A4A45"/>
+                  </a:solidFill>
+                  <a:latin typeface="Lato Bold" pitchFamily="34" charset="0"/>
+                  <a:ea typeface="Lato Bold" pitchFamily="34" charset="-122"/>
+                  <a:cs typeface="Lato Bold" pitchFamily="34" charset="-120"/>
+                </a:rPr>
+                <a:t>Open Source</a:t>
+              </a:r>
+              <a:endParaRPr lang="en-US" sz="2200" dirty="0"/>
+            </a:p>
+          </p:txBody>
+        </p:sp>
+        <p:sp>
+          <p:nvSpPr>
+            <p:cNvPr id="15" name="Shape 10">
+              <a:extLst>
+                <a:ext uri="{FF2B5EF4-FFF2-40B4-BE49-F238E27FC236}">
+                  <a16:creationId xmlns:a16="http://schemas.microsoft.com/office/drawing/2014/main" id="{B7831756-65C1-5C5B-37A4-CA7B462D75EF}"/>
+                </a:ext>
+              </a:extLst>
+            </p:cNvPr>
+            <p:cNvSpPr/>
+            <p:nvPr/>
+          </p:nvSpPr>
+          <p:spPr>
+            <a:xfrm>
+              <a:off x="793790" y="6343055"/>
+              <a:ext cx="510302" cy="510302"/>
+            </a:xfrm>
+            <a:prstGeom prst="roundRect">
+              <a:avLst>
+                <a:gd name="adj" fmla="val 6667"/>
+              </a:avLst>
+            </a:prstGeom>
+            <a:solidFill>
+              <a:srgbClr val="E5DFD2"/>
+            </a:solidFill>
+            <a:ln/>
+          </p:spPr>
+        </p:sp>
+        <p:pic>
+          <p:nvPicPr>
+            <p:cNvPr id="16" name="Image 4" descr="preencoded.png">
+              <a:extLst>
+                <a:ext uri="{FF2B5EF4-FFF2-40B4-BE49-F238E27FC236}">
+                  <a16:creationId xmlns:a16="http://schemas.microsoft.com/office/drawing/2014/main" id="{735A0798-76E2-4B36-2A25-6E5FAA1695B6}"/>
+                </a:ext>
+              </a:extLst>
+            </p:cNvPr>
+            <p:cNvPicPr>
+              <a:picLocks noChangeAspect="1"/>
+            </p:cNvPicPr>
+            <p:nvPr/>
+          </p:nvPicPr>
+          <p:blipFill>
+            <a:blip r:embed="rId5"/>
+            <a:stretch>
+              <a:fillRect/>
+            </a:stretch>
+          </p:blipFill>
+          <p:spPr>
+            <a:xfrm>
+              <a:off x="878860" y="6385560"/>
+              <a:ext cx="340162" cy="425291"/>
+            </a:xfrm>
+            <a:prstGeom prst="rect">
+              <a:avLst/>
+            </a:prstGeom>
+          </p:spPr>
+        </p:pic>
+        <p:sp>
+          <p:nvSpPr>
+            <p:cNvPr id="17" name="Text 11">
+              <a:extLst>
+                <a:ext uri="{FF2B5EF4-FFF2-40B4-BE49-F238E27FC236}">
+                  <a16:creationId xmlns:a16="http://schemas.microsoft.com/office/drawing/2014/main" id="{D22F5834-6123-83CF-0B8F-46ED248E2366}"/>
+                </a:ext>
+              </a:extLst>
+            </p:cNvPr>
+            <p:cNvSpPr/>
+            <p:nvPr/>
+          </p:nvSpPr>
+          <p:spPr>
+            <a:xfrm>
+              <a:off x="1530906" y="6343055"/>
+              <a:ext cx="2835235" cy="354330"/>
+            </a:xfrm>
+            <a:prstGeom prst="rect">
+              <a:avLst/>
+            </a:prstGeom>
+            <a:noFill/>
+            <a:ln/>
+          </p:spPr>
+          <p:txBody>
+            <a:bodyPr wrap="none" lIns="0" tIns="0" rIns="0" bIns="0" rtlCol="0" anchor="t"/>
+            <a:lstStyle/>
+            <a:p>
+              <a:pPr marL="0" indent="0" algn="l">
+                <a:lnSpc>
+                  <a:spcPts val="2750"/>
+                </a:lnSpc>
+                <a:buNone/>
+              </a:pPr>
+              <a:r>
+                <a:rPr lang="en-US" sz="2200" b="1" dirty="0">
+                  <a:solidFill>
+                    <a:srgbClr val="4A4A45"/>
+                  </a:solidFill>
+                  <a:latin typeface="Lato Bold" pitchFamily="34" charset="0"/>
+                  <a:ea typeface="Lato Bold" pitchFamily="34" charset="-122"/>
+                  <a:cs typeface="Lato Bold" pitchFamily="34" charset="-120"/>
+                </a:rPr>
+                <a:t>Accuracy</a:t>
+              </a:r>
+              <a:endParaRPr lang="en-US" sz="2200" dirty="0"/>
+            </a:p>
+          </p:txBody>
+        </p:sp>
+      </p:grpSp>
+      <p:sp>
+        <p:nvSpPr>
+          <p:cNvPr id="22" name="Text 3">
             <a:extLst>
               <a:ext uri="{FF2B5EF4-FFF2-40B4-BE49-F238E27FC236}">
-                <a16:creationId xmlns:a16="http://schemas.microsoft.com/office/drawing/2014/main" id="{ADCF86E9-313A-B77A-89FD-1315EF6AD36A}"/>
+                <a16:creationId xmlns:a16="http://schemas.microsoft.com/office/drawing/2014/main" id="{9CAE3109-A958-2F09-A97F-0A2F45DDDF16}"/>
               </a:ext>
             </a:extLst>
           </p:cNvPr>
-          <p:cNvSpPr>
-            <a:spLocks noGrp="1"/>
-          </p:cNvSpPr>
-          <p:nvPr>
-            <p:ph idx="1"/>
-          </p:nvPr>
-        </p:nvSpPr>
-        <p:spPr/>
-        <p:txBody>
-          <a:bodyPr/>
-          <a:lstStyle/>
-          <a:p>
-            <a:r>
-              <a:rPr lang="en-IN" dirty="0"/>
-              <a:t>Highly configurable since the key </a:t>
-            </a:r>
-            <a:r>
-              <a:rPr lang="en-IN" dirty="0" err="1"/>
-              <a:t>pharases</a:t>
-            </a:r>
-            <a:r>
-              <a:rPr lang="en-IN" dirty="0"/>
-              <a:t> can be modified easily</a:t>
-            </a:r>
-          </a:p>
-          <a:p>
-            <a:r>
-              <a:rPr lang="en-IN" dirty="0"/>
-              <a:t>Plug and play approach to the models</a:t>
-            </a:r>
-          </a:p>
-          <a:p>
-            <a:r>
-              <a:rPr lang="en-IN" dirty="0"/>
-              <a:t>Open source models</a:t>
-            </a:r>
-          </a:p>
-          <a:p>
-            <a:endParaRPr lang="en-IN" dirty="0"/>
-          </a:p>
-        </p:txBody>
-      </p:sp>
+          <p:cNvSpPr/>
+          <p:nvPr/>
+        </p:nvSpPr>
+        <p:spPr>
+          <a:xfrm>
+            <a:off x="1511242" y="2093575"/>
+            <a:ext cx="4240630" cy="362903"/>
+          </a:xfrm>
+          <a:prstGeom prst="rect">
+            <a:avLst/>
+          </a:prstGeom>
+          <a:noFill/>
+          <a:ln/>
+        </p:spPr>
+        <p:txBody>
+          <a:bodyPr wrap="none" lIns="0" tIns="0" rIns="0" bIns="0" rtlCol="0" anchor="t"/>
+          <a:lstStyle/>
+          <a:p>
+            <a:pPr marL="0" indent="0" algn="l">
+              <a:lnSpc>
+                <a:spcPts val="2850"/>
+              </a:lnSpc>
+              <a:buNone/>
+            </a:pPr>
+            <a:r>
+              <a:rPr lang="en-US" sz="1750" dirty="0">
+                <a:solidFill>
+                  <a:srgbClr val="4A4A45"/>
+                </a:solidFill>
+                <a:latin typeface="Lato" pitchFamily="34" charset="0"/>
+                <a:ea typeface="Lato" pitchFamily="34" charset="-122"/>
+                <a:cs typeface="Lato" pitchFamily="34" charset="-120"/>
+              </a:rPr>
+              <a:t>Easily modify key phrases.</a:t>
+            </a:r>
+            <a:endParaRPr lang="en-US" sz="1750" dirty="0"/>
+          </a:p>
+        </p:txBody>
+      </p:sp>
+      <p:sp>
+        <p:nvSpPr>
+          <p:cNvPr id="23" name="Text 6">
+            <a:extLst>
+              <a:ext uri="{FF2B5EF4-FFF2-40B4-BE49-F238E27FC236}">
+                <a16:creationId xmlns:a16="http://schemas.microsoft.com/office/drawing/2014/main" id="{D065678B-B187-FAB7-72EB-5E8C765BB22D}"/>
+              </a:ext>
+            </a:extLst>
+          </p:cNvPr>
+          <p:cNvSpPr/>
+          <p:nvPr/>
+        </p:nvSpPr>
+        <p:spPr>
+          <a:xfrm>
+            <a:off x="1511241" y="3429000"/>
+            <a:ext cx="3454049" cy="362903"/>
+          </a:xfrm>
+          <a:prstGeom prst="rect">
+            <a:avLst/>
+          </a:prstGeom>
+          <a:noFill/>
+          <a:ln/>
+        </p:spPr>
+        <p:txBody>
+          <a:bodyPr wrap="none" lIns="0" tIns="0" rIns="0" bIns="0" rtlCol="0" anchor="t"/>
+          <a:lstStyle/>
+          <a:p>
+            <a:pPr marL="0" indent="0" algn="l">
+              <a:lnSpc>
+                <a:spcPts val="2850"/>
+              </a:lnSpc>
+              <a:buNone/>
+            </a:pPr>
+            <a:r>
+              <a:rPr lang="en-US" sz="1750" dirty="0">
+                <a:solidFill>
+                  <a:srgbClr val="4A4A45"/>
+                </a:solidFill>
+                <a:latin typeface="Lato" pitchFamily="34" charset="0"/>
+                <a:ea typeface="Lato" pitchFamily="34" charset="-122"/>
+                <a:cs typeface="Lato" pitchFamily="34" charset="-120"/>
+              </a:rPr>
+              <a:t>Flexible model integration.</a:t>
+            </a:r>
+            <a:endParaRPr lang="en-US" sz="1750" dirty="0"/>
+          </a:p>
+        </p:txBody>
+      </p:sp>
+      <p:sp>
+        <p:nvSpPr>
+          <p:cNvPr id="24" name="Text 9">
+            <a:extLst>
+              <a:ext uri="{FF2B5EF4-FFF2-40B4-BE49-F238E27FC236}">
+                <a16:creationId xmlns:a16="http://schemas.microsoft.com/office/drawing/2014/main" id="{0F61756A-0743-0335-7685-54A8B11DD45F}"/>
+              </a:ext>
+            </a:extLst>
+          </p:cNvPr>
+          <p:cNvSpPr/>
+          <p:nvPr/>
+        </p:nvSpPr>
+        <p:spPr>
+          <a:xfrm>
+            <a:off x="1511241" y="4835465"/>
+            <a:ext cx="3749016" cy="362903"/>
+          </a:xfrm>
+          <a:prstGeom prst="rect">
+            <a:avLst/>
+          </a:prstGeom>
+          <a:noFill/>
+          <a:ln/>
+        </p:spPr>
+        <p:txBody>
+          <a:bodyPr wrap="none" lIns="0" tIns="0" rIns="0" bIns="0" rtlCol="0" anchor="t"/>
+          <a:lstStyle/>
+          <a:p>
+            <a:pPr marL="0" indent="0" algn="l">
+              <a:lnSpc>
+                <a:spcPts val="2850"/>
+              </a:lnSpc>
+              <a:buNone/>
+            </a:pPr>
+            <a:r>
+              <a:rPr lang="en-US" sz="1750" dirty="0">
+                <a:solidFill>
+                  <a:srgbClr val="4A4A45"/>
+                </a:solidFill>
+                <a:latin typeface="Lato" pitchFamily="34" charset="0"/>
+                <a:ea typeface="Lato" pitchFamily="34" charset="-122"/>
+                <a:cs typeface="Lato" pitchFamily="34" charset="-120"/>
+              </a:rPr>
+              <a:t>Utilizes open models.</a:t>
+            </a:r>
+            <a:endParaRPr lang="en-US" sz="1750" dirty="0"/>
+          </a:p>
+        </p:txBody>
+      </p:sp>
+      <p:sp>
+        <p:nvSpPr>
+          <p:cNvPr id="25" name="Text 12">
+            <a:extLst>
+              <a:ext uri="{FF2B5EF4-FFF2-40B4-BE49-F238E27FC236}">
+                <a16:creationId xmlns:a16="http://schemas.microsoft.com/office/drawing/2014/main" id="{5FBE513F-34E8-2149-C096-AC4DE6B4DA3B}"/>
+              </a:ext>
+            </a:extLst>
+          </p:cNvPr>
+          <p:cNvSpPr/>
+          <p:nvPr/>
+        </p:nvSpPr>
+        <p:spPr>
+          <a:xfrm>
+            <a:off x="1511241" y="6101143"/>
+            <a:ext cx="8648105" cy="362903"/>
+          </a:xfrm>
+          <a:prstGeom prst="rect">
+            <a:avLst/>
+          </a:prstGeom>
+          <a:noFill/>
+          <a:ln/>
+        </p:spPr>
+        <p:txBody>
+          <a:bodyPr wrap="none" lIns="0" tIns="0" rIns="0" bIns="0" rtlCol="0" anchor="t"/>
+          <a:lstStyle/>
+          <a:p>
+            <a:pPr marL="0" indent="0" algn="l">
+              <a:lnSpc>
+                <a:spcPts val="2850"/>
+              </a:lnSpc>
+              <a:buNone/>
+            </a:pPr>
+            <a:r>
+              <a:rPr lang="en-US" sz="1750" dirty="0">
+                <a:solidFill>
+                  <a:srgbClr val="4A4A45"/>
+                </a:solidFill>
+                <a:latin typeface="Lato" pitchFamily="34" charset="0"/>
+                <a:ea typeface="Lato" pitchFamily="34" charset="-122"/>
+                <a:cs typeface="Lato" pitchFamily="34" charset="-120"/>
+              </a:rPr>
+              <a:t>Duplicate detection through hashing.</a:t>
+            </a:r>
+            <a:endParaRPr lang="en-US" sz="1750" dirty="0"/>
+          </a:p>
+        </p:txBody>
+      </p:sp>
+      <p:pic>
+        <p:nvPicPr>
+          <p:cNvPr id="26" name="Image 0" descr="preencoded.png">
+            <a:extLst>
+              <a:ext uri="{FF2B5EF4-FFF2-40B4-BE49-F238E27FC236}">
+                <a16:creationId xmlns:a16="http://schemas.microsoft.com/office/drawing/2014/main" id="{FDFD1B26-4514-F170-2049-6E8906F9B569}"/>
+              </a:ext>
+            </a:extLst>
+          </p:cNvPr>
+          <p:cNvPicPr>
+            <a:picLocks noChangeAspect="1"/>
+          </p:cNvPicPr>
+          <p:nvPr/>
+        </p:nvPicPr>
+        <p:blipFill>
+          <a:blip r:embed="rId6"/>
+          <a:stretch>
+            <a:fillRect/>
+          </a:stretch>
+        </p:blipFill>
+        <p:spPr>
+          <a:xfrm>
+            <a:off x="8330546" y="6325"/>
+            <a:ext cx="3657600" cy="6851675"/>
+          </a:xfrm>
+          <a:prstGeom prst="rect">
+            <a:avLst/>
+          </a:prstGeom>
+        </p:spPr>
+      </p:pic>
     </p:spTree>
     <p:extLst>
       <p:ext uri="{BB962C8B-B14F-4D97-AF65-F5344CB8AC3E}">
@@ -3731,7 +5006,13 @@
   <p:cSld>
     <p:spTree>
       <p:nvGrpSpPr>
-        <p:cNvPr id="1" name=""/>
+        <p:cNvPr id="1" name="">
+          <a:extLst>
+            <a:ext uri="{FF2B5EF4-FFF2-40B4-BE49-F238E27FC236}">
+              <a16:creationId xmlns:a16="http://schemas.microsoft.com/office/drawing/2014/main" id="{3E6319F7-E593-17BD-B9E8-E1532A72E257}"/>
+            </a:ext>
+          </a:extLst>
+        </p:cNvPr>
         <p:cNvGrpSpPr/>
         <p:nvPr/>
       </p:nvGrpSpPr>
@@ -3745,73 +5026,751 @@
       </p:grpSpPr>
       <p:sp>
         <p:nvSpPr>
-          <p:cNvPr id="2" name="Title 1">
+          <p:cNvPr id="6" name="Text 0">
             <a:extLst>
               <a:ext uri="{FF2B5EF4-FFF2-40B4-BE49-F238E27FC236}">
-                <a16:creationId xmlns:a16="http://schemas.microsoft.com/office/drawing/2014/main" id="{831E8FB2-B013-D11D-C404-18853E00EBAE}"/>
+                <a16:creationId xmlns:a16="http://schemas.microsoft.com/office/drawing/2014/main" id="{8EE1C14D-5C4A-02A6-3ACB-B8BF445B2637}"/>
               </a:ext>
             </a:extLst>
           </p:cNvPr>
-          <p:cNvSpPr>
-            <a:spLocks noGrp="1"/>
-          </p:cNvSpPr>
-          <p:nvPr>
-            <p:ph type="title"/>
-          </p:nvPr>
-        </p:nvSpPr>
-        <p:spPr/>
-        <p:txBody>
-          <a:bodyPr/>
-          <a:lstStyle/>
-          <a:p>
-            <a:r>
-              <a:rPr lang="en-IN" dirty="0"/>
-              <a:t>Area of improvements</a:t>
-            </a:r>
-          </a:p>
-        </p:txBody>
-      </p:sp>
-      <p:sp>
-        <p:nvSpPr>
-          <p:cNvPr id="3" name="Content Placeholder 2">
+          <p:cNvSpPr/>
+          <p:nvPr/>
+        </p:nvSpPr>
+        <p:spPr>
+          <a:xfrm>
+            <a:off x="774125" y="403840"/>
+            <a:ext cx="5670590" cy="708779"/>
+          </a:xfrm>
+          <a:prstGeom prst="rect">
+            <a:avLst/>
+          </a:prstGeom>
+          <a:noFill/>
+          <a:ln/>
+        </p:spPr>
+        <p:txBody>
+          <a:bodyPr wrap="none" lIns="0" tIns="0" rIns="0" bIns="0" rtlCol="0" anchor="t"/>
+          <a:lstStyle/>
+          <a:p>
+            <a:pPr marL="0" indent="0" algn="l">
+              <a:lnSpc>
+                <a:spcPts val="5550"/>
+              </a:lnSpc>
+              <a:buNone/>
+            </a:pPr>
+            <a:r>
+              <a:rPr lang="en-US" sz="4450" b="1" dirty="0">
+                <a:solidFill>
+                  <a:srgbClr val="282824"/>
+                </a:solidFill>
+                <a:latin typeface="Lato Bold" pitchFamily="34" charset="0"/>
+                <a:ea typeface="Lato Bold" pitchFamily="34" charset="-122"/>
+                <a:cs typeface="Lato Bold" pitchFamily="34" charset="-120"/>
+              </a:rPr>
+              <a:t>Improvements</a:t>
+            </a:r>
+            <a:endParaRPr lang="en-US" sz="4450" dirty="0"/>
+          </a:p>
+        </p:txBody>
+      </p:sp>
+      <p:sp>
+        <p:nvSpPr>
+          <p:cNvPr id="7" name="Shape 1">
             <a:extLst>
               <a:ext uri="{FF2B5EF4-FFF2-40B4-BE49-F238E27FC236}">
-                <a16:creationId xmlns:a16="http://schemas.microsoft.com/office/drawing/2014/main" id="{FC389F2B-C18A-77F8-85DD-74739F7ABB29}"/>
+                <a16:creationId xmlns:a16="http://schemas.microsoft.com/office/drawing/2014/main" id="{F6147BC1-099C-3FD8-5895-1F45AB53D318}"/>
               </a:ext>
             </a:extLst>
           </p:cNvPr>
-          <p:cNvSpPr>
-            <a:spLocks noGrp="1"/>
-          </p:cNvSpPr>
-          <p:nvPr>
-            <p:ph idx="1"/>
-          </p:nvPr>
-        </p:nvSpPr>
-        <p:spPr/>
-        <p:txBody>
-          <a:bodyPr/>
-          <a:lstStyle/>
-          <a:p>
+          <p:cNvSpPr/>
+          <p:nvPr/>
+        </p:nvSpPr>
+        <p:spPr>
+          <a:xfrm>
+            <a:off x="1117851" y="1547923"/>
+            <a:ext cx="1562448" cy="1013809"/>
+          </a:xfrm>
+          <a:prstGeom prst="roundRect">
+            <a:avLst>
+              <a:gd name="adj" fmla="val 2603"/>
+            </a:avLst>
+          </a:prstGeom>
+          <a:solidFill>
+            <a:srgbClr val="E5DFD2"/>
+          </a:solidFill>
+          <a:ln/>
+        </p:spPr>
+      </p:sp>
+      <p:pic>
+        <p:nvPicPr>
+          <p:cNvPr id="8" name="Image 0" descr="preencoded.png">
+            <a:extLst>
+              <a:ext uri="{FF2B5EF4-FFF2-40B4-BE49-F238E27FC236}">
+                <a16:creationId xmlns:a16="http://schemas.microsoft.com/office/drawing/2014/main" id="{2729FE84-61F0-9137-3217-2A7E2C573F51}"/>
+              </a:ext>
+            </a:extLst>
+          </p:cNvPr>
+          <p:cNvPicPr>
+            <a:picLocks noChangeAspect="1"/>
+          </p:cNvPicPr>
+          <p:nvPr/>
+        </p:nvPicPr>
+        <p:blipFill>
+          <a:blip r:embed="rId2"/>
+          <a:stretch>
+            <a:fillRect/>
+          </a:stretch>
+        </p:blipFill>
+        <p:spPr>
+          <a:xfrm>
+            <a:off x="1784439" y="1900175"/>
+            <a:ext cx="229271" cy="309213"/>
+          </a:xfrm>
+          <a:prstGeom prst="rect">
+            <a:avLst/>
+          </a:prstGeom>
+        </p:spPr>
+      </p:pic>
+      <p:sp>
+        <p:nvSpPr>
+          <p:cNvPr id="9" name="Text 2">
+            <a:extLst>
+              <a:ext uri="{FF2B5EF4-FFF2-40B4-BE49-F238E27FC236}">
+                <a16:creationId xmlns:a16="http://schemas.microsoft.com/office/drawing/2014/main" id="{23B7FD32-5C2A-FAF2-77A4-894BDE896601}"/>
+              </a:ext>
+            </a:extLst>
+          </p:cNvPr>
+          <p:cNvSpPr/>
+          <p:nvPr/>
+        </p:nvSpPr>
+        <p:spPr>
+          <a:xfrm>
+            <a:off x="2843331" y="1723864"/>
+            <a:ext cx="2037935" cy="274856"/>
+          </a:xfrm>
+          <a:prstGeom prst="rect">
+            <a:avLst/>
+          </a:prstGeom>
+          <a:noFill/>
+          <a:ln/>
+        </p:spPr>
+        <p:txBody>
+          <a:bodyPr wrap="none" lIns="0" tIns="0" rIns="0" bIns="0" rtlCol="0" anchor="t"/>
+          <a:lstStyle/>
+          <a:p>
+            <a:pPr marL="0" indent="0" algn="l">
+              <a:lnSpc>
+                <a:spcPts val="2750"/>
+              </a:lnSpc>
+              <a:buNone/>
+            </a:pPr>
+            <a:r>
+              <a:rPr lang="en-US" sz="2200" b="1" dirty="0">
+                <a:solidFill>
+                  <a:srgbClr val="4A4A45"/>
+                </a:solidFill>
+                <a:latin typeface="Lato Bold" pitchFamily="34" charset="0"/>
+                <a:ea typeface="Lato Bold" pitchFamily="34" charset="-122"/>
+                <a:cs typeface="Lato Bold" pitchFamily="34" charset="-120"/>
+              </a:rPr>
+              <a:t>Prompting</a:t>
+            </a:r>
+            <a:endParaRPr lang="en-US" sz="2200" dirty="0"/>
+          </a:p>
+        </p:txBody>
+      </p:sp>
+      <p:sp>
+        <p:nvSpPr>
+          <p:cNvPr id="10" name="Text 3">
+            <a:extLst>
+              <a:ext uri="{FF2B5EF4-FFF2-40B4-BE49-F238E27FC236}">
+                <a16:creationId xmlns:a16="http://schemas.microsoft.com/office/drawing/2014/main" id="{A05B898B-24D9-43B9-4115-E62566494587}"/>
+              </a:ext>
+            </a:extLst>
+          </p:cNvPr>
+          <p:cNvSpPr/>
+          <p:nvPr/>
+        </p:nvSpPr>
+        <p:spPr>
+          <a:xfrm>
+            <a:off x="2843331" y="2104285"/>
+            <a:ext cx="2591557" cy="281506"/>
+          </a:xfrm>
+          <a:prstGeom prst="rect">
+            <a:avLst/>
+          </a:prstGeom>
+          <a:noFill/>
+          <a:ln/>
+        </p:spPr>
+        <p:txBody>
+          <a:bodyPr wrap="none" lIns="0" tIns="0" rIns="0" bIns="0" rtlCol="0" anchor="t"/>
+          <a:lstStyle/>
+          <a:p>
+            <a:pPr marL="0" indent="0" algn="l">
+              <a:lnSpc>
+                <a:spcPts val="2850"/>
+              </a:lnSpc>
+              <a:buNone/>
+            </a:pPr>
+            <a:r>
+              <a:rPr lang="en-US" sz="1750" dirty="0">
+                <a:solidFill>
+                  <a:srgbClr val="4A4A45"/>
+                </a:solidFill>
+                <a:latin typeface="Lato" pitchFamily="34" charset="0"/>
+                <a:ea typeface="Lato" pitchFamily="34" charset="-122"/>
+                <a:cs typeface="Lato" pitchFamily="34" charset="-120"/>
+              </a:rPr>
+              <a:t>Explore better prompts for accuracy.</a:t>
+            </a:r>
+            <a:endParaRPr lang="en-US" sz="1750" dirty="0"/>
+          </a:p>
+        </p:txBody>
+      </p:sp>
+      <p:sp>
+        <p:nvSpPr>
+          <p:cNvPr id="11" name="Shape 4">
+            <a:extLst>
+              <a:ext uri="{FF2B5EF4-FFF2-40B4-BE49-F238E27FC236}">
+                <a16:creationId xmlns:a16="http://schemas.microsoft.com/office/drawing/2014/main" id="{7DA15704-9CA8-8F82-14AF-ACDEA9093A71}"/>
+              </a:ext>
+            </a:extLst>
+          </p:cNvPr>
+          <p:cNvSpPr/>
+          <p:nvPr/>
+        </p:nvSpPr>
+        <p:spPr>
+          <a:xfrm>
+            <a:off x="2761772" y="2549910"/>
+            <a:ext cx="7649638" cy="11822"/>
+          </a:xfrm>
+          <a:prstGeom prst="roundRect">
+            <a:avLst>
+              <a:gd name="adj" fmla="val 223256"/>
+            </a:avLst>
+          </a:prstGeom>
+          <a:solidFill>
+            <a:srgbClr val="CBC5B8"/>
+          </a:solidFill>
+          <a:ln/>
+        </p:spPr>
+      </p:sp>
+      <p:sp>
+        <p:nvSpPr>
+          <p:cNvPr id="12" name="Shape 5">
+            <a:extLst>
+              <a:ext uri="{FF2B5EF4-FFF2-40B4-BE49-F238E27FC236}">
+                <a16:creationId xmlns:a16="http://schemas.microsoft.com/office/drawing/2014/main" id="{3AE9DB0F-2C3D-4C86-0C60-016CE9EA0866}"/>
+              </a:ext>
+            </a:extLst>
+          </p:cNvPr>
+          <p:cNvSpPr/>
+          <p:nvPr/>
+        </p:nvSpPr>
+        <p:spPr>
+          <a:xfrm>
+            <a:off x="1117851" y="2649656"/>
+            <a:ext cx="1562448" cy="1013809"/>
+          </a:xfrm>
+          <a:prstGeom prst="roundRect">
+            <a:avLst>
+              <a:gd name="adj" fmla="val 2603"/>
+            </a:avLst>
+          </a:prstGeom>
+          <a:solidFill>
+            <a:srgbClr val="E5DFD2"/>
+          </a:solidFill>
+          <a:ln/>
+        </p:spPr>
+      </p:sp>
+      <p:pic>
+        <p:nvPicPr>
+          <p:cNvPr id="13" name="Image 1" descr="preencoded.png">
+            <a:extLst>
+              <a:ext uri="{FF2B5EF4-FFF2-40B4-BE49-F238E27FC236}">
+                <a16:creationId xmlns:a16="http://schemas.microsoft.com/office/drawing/2014/main" id="{0F7E767E-244D-5AEB-EA3C-0FAFB8F020CF}"/>
+              </a:ext>
+            </a:extLst>
+          </p:cNvPr>
+          <p:cNvPicPr>
+            <a:picLocks noChangeAspect="1"/>
+          </p:cNvPicPr>
+          <p:nvPr/>
+        </p:nvPicPr>
+        <p:blipFill>
+          <a:blip r:embed="rId3"/>
+          <a:stretch>
+            <a:fillRect/>
+          </a:stretch>
+        </p:blipFill>
+        <p:spPr>
+          <a:xfrm>
+            <a:off x="1784440" y="2945846"/>
+            <a:ext cx="229271" cy="309213"/>
+          </a:xfrm>
+          <a:prstGeom prst="rect">
+            <a:avLst/>
+          </a:prstGeom>
+        </p:spPr>
+      </p:pic>
+      <p:sp>
+        <p:nvSpPr>
+          <p:cNvPr id="14" name="Text 6">
+            <a:extLst>
+              <a:ext uri="{FF2B5EF4-FFF2-40B4-BE49-F238E27FC236}">
+                <a16:creationId xmlns:a16="http://schemas.microsoft.com/office/drawing/2014/main" id="{C0A0F496-2125-A64F-8DE1-670617CBE278}"/>
+              </a:ext>
+            </a:extLst>
+          </p:cNvPr>
+          <p:cNvSpPr/>
+          <p:nvPr/>
+        </p:nvSpPr>
+        <p:spPr>
+          <a:xfrm>
+            <a:off x="2843330" y="2755220"/>
+            <a:ext cx="2037935" cy="274857"/>
+          </a:xfrm>
+          <a:prstGeom prst="rect">
+            <a:avLst/>
+          </a:prstGeom>
+          <a:noFill/>
+          <a:ln/>
+        </p:spPr>
+        <p:txBody>
+          <a:bodyPr wrap="none" lIns="0" tIns="0" rIns="0" bIns="0" rtlCol="0" anchor="t"/>
+          <a:lstStyle/>
+          <a:p>
+            <a:pPr marL="0" indent="0" algn="l">
+              <a:lnSpc>
+                <a:spcPts val="2750"/>
+              </a:lnSpc>
+              <a:buNone/>
+            </a:pPr>
+            <a:r>
+              <a:rPr lang="en-US" sz="2200" b="1" dirty="0">
+                <a:solidFill>
+                  <a:srgbClr val="4A4A45"/>
+                </a:solidFill>
+                <a:latin typeface="Lato Bold" pitchFamily="34" charset="0"/>
+                <a:ea typeface="Lato Bold" pitchFamily="34" charset="-122"/>
+                <a:cs typeface="Lato Bold" pitchFamily="34" charset="-120"/>
+              </a:rPr>
+              <a:t>Attachments</a:t>
+            </a:r>
+            <a:endParaRPr lang="en-US" sz="2200" dirty="0"/>
+          </a:p>
+        </p:txBody>
+      </p:sp>
+      <p:sp>
+        <p:nvSpPr>
+          <p:cNvPr id="15" name="Text 7">
+            <a:extLst>
+              <a:ext uri="{FF2B5EF4-FFF2-40B4-BE49-F238E27FC236}">
+                <a16:creationId xmlns:a16="http://schemas.microsoft.com/office/drawing/2014/main" id="{FE88AF91-3401-AB08-208A-4F1CAE68D106}"/>
+              </a:ext>
+            </a:extLst>
+          </p:cNvPr>
+          <p:cNvSpPr/>
+          <p:nvPr/>
+        </p:nvSpPr>
+        <p:spPr>
+          <a:xfrm>
+            <a:off x="2843330" y="3219401"/>
+            <a:ext cx="2310424" cy="281506"/>
+          </a:xfrm>
+          <a:prstGeom prst="rect">
+            <a:avLst/>
+          </a:prstGeom>
+          <a:noFill/>
+          <a:ln/>
+        </p:spPr>
+        <p:txBody>
+          <a:bodyPr wrap="none" lIns="0" tIns="0" rIns="0" bIns="0" rtlCol="0" anchor="t"/>
+          <a:lstStyle/>
+          <a:p>
+            <a:pPr marL="0" indent="0" algn="l">
+              <a:lnSpc>
+                <a:spcPts val="2850"/>
+              </a:lnSpc>
+              <a:buNone/>
+            </a:pPr>
+            <a:r>
+              <a:rPr lang="en-US" sz="1750" dirty="0">
+                <a:solidFill>
+                  <a:srgbClr val="4A4A45"/>
+                </a:solidFill>
+                <a:latin typeface="Lato" pitchFamily="34" charset="0"/>
+                <a:ea typeface="Lato" pitchFamily="34" charset="-122"/>
+                <a:cs typeface="Lato" pitchFamily="34" charset="-120"/>
+              </a:rPr>
+              <a:t>Read and prioritize attachments.</a:t>
+            </a:r>
+            <a:endParaRPr lang="en-US" sz="1750" dirty="0"/>
+          </a:p>
+        </p:txBody>
+      </p:sp>
+      <p:sp>
+        <p:nvSpPr>
+          <p:cNvPr id="16" name="Shape 8">
+            <a:extLst>
+              <a:ext uri="{FF2B5EF4-FFF2-40B4-BE49-F238E27FC236}">
+                <a16:creationId xmlns:a16="http://schemas.microsoft.com/office/drawing/2014/main" id="{C4C48A13-8F48-0CB2-A6C5-071735351539}"/>
+              </a:ext>
+            </a:extLst>
+          </p:cNvPr>
+          <p:cNvSpPr/>
+          <p:nvPr/>
+        </p:nvSpPr>
+        <p:spPr>
+          <a:xfrm flipV="1">
+            <a:off x="2761770" y="3663464"/>
+            <a:ext cx="7649639" cy="46378"/>
+          </a:xfrm>
+          <a:prstGeom prst="roundRect">
+            <a:avLst>
+              <a:gd name="adj" fmla="val 223256"/>
+            </a:avLst>
+          </a:prstGeom>
+          <a:solidFill>
+            <a:srgbClr val="CBC5B8"/>
+          </a:solidFill>
+          <a:ln/>
+        </p:spPr>
+      </p:sp>
+      <p:sp>
+        <p:nvSpPr>
+          <p:cNvPr id="17" name="Shape 9">
+            <a:extLst>
+              <a:ext uri="{FF2B5EF4-FFF2-40B4-BE49-F238E27FC236}">
+                <a16:creationId xmlns:a16="http://schemas.microsoft.com/office/drawing/2014/main" id="{E9B3F218-85A4-0190-3069-770486993769}"/>
+              </a:ext>
+            </a:extLst>
+          </p:cNvPr>
+          <p:cNvSpPr/>
+          <p:nvPr/>
+        </p:nvSpPr>
+        <p:spPr>
+          <a:xfrm>
+            <a:off x="1117852" y="3751390"/>
+            <a:ext cx="1562447" cy="1013809"/>
+          </a:xfrm>
+          <a:prstGeom prst="roundRect">
+            <a:avLst>
+              <a:gd name="adj" fmla="val 2603"/>
+            </a:avLst>
+          </a:prstGeom>
+          <a:solidFill>
+            <a:srgbClr val="E5DFD2"/>
+          </a:solidFill>
+          <a:ln/>
+        </p:spPr>
+      </p:sp>
+      <p:pic>
+        <p:nvPicPr>
+          <p:cNvPr id="18" name="Image 2" descr="preencoded.png">
+            <a:extLst>
+              <a:ext uri="{FF2B5EF4-FFF2-40B4-BE49-F238E27FC236}">
+                <a16:creationId xmlns:a16="http://schemas.microsoft.com/office/drawing/2014/main" id="{E1395973-F7A9-47BA-484D-14E3B93C558D}"/>
+              </a:ext>
+            </a:extLst>
+          </p:cNvPr>
+          <p:cNvPicPr>
+            <a:picLocks noChangeAspect="1"/>
+          </p:cNvPicPr>
+          <p:nvPr/>
+        </p:nvPicPr>
+        <p:blipFill>
+          <a:blip r:embed="rId4"/>
+          <a:stretch>
+            <a:fillRect/>
+          </a:stretch>
+        </p:blipFill>
+        <p:spPr>
+          <a:xfrm>
+            <a:off x="1784440" y="3948636"/>
+            <a:ext cx="229271" cy="309213"/>
+          </a:xfrm>
+          <a:prstGeom prst="rect">
+            <a:avLst/>
+          </a:prstGeom>
+        </p:spPr>
+      </p:pic>
+      <p:sp>
+        <p:nvSpPr>
+          <p:cNvPr id="19" name="Text 10">
+            <a:extLst>
+              <a:ext uri="{FF2B5EF4-FFF2-40B4-BE49-F238E27FC236}">
+                <a16:creationId xmlns:a16="http://schemas.microsoft.com/office/drawing/2014/main" id="{A2748BC3-82B1-35AC-09AA-74CA3104EAB4}"/>
+              </a:ext>
+            </a:extLst>
+          </p:cNvPr>
+          <p:cNvSpPr/>
+          <p:nvPr/>
+        </p:nvSpPr>
+        <p:spPr>
+          <a:xfrm>
+            <a:off x="2843329" y="3856951"/>
+            <a:ext cx="2037935" cy="274857"/>
+          </a:xfrm>
+          <a:prstGeom prst="rect">
+            <a:avLst/>
+          </a:prstGeom>
+          <a:noFill/>
+          <a:ln/>
+        </p:spPr>
+        <p:txBody>
+          <a:bodyPr wrap="none" lIns="0" tIns="0" rIns="0" bIns="0" rtlCol="0" anchor="t"/>
+          <a:lstStyle/>
+          <a:p>
+            <a:pPr marL="0" indent="0" algn="l">
+              <a:lnSpc>
+                <a:spcPts val="2750"/>
+              </a:lnSpc>
+              <a:buNone/>
+            </a:pPr>
+            <a:r>
+              <a:rPr lang="en-US" sz="2200" b="1" dirty="0">
+                <a:solidFill>
+                  <a:srgbClr val="4A4A45"/>
+                </a:solidFill>
+                <a:latin typeface="Lato Bold" pitchFamily="34" charset="0"/>
+                <a:ea typeface="Lato Bold" pitchFamily="34" charset="-122"/>
+                <a:cs typeface="Lato Bold" pitchFamily="34" charset="-120"/>
+              </a:rPr>
+              <a:t>Custom Models</a:t>
+            </a:r>
+            <a:endParaRPr lang="en-US" sz="2200" dirty="0"/>
+          </a:p>
+        </p:txBody>
+      </p:sp>
+      <p:sp>
+        <p:nvSpPr>
+          <p:cNvPr id="20" name="Text 11">
+            <a:extLst>
+              <a:ext uri="{FF2B5EF4-FFF2-40B4-BE49-F238E27FC236}">
+                <a16:creationId xmlns:a16="http://schemas.microsoft.com/office/drawing/2014/main" id="{49E5419B-AFB3-E9A0-1B9F-D1A00CA169AE}"/>
+              </a:ext>
+            </a:extLst>
+          </p:cNvPr>
+          <p:cNvSpPr/>
+          <p:nvPr/>
+        </p:nvSpPr>
+        <p:spPr>
+          <a:xfrm>
+            <a:off x="2843328" y="4305776"/>
+            <a:ext cx="3252671" cy="408963"/>
+          </a:xfrm>
+          <a:prstGeom prst="rect">
+            <a:avLst/>
+          </a:prstGeom>
+          <a:noFill/>
+          <a:ln/>
+        </p:spPr>
+        <p:txBody>
+          <a:bodyPr wrap="none" lIns="0" tIns="0" rIns="0" bIns="0" rtlCol="0" anchor="t"/>
+          <a:lstStyle/>
+          <a:p>
+            <a:pPr marL="0" indent="0" algn="l">
+              <a:lnSpc>
+                <a:spcPts val="2850"/>
+              </a:lnSpc>
+              <a:buNone/>
+            </a:pPr>
+            <a:r>
+              <a:rPr lang="en-US" sz="1750" dirty="0">
+                <a:solidFill>
+                  <a:srgbClr val="4A4A45"/>
+                </a:solidFill>
+                <a:latin typeface="Lato" pitchFamily="34" charset="0"/>
+                <a:ea typeface="Lato" pitchFamily="34" charset="-122"/>
+                <a:cs typeface="Lato" pitchFamily="34" charset="-120"/>
+              </a:rPr>
+              <a:t>Train models on email samples.</a:t>
+            </a:r>
+            <a:endParaRPr lang="en-US" sz="1750" dirty="0"/>
+          </a:p>
+        </p:txBody>
+      </p:sp>
+      <p:sp>
+        <p:nvSpPr>
+          <p:cNvPr id="21" name="Shape 8">
+            <a:extLst>
+              <a:ext uri="{FF2B5EF4-FFF2-40B4-BE49-F238E27FC236}">
+                <a16:creationId xmlns:a16="http://schemas.microsoft.com/office/drawing/2014/main" id="{48072F30-E130-BB24-34CD-7B7F673C5CB0}"/>
+              </a:ext>
+            </a:extLst>
+          </p:cNvPr>
+          <p:cNvSpPr/>
+          <p:nvPr/>
+        </p:nvSpPr>
+        <p:spPr>
+          <a:xfrm flipV="1">
+            <a:off x="2757929" y="4719480"/>
+            <a:ext cx="7631764" cy="45719"/>
+          </a:xfrm>
+          <a:prstGeom prst="roundRect">
+            <a:avLst>
+              <a:gd name="adj" fmla="val 223256"/>
+            </a:avLst>
+          </a:prstGeom>
+          <a:solidFill>
+            <a:srgbClr val="CBC5B8"/>
+          </a:solidFill>
+          <a:ln/>
+        </p:spPr>
+      </p:sp>
+      <p:sp>
+        <p:nvSpPr>
+          <p:cNvPr id="22" name="Shape 8">
+            <a:extLst>
+              <a:ext uri="{FF2B5EF4-FFF2-40B4-BE49-F238E27FC236}">
+                <a16:creationId xmlns:a16="http://schemas.microsoft.com/office/drawing/2014/main" id="{BE48C6A0-A76E-2EF0-8F20-AD0D81ECED9E}"/>
+              </a:ext>
+            </a:extLst>
+          </p:cNvPr>
+          <p:cNvSpPr/>
+          <p:nvPr/>
+        </p:nvSpPr>
+        <p:spPr>
+          <a:xfrm flipV="1">
+            <a:off x="2779646" y="2511273"/>
+            <a:ext cx="7631764" cy="45719"/>
+          </a:xfrm>
+          <a:prstGeom prst="roundRect">
+            <a:avLst>
+              <a:gd name="adj" fmla="val 223256"/>
+            </a:avLst>
+          </a:prstGeom>
+          <a:solidFill>
+            <a:srgbClr val="CBC5B8"/>
+          </a:solidFill>
+          <a:ln/>
+        </p:spPr>
+      </p:sp>
+      <p:sp>
+        <p:nvSpPr>
+          <p:cNvPr id="23" name="Shape 9">
+            <a:extLst>
+              <a:ext uri="{FF2B5EF4-FFF2-40B4-BE49-F238E27FC236}">
+                <a16:creationId xmlns:a16="http://schemas.microsoft.com/office/drawing/2014/main" id="{747CCC96-3CA9-B3EB-F53C-5992594C0EA7}"/>
+              </a:ext>
+            </a:extLst>
+          </p:cNvPr>
+          <p:cNvSpPr/>
+          <p:nvPr/>
+        </p:nvSpPr>
+        <p:spPr>
+          <a:xfrm>
+            <a:off x="1117852" y="4844392"/>
+            <a:ext cx="1562447" cy="1013809"/>
+          </a:xfrm>
+          <a:prstGeom prst="roundRect">
+            <a:avLst>
+              <a:gd name="adj" fmla="val 2603"/>
+            </a:avLst>
+          </a:prstGeom>
+          <a:solidFill>
+            <a:srgbClr val="E5DFD2"/>
+          </a:solidFill>
+          <a:ln/>
+        </p:spPr>
+      </p:sp>
+      <p:sp>
+        <p:nvSpPr>
+          <p:cNvPr id="24" name="Text 10">
+            <a:extLst>
+              <a:ext uri="{FF2B5EF4-FFF2-40B4-BE49-F238E27FC236}">
+                <a16:creationId xmlns:a16="http://schemas.microsoft.com/office/drawing/2014/main" id="{27E97B68-AC72-DDFA-576C-321D13FF250C}"/>
+              </a:ext>
+            </a:extLst>
+          </p:cNvPr>
+          <p:cNvSpPr/>
+          <p:nvPr/>
+        </p:nvSpPr>
+        <p:spPr>
+          <a:xfrm>
+            <a:off x="2843328" y="4916850"/>
+            <a:ext cx="2037935" cy="274857"/>
+          </a:xfrm>
+          <a:prstGeom prst="rect">
+            <a:avLst/>
+          </a:prstGeom>
+          <a:noFill/>
+          <a:ln/>
+        </p:spPr>
+        <p:txBody>
+          <a:bodyPr wrap="none" lIns="0" tIns="0" rIns="0" bIns="0" rtlCol="0" anchor="t"/>
+          <a:lstStyle/>
+          <a:p>
+            <a:pPr marL="0" indent="0" algn="l">
+              <a:lnSpc>
+                <a:spcPts val="2750"/>
+              </a:lnSpc>
+              <a:buNone/>
+            </a:pPr>
+            <a:r>
+              <a:rPr lang="en-US" sz="2200" b="1" dirty="0">
+                <a:solidFill>
+                  <a:srgbClr val="4A4A45"/>
+                </a:solidFill>
+                <a:latin typeface="Lato Bold" pitchFamily="34" charset="0"/>
+                <a:ea typeface="Lato Bold" pitchFamily="34" charset="-122"/>
+                <a:cs typeface="Lato Bold" pitchFamily="34" charset="-120"/>
+              </a:rPr>
+              <a:t>Agentic AI</a:t>
+            </a:r>
+            <a:endParaRPr lang="en-US" sz="2200" dirty="0"/>
+          </a:p>
+        </p:txBody>
+      </p:sp>
+      <p:sp>
+        <p:nvSpPr>
+          <p:cNvPr id="25" name="Text 11">
+            <a:extLst>
+              <a:ext uri="{FF2B5EF4-FFF2-40B4-BE49-F238E27FC236}">
+                <a16:creationId xmlns:a16="http://schemas.microsoft.com/office/drawing/2014/main" id="{0068184C-A2DA-FBE4-1C8F-EA57D0A40A54}"/>
+              </a:ext>
+            </a:extLst>
+          </p:cNvPr>
+          <p:cNvSpPr/>
+          <p:nvPr/>
+        </p:nvSpPr>
+        <p:spPr>
+          <a:xfrm>
+            <a:off x="2843328" y="5401099"/>
+            <a:ext cx="3891769" cy="408963"/>
+          </a:xfrm>
+          <a:prstGeom prst="rect">
+            <a:avLst/>
+          </a:prstGeom>
+          <a:noFill/>
+          <a:ln/>
+        </p:spPr>
+        <p:txBody>
+          <a:bodyPr wrap="none" lIns="0" tIns="0" rIns="0" bIns="0" rtlCol="0" anchor="t"/>
+          <a:lstStyle/>
+          <a:p>
+            <a:pPr marL="0" indent="0" algn="l">
+              <a:lnSpc>
+                <a:spcPts val="2850"/>
+              </a:lnSpc>
+              <a:buNone/>
+            </a:pPr>
             <a:r>
               <a:rPr lang="en-IN" dirty="0"/>
-              <a:t>Explore better prompting to the models for accurate detection</a:t>
-            </a:r>
-          </a:p>
-          <a:p>
-            <a:r>
-              <a:rPr lang="en-IN" dirty="0"/>
-              <a:t>Email attachments reading and prioritization</a:t>
-            </a:r>
-          </a:p>
-          <a:p>
-            <a:endParaRPr lang="en-IN" dirty="0"/>
+              <a:t>F</a:t>
+            </a:r>
+            <a:r>
+              <a:rPr lang="en-IN" sz="1800" dirty="0"/>
+              <a:t>or complete automation of the process</a:t>
+            </a:r>
+            <a:endParaRPr lang="en-US" sz="1750" dirty="0"/>
           </a:p>
         </p:txBody>
       </p:sp>
     </p:spTree>
     <p:extLst>
       <p:ext uri="{BB962C8B-B14F-4D97-AF65-F5344CB8AC3E}">
-        <p14:creationId xmlns:p14="http://schemas.microsoft.com/office/powerpoint/2010/main" val="3686156487"/>
+        <p14:creationId xmlns:p14="http://schemas.microsoft.com/office/powerpoint/2010/main" val="1443594095"/>
       </p:ext>
     </p:extLst>
   </p:cSld>
@@ -3822,9 +5781,9 @@
 </file>
 
 <file path=ppt/theme/theme1.xml><?xml version="1.0" encoding="utf-8"?>
-<a:theme xmlns:a="http://schemas.openxmlformats.org/drawingml/2006/main" name="Office Theme">
+<a:theme xmlns:a="http://schemas.openxmlformats.org/drawingml/2006/main" name="Parcel">
   <a:themeElements>
-    <a:clrScheme name="Office">
+    <a:clrScheme name="Yellow">
       <a:dk1>
         <a:sysClr val="windowText" lastClr="000000"/>
       </a:dk1>
@@ -3832,98 +5791,48 @@
         <a:sysClr val="window" lastClr="FFFFFF"/>
       </a:lt1>
       <a:dk2>
-        <a:srgbClr val="44546A"/>
+        <a:srgbClr val="39302A"/>
       </a:dk2>
       <a:lt2>
-        <a:srgbClr val="E7E6E6"/>
+        <a:srgbClr val="E5DEDB"/>
       </a:lt2>
       <a:accent1>
-        <a:srgbClr val="4472C4"/>
+        <a:srgbClr val="FFCA08"/>
       </a:accent1>
       <a:accent2>
-        <a:srgbClr val="ED7D31"/>
+        <a:srgbClr val="F8931D"/>
       </a:accent2>
       <a:accent3>
-        <a:srgbClr val="A5A5A5"/>
+        <a:srgbClr val="CE8D3E"/>
       </a:accent3>
       <a:accent4>
-        <a:srgbClr val="FFC000"/>
+        <a:srgbClr val="EC7016"/>
       </a:accent4>
       <a:accent5>
-        <a:srgbClr val="5B9BD5"/>
+        <a:srgbClr val="E64823"/>
       </a:accent5>
       <a:accent6>
-        <a:srgbClr val="70AD47"/>
+        <a:srgbClr val="9C6A6A"/>
       </a:accent6>
       <a:hlink>
-        <a:srgbClr val="0563C1"/>
+        <a:srgbClr val="2998E3"/>
       </a:hlink>
       <a:folHlink>
-        <a:srgbClr val="954F72"/>
+        <a:srgbClr val="7F723D"/>
       </a:folHlink>
     </a:clrScheme>
-    <a:fontScheme name="Office">
+    <a:fontScheme name="Parcel">
       <a:majorFont>
-        <a:latin typeface="Calibri Light" panose="020F0302020204030204"/>
+        <a:latin typeface="Gill Sans MT" panose="020B0502020104020203"/>
         <a:ea typeface=""/>
         <a:cs typeface=""/>
-        <a:font script="Jpan" typeface="游ゴシック Light"/>
-        <a:font script="Hang" typeface="맑은 고딕"/>
-        <a:font script="Hans" typeface="等线 Light"/>
-        <a:font script="Hant" typeface="新細明體"/>
-        <a:font script="Arab" typeface="Times New Roman"/>
-        <a:font script="Hebr" typeface="Times New Roman"/>
-        <a:font script="Thai" typeface="Angsana New"/>
-        <a:font script="Ethi" typeface="Nyala"/>
-        <a:font script="Beng" typeface="Vrinda"/>
-        <a:font script="Gujr" typeface="Shruti"/>
-        <a:font script="Khmr" typeface="MoolBoran"/>
-        <a:font script="Knda" typeface="Tunga"/>
-        <a:font script="Guru" typeface="Raavi"/>
-        <a:font script="Cans" typeface="Euphemia"/>
-        <a:font script="Cher" typeface="Plantagenet Cherokee"/>
-        <a:font script="Yiii" typeface="Microsoft Yi Baiti"/>
-        <a:font script="Tibt" typeface="Microsoft Himalaya"/>
-        <a:font script="Thaa" typeface="MV Boli"/>
-        <a:font script="Deva" typeface="Mangal"/>
-        <a:font script="Telu" typeface="Gautami"/>
-        <a:font script="Taml" typeface="Latha"/>
-        <a:font script="Syrc" typeface="Estrangelo Edessa"/>
-        <a:font script="Orya" typeface="Kalinga"/>
-        <a:font script="Mlym" typeface="Kartika"/>
-        <a:font script="Laoo" typeface="DokChampa"/>
-        <a:font script="Sinh" typeface="Iskoola Pota"/>
-        <a:font script="Mong" typeface="Mongolian Baiti"/>
-        <a:font script="Viet" typeface="Times New Roman"/>
-        <a:font script="Uigh" typeface="Microsoft Uighur"/>
-        <a:font script="Geor" typeface="Sylfaen"/>
-        <a:font script="Armn" typeface="Arial"/>
-        <a:font script="Bugi" typeface="Leelawadee UI"/>
-        <a:font script="Bopo" typeface="Microsoft JhengHei"/>
-        <a:font script="Java" typeface="Javanese Text"/>
-        <a:font script="Lisu" typeface="Segoe UI"/>
-        <a:font script="Mymr" typeface="Myanmar Text"/>
-        <a:font script="Nkoo" typeface="Ebrima"/>
-        <a:font script="Olck" typeface="Nirmala UI"/>
-        <a:font script="Osma" typeface="Ebrima"/>
-        <a:font script="Phag" typeface="Phagspa"/>
-        <a:font script="Syrn" typeface="Estrangelo Edessa"/>
-        <a:font script="Syrj" typeface="Estrangelo Edessa"/>
-        <a:font script="Syre" typeface="Estrangelo Edessa"/>
-        <a:font script="Sora" typeface="Nirmala UI"/>
-        <a:font script="Tale" typeface="Microsoft Tai Le"/>
-        <a:font script="Talu" typeface="Microsoft New Tai Lue"/>
-        <a:font script="Tfng" typeface="Ebrima"/>
-      </a:majorFont>
-      <a:minorFont>
-        <a:latin typeface="Calibri" panose="020F0502020204030204"/>
-        <a:ea typeface=""/>
-        <a:cs typeface=""/>
-        <a:font script="Jpan" typeface="游ゴシック"/>
-        <a:font script="Hang" typeface="맑은 고딕"/>
-        <a:font script="Hans" typeface="等线"/>
-        <a:font script="Hant" typeface="新細明體"/>
-        <a:font script="Arab" typeface="Arial"/>
+        <a:font script="Grek" typeface="Corbel"/>
+        <a:font script="Cyrl" typeface="Corbel"/>
+        <a:font script="Jpan" typeface="HGｺﾞｼｯｸE"/>
+        <a:font script="Hang" typeface="휴먼매직체"/>
+        <a:font script="Hans" typeface="华文中宋"/>
+        <a:font script="Hant" typeface="微軟正黑體"/>
+        <a:font script="Arab" typeface="Majalla UI"/>
         <a:font script="Hebr" typeface="Arial"/>
         <a:font script="Thai" typeface="Cordia New"/>
         <a:font script="Ethi" typeface="Nyala"/>
@@ -3946,29 +5855,49 @@
         <a:font script="Laoo" typeface="DokChampa"/>
         <a:font script="Sinh" typeface="Iskoola Pota"/>
         <a:font script="Mong" typeface="Mongolian Baiti"/>
-        <a:font script="Viet" typeface="Arial"/>
+        <a:font script="Viet" typeface="Tahoma"/>
         <a:font script="Uigh" typeface="Microsoft Uighur"/>
         <a:font script="Geor" typeface="Sylfaen"/>
-        <a:font script="Armn" typeface="Arial"/>
-        <a:font script="Bugi" typeface="Leelawadee UI"/>
-        <a:font script="Bopo" typeface="Microsoft JhengHei"/>
-        <a:font script="Java" typeface="Javanese Text"/>
-        <a:font script="Lisu" typeface="Segoe UI"/>
-        <a:font script="Mymr" typeface="Myanmar Text"/>
-        <a:font script="Nkoo" typeface="Ebrima"/>
-        <a:font script="Olck" typeface="Nirmala UI"/>
-        <a:font script="Osma" typeface="Ebrima"/>
-        <a:font script="Phag" typeface="Phagspa"/>
-        <a:font script="Syrn" typeface="Estrangelo Edessa"/>
-        <a:font script="Syrj" typeface="Estrangelo Edessa"/>
-        <a:font script="Syre" typeface="Estrangelo Edessa"/>
-        <a:font script="Sora" typeface="Nirmala UI"/>
-        <a:font script="Tale" typeface="Microsoft Tai Le"/>
-        <a:font script="Talu" typeface="Microsoft New Tai Lue"/>
-        <a:font script="Tfng" typeface="Ebrima"/>
+      </a:majorFont>
+      <a:minorFont>
+        <a:latin typeface="Gill Sans MT" panose="020B0502020104020203"/>
+        <a:ea typeface=""/>
+        <a:cs typeface=""/>
+        <a:font script="Grek" typeface="Corbel"/>
+        <a:font script="Cyrl" typeface="Corbel"/>
+        <a:font script="Jpan" typeface="HGｺﾞｼｯｸE"/>
+        <a:font script="Hang" typeface="휴먼매직체"/>
+        <a:font script="Hans" typeface="华文中宋"/>
+        <a:font script="Hant" typeface="微軟正黑體"/>
+        <a:font script="Arab" typeface="Majalla UI"/>
+        <a:font script="Hebr" typeface="Arial"/>
+        <a:font script="Thai" typeface="Cordia New"/>
+        <a:font script="Ethi" typeface="Nyala"/>
+        <a:font script="Beng" typeface="Vrinda"/>
+        <a:font script="Gujr" typeface="Shruti"/>
+        <a:font script="Khmr" typeface="DaunPenh"/>
+        <a:font script="Knda" typeface="Tunga"/>
+        <a:font script="Guru" typeface="Raavi"/>
+        <a:font script="Cans" typeface="Euphemia"/>
+        <a:font script="Cher" typeface="Plantagenet Cherokee"/>
+        <a:font script="Yiii" typeface="Microsoft Yi Baiti"/>
+        <a:font script="Tibt" typeface="Microsoft Himalaya"/>
+        <a:font script="Thaa" typeface="MV Boli"/>
+        <a:font script="Deva" typeface="Mangal"/>
+        <a:font script="Telu" typeface="Gautami"/>
+        <a:font script="Taml" typeface="Latha"/>
+        <a:font script="Syrc" typeface="Estrangelo Edessa"/>
+        <a:font script="Orya" typeface="Kalinga"/>
+        <a:font script="Mlym" typeface="Kartika"/>
+        <a:font script="Laoo" typeface="DokChampa"/>
+        <a:font script="Sinh" typeface="Iskoola Pota"/>
+        <a:font script="Mong" typeface="Mongolian Baiti"/>
+        <a:font script="Viet" typeface="Tahoma"/>
+        <a:font script="Uigh" typeface="Microsoft Uighur"/>
+        <a:font script="Geor" typeface="Sylfaen"/>
       </a:minorFont>
     </a:fontScheme>
-    <a:fmtScheme name="Office">
+    <a:fmtScheme name="Parcel">
       <a:fillStyleLst>
         <a:solidFill>
           <a:schemeClr val="phClr"/>
@@ -3977,23 +5906,16 @@
           <a:gsLst>
             <a:gs pos="0">
               <a:schemeClr val="phClr">
-                <a:lumMod val="110000"/>
-                <a:satMod val="105000"/>
-                <a:tint val="67000"/>
-              </a:schemeClr>
-            </a:gs>
-            <a:gs pos="50000">
-              <a:schemeClr val="phClr">
-                <a:lumMod val="105000"/>
-                <a:satMod val="103000"/>
-                <a:tint val="73000"/>
+                <a:tint val="80000"/>
+                <a:satMod val="107000"/>
+                <a:lumMod val="103000"/>
               </a:schemeClr>
             </a:gs>
             <a:gs pos="100000">
               <a:schemeClr val="phClr">
-                <a:lumMod val="105000"/>
+                <a:tint val="82000"/>
                 <a:satMod val="109000"/>
-                <a:tint val="81000"/>
+                <a:lumMod val="103000"/>
               </a:schemeClr>
             </a:gs>
           </a:gsLst>
@@ -4003,23 +5925,23 @@
           <a:gsLst>
             <a:gs pos="0">
               <a:schemeClr val="phClr">
-                <a:satMod val="103000"/>
+                <a:tint val="97000"/>
+                <a:satMod val="100000"/>
                 <a:lumMod val="102000"/>
-                <a:tint val="94000"/>
               </a:schemeClr>
             </a:gs>
             <a:gs pos="50000">
               <a:schemeClr val="phClr">
-                <a:satMod val="110000"/>
+                <a:shade val="100000"/>
+                <a:satMod val="103000"/>
                 <a:lumMod val="100000"/>
-                <a:shade val="100000"/>
               </a:schemeClr>
             </a:gs>
             <a:gs pos="100000">
               <a:schemeClr val="phClr">
+                <a:shade val="93000"/>
+                <a:satMod val="110000"/>
                 <a:lumMod val="99000"/>
-                <a:satMod val="120000"/>
-                <a:shade val="78000"/>
               </a:schemeClr>
             </a:gs>
           </a:gsLst>
@@ -4032,21 +5954,18 @@
             <a:schemeClr val="phClr"/>
           </a:solidFill>
           <a:prstDash val="solid"/>
-          <a:miter lim="800000"/>
         </a:ln>
         <a:ln w="12700" cap="flat" cmpd="sng" algn="ctr">
           <a:solidFill>
             <a:schemeClr val="phClr"/>
           </a:solidFill>
           <a:prstDash val="solid"/>
-          <a:miter lim="800000"/>
         </a:ln>
-        <a:ln w="19050" cap="flat" cmpd="sng" algn="ctr">
+        <a:ln w="31750" cap="flat" cmpd="sng" algn="ctr">
           <a:solidFill>
             <a:schemeClr val="phClr"/>
           </a:solidFill>
           <a:prstDash val="solid"/>
-          <a:miter lim="800000"/>
         </a:ln>
       </a:lnStyleLst>
       <a:effectStyleLst>
@@ -4058,12 +5977,21 @@
         </a:effectStyle>
         <a:effectStyle>
           <a:effectLst>
-            <a:outerShdw blurRad="57150" dist="19050" dir="5400000" algn="ctr" rotWithShape="0">
+            <a:outerShdw blurRad="55880" dist="15240" dir="5400000" algn="ctr" rotWithShape="0">
               <a:srgbClr val="000000">
-                <a:alpha val="63000"/>
+                <a:alpha val="45000"/>
               </a:srgbClr>
             </a:outerShdw>
           </a:effectLst>
+          <a:scene3d>
+            <a:camera prst="orthographicFront">
+              <a:rot lat="0" lon="0" rev="0"/>
+            </a:camera>
+            <a:lightRig rig="brightRoom" dir="tl"/>
+          </a:scene3d>
+          <a:sp3d prstMaterial="dkEdge">
+            <a:bevelT w="0" h="0"/>
+          </a:sp3d>
         </a:effectStyle>
       </a:effectStyleLst>
       <a:bgFillStyleLst>
@@ -4080,28 +6008,24 @@
           <a:gsLst>
             <a:gs pos="0">
               <a:schemeClr val="phClr">
-                <a:tint val="93000"/>
-                <a:satMod val="150000"/>
-                <a:shade val="98000"/>
-                <a:lumMod val="102000"/>
-              </a:schemeClr>
-            </a:gs>
-            <a:gs pos="50000">
-              <a:schemeClr val="phClr">
-                <a:tint val="98000"/>
-                <a:satMod val="130000"/>
-                <a:shade val="90000"/>
-                <a:lumMod val="103000"/>
+                <a:tint val="97000"/>
+                <a:shade val="100000"/>
+                <a:satMod val="185000"/>
+                <a:lumMod val="120000"/>
               </a:schemeClr>
             </a:gs>
             <a:gs pos="100000">
               <a:schemeClr val="phClr">
-                <a:shade val="63000"/>
-                <a:satMod val="120000"/>
+                <a:tint val="96000"/>
+                <a:shade val="95000"/>
+                <a:satMod val="215000"/>
+                <a:lumMod val="80000"/>
               </a:schemeClr>
             </a:gs>
           </a:gsLst>
-          <a:lin ang="5400000" scaled="0"/>
+          <a:path path="circle">
+            <a:fillToRect l="50000" t="55000" r="125000" b="100000"/>
+          </a:path>
         </a:gradFill>
       </a:bgFillStyleLst>
     </a:fmtScheme>
@@ -4110,7 +6034,7 @@
   <a:extraClrSchemeLst/>
   <a:extLst>
     <a:ext uri="{05A4C25C-085E-4340-85A3-A5531E510DB2}">
-      <thm15:themeFamily xmlns:thm15="http://schemas.microsoft.com/office/thememl/2012/main" name="Office Theme" id="{62F939B6-93AF-4DB8-9C6B-D6C7DFDC589F}" vid="{4A3C46E8-61CC-4603-A589-7422A47A8E4A}"/>
+      <thm15:themeFamily xmlns:thm15="http://schemas.microsoft.com/office/thememl/2012/main" name="Parcel" id="{8BEC4385-4EB9-4D53-BFB5-0EA123736B6D}" vid="{4DB32801-28C0-48B0-8C1D-A9A58613615A}"/>
     </a:ext>
   </a:extLst>
 </a:theme>
